--- a/Connecting non-data Literate Stakeholders to Data using R.pptx
+++ b/Connecting non-data Literate Stakeholders to Data using R.pptx
@@ -5,7 +5,7 @@
     <p:sldMasterId id="2147483648" r:id="rId1"/>
   </p:sldMasterIdLst>
   <p:notesMasterIdLst>
-    <p:notesMasterId r:id="rId19"/>
+    <p:notesMasterId r:id="rId22"/>
   </p:notesMasterIdLst>
   <p:sldIdLst>
     <p:sldId id="256" r:id="rId2"/>
@@ -13,18 +13,21 @@
     <p:sldId id="258" r:id="rId4"/>
     <p:sldId id="272" r:id="rId5"/>
     <p:sldId id="259" r:id="rId6"/>
-    <p:sldId id="270" r:id="rId7"/>
-    <p:sldId id="260" r:id="rId8"/>
-    <p:sldId id="261" r:id="rId9"/>
-    <p:sldId id="262" r:id="rId10"/>
-    <p:sldId id="263" r:id="rId11"/>
-    <p:sldId id="264" r:id="rId12"/>
-    <p:sldId id="265" r:id="rId13"/>
-    <p:sldId id="266" r:id="rId14"/>
-    <p:sldId id="267" r:id="rId15"/>
-    <p:sldId id="271" r:id="rId16"/>
-    <p:sldId id="268" r:id="rId17"/>
-    <p:sldId id="269" r:id="rId18"/>
+    <p:sldId id="275" r:id="rId7"/>
+    <p:sldId id="270" r:id="rId8"/>
+    <p:sldId id="260" r:id="rId9"/>
+    <p:sldId id="273" r:id="rId10"/>
+    <p:sldId id="261" r:id="rId11"/>
+    <p:sldId id="262" r:id="rId12"/>
+    <p:sldId id="263" r:id="rId13"/>
+    <p:sldId id="264" r:id="rId14"/>
+    <p:sldId id="265" r:id="rId15"/>
+    <p:sldId id="266" r:id="rId16"/>
+    <p:sldId id="267" r:id="rId17"/>
+    <p:sldId id="271" r:id="rId18"/>
+    <p:sldId id="268" r:id="rId19"/>
+    <p:sldId id="269" r:id="rId20"/>
+    <p:sldId id="274" r:id="rId21"/>
   </p:sldIdLst>
   <p:sldSz cx="12192000" cy="6858000"/>
   <p:notesSz cx="6858000" cy="9144000"/>
@@ -134,7 +137,7 @@
 <file path=ppt/revisionInfo.xml><?xml version="1.0" encoding="utf-8"?>
 <p1510:revInfo xmlns:a="http://schemas.openxmlformats.org/drawingml/2006/main" xmlns:r="http://schemas.openxmlformats.org/officeDocument/2006/relationships" xmlns:p1510="http://schemas.microsoft.com/office/powerpoint/2015/10/main">
   <p1510:revLst>
-    <p1510:client id="{408599AA-3329-4C94-ACCB-B67746C53EE1}" v="15" dt="2023-10-29T08:27:59.899"/>
+    <p1510:client id="{408599AA-3329-4C94-ACCB-B67746C53EE1}" v="48" dt="2023-11-05T13:21:45.816"/>
   </p1510:revLst>
 </p1510:revInfo>
 </file>
@@ -143,17 +146,25 @@
 <pc:chgInfo xmlns:a="http://schemas.openxmlformats.org/drawingml/2006/main" xmlns:r="http://schemas.openxmlformats.org/officeDocument/2006/relationships" xmlns:ac="http://schemas.microsoft.com/office/drawing/2013/main/command" xmlns:pc="http://schemas.microsoft.com/office/powerpoint/2013/main/command">
   <pc:docChgLst>
     <pc:chgData name="Cathrine Lind" userId="2cb593a3bc659646" providerId="LiveId" clId="{408599AA-3329-4C94-ACCB-B67746C53EE1}"/>
-    <pc:docChg chg="undo custSel addSld modSld">
-      <pc:chgData name="Cathrine Lind" userId="2cb593a3bc659646" providerId="LiveId" clId="{408599AA-3329-4C94-ACCB-B67746C53EE1}" dt="2023-10-29T08:32:39.097" v="1665" actId="729"/>
+    <pc:docChg chg="undo custSel addSld modSld sldOrd">
+      <pc:chgData name="Cathrine Lind" userId="2cb593a3bc659646" providerId="LiveId" clId="{408599AA-3329-4C94-ACCB-B67746C53EE1}" dt="2023-11-05T13:22:02.840" v="3579" actId="14100"/>
       <pc:docMkLst>
         <pc:docMk/>
       </pc:docMkLst>
       <pc:sldChg chg="modSp mod">
-        <pc:chgData name="Cathrine Lind" userId="2cb593a3bc659646" providerId="LiveId" clId="{408599AA-3329-4C94-ACCB-B67746C53EE1}" dt="2023-10-29T08:24:26.494" v="1589" actId="1037"/>
+        <pc:chgData name="Cathrine Lind" userId="2cb593a3bc659646" providerId="LiveId" clId="{408599AA-3329-4C94-ACCB-B67746C53EE1}" dt="2023-11-05T08:30:41.536" v="3543" actId="113"/>
         <pc:sldMkLst>
           <pc:docMk/>
           <pc:sldMk cId="614061294" sldId="256"/>
         </pc:sldMkLst>
+        <pc:spChg chg="mod">
+          <ac:chgData name="Cathrine Lind" userId="2cb593a3bc659646" providerId="LiveId" clId="{408599AA-3329-4C94-ACCB-B67746C53EE1}" dt="2023-11-05T08:30:41.536" v="3543" actId="113"/>
+          <ac:spMkLst>
+            <pc:docMk/>
+            <pc:sldMk cId="614061294" sldId="256"/>
+            <ac:spMk id="2" creationId="{925FAB9C-F420-8EA3-0C74-ACBDD71998DC}"/>
+          </ac:spMkLst>
+        </pc:spChg>
         <pc:picChg chg="mod">
           <ac:chgData name="Cathrine Lind" userId="2cb593a3bc659646" providerId="LiveId" clId="{408599AA-3329-4C94-ACCB-B67746C53EE1}" dt="2023-10-29T08:24:26.494" v="1589" actId="1037"/>
           <ac:picMkLst>
@@ -163,21 +174,37 @@
           </ac:picMkLst>
         </pc:picChg>
       </pc:sldChg>
-      <pc:sldChg chg="modNotesTx">
-        <pc:chgData name="Cathrine Lind" userId="2cb593a3bc659646" providerId="LiveId" clId="{408599AA-3329-4C94-ACCB-B67746C53EE1}" dt="2023-10-27T09:50:35.459" v="1482" actId="20577"/>
+      <pc:sldChg chg="modSp mod modNotesTx">
+        <pc:chgData name="Cathrine Lind" userId="2cb593a3bc659646" providerId="LiveId" clId="{408599AA-3329-4C94-ACCB-B67746C53EE1}" dt="2023-11-05T08:30:52.922" v="3544" actId="113"/>
         <pc:sldMkLst>
           <pc:docMk/>
           <pc:sldMk cId="1109789540" sldId="257"/>
         </pc:sldMkLst>
+        <pc:spChg chg="mod">
+          <ac:chgData name="Cathrine Lind" userId="2cb593a3bc659646" providerId="LiveId" clId="{408599AA-3329-4C94-ACCB-B67746C53EE1}" dt="2023-11-05T08:30:52.922" v="3544" actId="113"/>
+          <ac:spMkLst>
+            <pc:docMk/>
+            <pc:sldMk cId="1109789540" sldId="257"/>
+            <ac:spMk id="2" creationId="{964B8040-9FEF-C3D1-5E9B-046E122DEFB7}"/>
+          </ac:spMkLst>
+        </pc:spChg>
+        <pc:spChg chg="mod">
+          <ac:chgData name="Cathrine Lind" userId="2cb593a3bc659646" providerId="LiveId" clId="{408599AA-3329-4C94-ACCB-B67746C53EE1}" dt="2023-11-05T07:41:24.311" v="2981" actId="20577"/>
+          <ac:spMkLst>
+            <pc:docMk/>
+            <pc:sldMk cId="1109789540" sldId="257"/>
+            <ac:spMk id="3" creationId="{0D9FD767-5758-CA98-6B58-91AB69A67F14}"/>
+          </ac:spMkLst>
+        </pc:spChg>
       </pc:sldChg>
       <pc:sldChg chg="addSp delSp modSp mod modNotesTx">
-        <pc:chgData name="Cathrine Lind" userId="2cb593a3bc659646" providerId="LiveId" clId="{408599AA-3329-4C94-ACCB-B67746C53EE1}" dt="2023-10-29T08:29:19.239" v="1657" actId="313"/>
+        <pc:chgData name="Cathrine Lind" userId="2cb593a3bc659646" providerId="LiveId" clId="{408599AA-3329-4C94-ACCB-B67746C53EE1}" dt="2023-11-05T08:31:42.208" v="3553" actId="113"/>
         <pc:sldMkLst>
           <pc:docMk/>
           <pc:sldMk cId="3206868724" sldId="258"/>
         </pc:sldMkLst>
         <pc:spChg chg="mod">
-          <ac:chgData name="Cathrine Lind" userId="2cb593a3bc659646" providerId="LiveId" clId="{408599AA-3329-4C94-ACCB-B67746C53EE1}" dt="2023-10-16T12:58:21.878" v="32" actId="20577"/>
+          <ac:chgData name="Cathrine Lind" userId="2cb593a3bc659646" providerId="LiveId" clId="{408599AA-3329-4C94-ACCB-B67746C53EE1}" dt="2023-11-05T08:31:25.338" v="3546" actId="255"/>
           <ac:spMkLst>
             <pc:docMk/>
             <pc:sldMk cId="3206868724" sldId="258"/>
@@ -185,7 +212,7 @@
           </ac:spMkLst>
         </pc:spChg>
         <pc:spChg chg="mod">
-          <ac:chgData name="Cathrine Lind" userId="2cb593a3bc659646" providerId="LiveId" clId="{408599AA-3329-4C94-ACCB-B67746C53EE1}" dt="2023-10-29T08:27:45.339" v="1612" actId="1076"/>
+          <ac:chgData name="Cathrine Lind" userId="2cb593a3bc659646" providerId="LiveId" clId="{408599AA-3329-4C94-ACCB-B67746C53EE1}" dt="2023-11-05T08:31:42.208" v="3553" actId="113"/>
           <ac:spMkLst>
             <pc:docMk/>
             <pc:sldMk cId="3206868724" sldId="258"/>
@@ -201,7 +228,7 @@
           </ac:spMkLst>
         </pc:spChg>
         <pc:grpChg chg="add mod">
-          <ac:chgData name="Cathrine Lind" userId="2cb593a3bc659646" providerId="LiveId" clId="{408599AA-3329-4C94-ACCB-B67746C53EE1}" dt="2023-10-29T08:28:01.609" v="1621" actId="1076"/>
+          <ac:chgData name="Cathrine Lind" userId="2cb593a3bc659646" providerId="LiveId" clId="{408599AA-3329-4C94-ACCB-B67746C53EE1}" dt="2023-11-02T06:57:19.381" v="2240" actId="14100"/>
           <ac:grpSpMkLst>
             <pc:docMk/>
             <pc:sldMk cId="3206868724" sldId="258"/>
@@ -216,8 +243,8 @@
             <ac:picMk id="5" creationId="{27165C0D-1DB9-8BCE-99BB-F248DE2E889C}"/>
           </ac:picMkLst>
         </pc:picChg>
-        <pc:picChg chg="add mod modCrop">
-          <ac:chgData name="Cathrine Lind" userId="2cb593a3bc659646" providerId="LiveId" clId="{408599AA-3329-4C94-ACCB-B67746C53EE1}" dt="2023-10-27T06:15:21.150" v="1103" actId="14100"/>
+        <pc:picChg chg="add del mod modCrop">
+          <ac:chgData name="Cathrine Lind" userId="2cb593a3bc659646" providerId="LiveId" clId="{408599AA-3329-4C94-ACCB-B67746C53EE1}" dt="2023-11-02T06:57:35.395" v="2241" actId="478"/>
           <ac:picMkLst>
             <pc:docMk/>
             <pc:sldMk cId="3206868724" sldId="258"/>
@@ -242,7 +269,7 @@
         </pc:picChg>
       </pc:sldChg>
       <pc:sldChg chg="addSp modSp mod modNotesTx">
-        <pc:chgData name="Cathrine Lind" userId="2cb593a3bc659646" providerId="LiveId" clId="{408599AA-3329-4C94-ACCB-B67746C53EE1}" dt="2023-10-29T08:29:43.798" v="1658" actId="2711"/>
+        <pc:chgData name="Cathrine Lind" userId="2cb593a3bc659646" providerId="LiveId" clId="{408599AA-3329-4C94-ACCB-B67746C53EE1}" dt="2023-11-05T08:18:15.053" v="3347" actId="20577"/>
         <pc:sldMkLst>
           <pc:docMk/>
           <pc:sldMk cId="3122419311" sldId="259"/>
@@ -256,7 +283,7 @@
           </ac:spMkLst>
         </pc:spChg>
         <pc:spChg chg="mod">
-          <ac:chgData name="Cathrine Lind" userId="2cb593a3bc659646" providerId="LiveId" clId="{408599AA-3329-4C94-ACCB-B67746C53EE1}" dt="2023-10-29T08:29:43.798" v="1658" actId="2711"/>
+          <ac:chgData name="Cathrine Lind" userId="2cb593a3bc659646" providerId="LiveId" clId="{408599AA-3329-4C94-ACCB-B67746C53EE1}" dt="2023-11-05T08:18:15.053" v="3347" actId="20577"/>
           <ac:spMkLst>
             <pc:docMk/>
             <pc:sldMk cId="3122419311" sldId="259"/>
@@ -273,13 +300,13 @@
         </pc:picChg>
       </pc:sldChg>
       <pc:sldChg chg="addSp delSp modSp mod">
-        <pc:chgData name="Cathrine Lind" userId="2cb593a3bc659646" providerId="LiveId" clId="{408599AA-3329-4C94-ACCB-B67746C53EE1}" dt="2023-10-27T06:30:56.449" v="1440" actId="20577"/>
+        <pc:chgData name="Cathrine Lind" userId="2cb593a3bc659646" providerId="LiveId" clId="{408599AA-3329-4C94-ACCB-B67746C53EE1}" dt="2023-11-05T08:18:40.293" v="3348" actId="113"/>
         <pc:sldMkLst>
           <pc:docMk/>
           <pc:sldMk cId="3260655191" sldId="260"/>
         </pc:sldMkLst>
         <pc:spChg chg="mod">
-          <ac:chgData name="Cathrine Lind" userId="2cb593a3bc659646" providerId="LiveId" clId="{408599AA-3329-4C94-ACCB-B67746C53EE1}" dt="2023-10-16T13:08:13.914" v="508" actId="2711"/>
+          <ac:chgData name="Cathrine Lind" userId="2cb593a3bc659646" providerId="LiveId" clId="{408599AA-3329-4C94-ACCB-B67746C53EE1}" dt="2023-11-05T08:18:40.293" v="3348" actId="113"/>
           <ac:spMkLst>
             <pc:docMk/>
             <pc:sldMk cId="3260655191" sldId="260"/>
@@ -303,14 +330,14 @@
           </ac:picMkLst>
         </pc:picChg>
       </pc:sldChg>
-      <pc:sldChg chg="addSp modSp new mod">
-        <pc:chgData name="Cathrine Lind" userId="2cb593a3bc659646" providerId="LiveId" clId="{408599AA-3329-4C94-ACCB-B67746C53EE1}" dt="2023-10-16T13:27:49.735" v="1087" actId="20577"/>
+      <pc:sldChg chg="addSp delSp modSp new mod modNotesTx">
+        <pc:chgData name="Cathrine Lind" userId="2cb593a3bc659646" providerId="LiveId" clId="{408599AA-3329-4C94-ACCB-B67746C53EE1}" dt="2023-11-05T08:27:36.826" v="3536" actId="1035"/>
         <pc:sldMkLst>
           <pc:docMk/>
           <pc:sldMk cId="3977348466" sldId="261"/>
         </pc:sldMkLst>
         <pc:spChg chg="mod">
-          <ac:chgData name="Cathrine Lind" userId="2cb593a3bc659646" providerId="LiveId" clId="{408599AA-3329-4C94-ACCB-B67746C53EE1}" dt="2023-10-16T13:11:55.003" v="760" actId="2711"/>
+          <ac:chgData name="Cathrine Lind" userId="2cb593a3bc659646" providerId="LiveId" clId="{408599AA-3329-4C94-ACCB-B67746C53EE1}" dt="2023-11-05T08:18:46.888" v="3350" actId="113"/>
           <ac:spMkLst>
             <pc:docMk/>
             <pc:sldMk cId="3977348466" sldId="261"/>
@@ -318,7 +345,7 @@
           </ac:spMkLst>
         </pc:spChg>
         <pc:spChg chg="mod">
-          <ac:chgData name="Cathrine Lind" userId="2cb593a3bc659646" providerId="LiveId" clId="{408599AA-3329-4C94-ACCB-B67746C53EE1}" dt="2023-10-16T13:27:49.735" v="1087" actId="20577"/>
+          <ac:chgData name="Cathrine Lind" userId="2cb593a3bc659646" providerId="LiveId" clId="{408599AA-3329-4C94-ACCB-B67746C53EE1}" dt="2023-11-05T08:21:12.205" v="3376" actId="20577"/>
           <ac:spMkLst>
             <pc:docMk/>
             <pc:sldMk cId="3977348466" sldId="261"/>
@@ -357,6 +384,22 @@
             <ac:spMk id="7" creationId="{C9315EF4-57EF-2F75-6BBD-BBC970974383}"/>
           </ac:spMkLst>
         </pc:spChg>
+        <pc:spChg chg="add mod">
+          <ac:chgData name="Cathrine Lind" userId="2cb593a3bc659646" providerId="LiveId" clId="{408599AA-3329-4C94-ACCB-B67746C53EE1}" dt="2023-11-05T08:27:00.369" v="3515" actId="20577"/>
+          <ac:spMkLst>
+            <pc:docMk/>
+            <pc:sldMk cId="3977348466" sldId="261"/>
+            <ac:spMk id="9" creationId="{0E745F4B-27AD-2C29-1667-550A893A996E}"/>
+          </ac:spMkLst>
+        </pc:spChg>
+        <pc:spChg chg="add mod">
+          <ac:chgData name="Cathrine Lind" userId="2cb593a3bc659646" providerId="LiveId" clId="{408599AA-3329-4C94-ACCB-B67746C53EE1}" dt="2023-11-05T08:27:36.826" v="3536" actId="1035"/>
+          <ac:spMkLst>
+            <pc:docMk/>
+            <pc:sldMk cId="3977348466" sldId="261"/>
+            <ac:spMk id="10" creationId="{54F66655-F0C2-2817-4AA5-E9371D167574}"/>
+          </ac:spMkLst>
+        </pc:spChg>
         <pc:grpChg chg="add mod">
           <ac:chgData name="Cathrine Lind" userId="2cb593a3bc659646" providerId="LiveId" clId="{408599AA-3329-4C94-ACCB-B67746C53EE1}" dt="2023-10-16T13:23:17.854" v="904" actId="1036"/>
           <ac:grpSpMkLst>
@@ -365,15 +408,23 @@
             <ac:grpSpMk id="8" creationId="{50DD50A9-A058-731D-30BA-908C01380579}"/>
           </ac:grpSpMkLst>
         </pc:grpChg>
+        <pc:picChg chg="add del mod">
+          <ac:chgData name="Cathrine Lind" userId="2cb593a3bc659646" providerId="LiveId" clId="{408599AA-3329-4C94-ACCB-B67746C53EE1}" dt="2023-11-05T08:21:07.895" v="3375" actId="478"/>
+          <ac:picMkLst>
+            <pc:docMk/>
+            <pc:sldMk cId="3977348466" sldId="261"/>
+            <ac:picMk id="1026" creationId="{B4B6E976-3141-3CD2-DEA8-5D1363AD2AB1}"/>
+          </ac:picMkLst>
+        </pc:picChg>
       </pc:sldChg>
       <pc:sldChg chg="addSp modSp new mod">
-        <pc:chgData name="Cathrine Lind" userId="2cb593a3bc659646" providerId="LiveId" clId="{408599AA-3329-4C94-ACCB-B67746C53EE1}" dt="2023-10-27T06:32:26.912" v="1450" actId="1035"/>
+        <pc:chgData name="Cathrine Lind" userId="2cb593a3bc659646" providerId="LiveId" clId="{408599AA-3329-4C94-ACCB-B67746C53EE1}" dt="2023-11-05T08:18:51.048" v="3351" actId="113"/>
         <pc:sldMkLst>
           <pc:docMk/>
           <pc:sldMk cId="3726256060" sldId="262"/>
         </pc:sldMkLst>
         <pc:spChg chg="mod">
-          <ac:chgData name="Cathrine Lind" userId="2cb593a3bc659646" providerId="LiveId" clId="{408599AA-3329-4C94-ACCB-B67746C53EE1}" dt="2023-10-16T13:23:48.631" v="914" actId="2711"/>
+          <ac:chgData name="Cathrine Lind" userId="2cb593a3bc659646" providerId="LiveId" clId="{408599AA-3329-4C94-ACCB-B67746C53EE1}" dt="2023-11-05T08:18:51.048" v="3351" actId="113"/>
           <ac:spMkLst>
             <pc:docMk/>
             <pc:sldMk cId="3726256060" sldId="262"/>
@@ -398,11 +449,19 @@
         </pc:picChg>
       </pc:sldChg>
       <pc:sldChg chg="addSp modSp add mod">
-        <pc:chgData name="Cathrine Lind" userId="2cb593a3bc659646" providerId="LiveId" clId="{408599AA-3329-4C94-ACCB-B67746C53EE1}" dt="2023-10-27T06:32:21.537" v="1447" actId="1076"/>
+        <pc:chgData name="Cathrine Lind" userId="2cb593a3bc659646" providerId="LiveId" clId="{408599AA-3329-4C94-ACCB-B67746C53EE1}" dt="2023-11-05T08:18:53.463" v="3352" actId="113"/>
         <pc:sldMkLst>
           <pc:docMk/>
           <pc:sldMk cId="1626451046" sldId="263"/>
         </pc:sldMkLst>
+        <pc:spChg chg="mod">
+          <ac:chgData name="Cathrine Lind" userId="2cb593a3bc659646" providerId="LiveId" clId="{408599AA-3329-4C94-ACCB-B67746C53EE1}" dt="2023-11-05T08:18:53.463" v="3352" actId="113"/>
+          <ac:spMkLst>
+            <pc:docMk/>
+            <pc:sldMk cId="1626451046" sldId="263"/>
+            <ac:spMk id="2" creationId="{EFCC5CB8-BD1D-8126-2CC1-8EC13753BCA3}"/>
+          </ac:spMkLst>
+        </pc:spChg>
         <pc:spChg chg="mod">
           <ac:chgData name="Cathrine Lind" userId="2cb593a3bc659646" providerId="LiveId" clId="{408599AA-3329-4C94-ACCB-B67746C53EE1}" dt="2023-10-16T13:24:19.833" v="942" actId="20577"/>
           <ac:spMkLst>
@@ -421,11 +480,19 @@
         </pc:picChg>
       </pc:sldChg>
       <pc:sldChg chg="addSp modSp add mod">
-        <pc:chgData name="Cathrine Lind" userId="2cb593a3bc659646" providerId="LiveId" clId="{408599AA-3329-4C94-ACCB-B67746C53EE1}" dt="2023-10-27T06:32:47.843" v="1453" actId="1076"/>
+        <pc:chgData name="Cathrine Lind" userId="2cb593a3bc659646" providerId="LiveId" clId="{408599AA-3329-4C94-ACCB-B67746C53EE1}" dt="2023-11-05T08:18:56.703" v="3353" actId="113"/>
         <pc:sldMkLst>
           <pc:docMk/>
           <pc:sldMk cId="1854173573" sldId="264"/>
         </pc:sldMkLst>
+        <pc:spChg chg="mod">
+          <ac:chgData name="Cathrine Lind" userId="2cb593a3bc659646" providerId="LiveId" clId="{408599AA-3329-4C94-ACCB-B67746C53EE1}" dt="2023-11-05T08:18:56.703" v="3353" actId="113"/>
+          <ac:spMkLst>
+            <pc:docMk/>
+            <pc:sldMk cId="1854173573" sldId="264"/>
+            <ac:spMk id="2" creationId="{EFCC5CB8-BD1D-8126-2CC1-8EC13753BCA3}"/>
+          </ac:spMkLst>
+        </pc:spChg>
         <pc:spChg chg="mod">
           <ac:chgData name="Cathrine Lind" userId="2cb593a3bc659646" providerId="LiveId" clId="{408599AA-3329-4C94-ACCB-B67746C53EE1}" dt="2023-10-16T13:24:24.644" v="956" actId="20577"/>
           <ac:spMkLst>
@@ -444,13 +511,13 @@
         </pc:picChg>
       </pc:sldChg>
       <pc:sldChg chg="addSp delSp modSp add mod">
-        <pc:chgData name="Cathrine Lind" userId="2cb593a3bc659646" providerId="LiveId" clId="{408599AA-3329-4C94-ACCB-B67746C53EE1}" dt="2023-10-27T10:27:01.434" v="1580" actId="1076"/>
+        <pc:chgData name="Cathrine Lind" userId="2cb593a3bc659646" providerId="LiveId" clId="{408599AA-3329-4C94-ACCB-B67746C53EE1}" dt="2023-11-05T08:18:59.103" v="3354" actId="113"/>
         <pc:sldMkLst>
           <pc:docMk/>
           <pc:sldMk cId="2705648212" sldId="265"/>
         </pc:sldMkLst>
         <pc:spChg chg="mod">
-          <ac:chgData name="Cathrine Lind" userId="2cb593a3bc659646" providerId="LiveId" clId="{408599AA-3329-4C94-ACCB-B67746C53EE1}" dt="2023-10-27T10:22:22.290" v="1486" actId="20577"/>
+          <ac:chgData name="Cathrine Lind" userId="2cb593a3bc659646" providerId="LiveId" clId="{408599AA-3329-4C94-ACCB-B67746C53EE1}" dt="2023-11-05T08:18:59.103" v="3354" actId="113"/>
           <ac:spMkLst>
             <pc:docMk/>
             <pc:sldMk cId="2705648212" sldId="265"/>
@@ -475,13 +542,13 @@
         </pc:picChg>
       </pc:sldChg>
       <pc:sldChg chg="addSp delSp modSp add mod">
-        <pc:chgData name="Cathrine Lind" userId="2cb593a3bc659646" providerId="LiveId" clId="{408599AA-3329-4C94-ACCB-B67746C53EE1}" dt="2023-10-27T10:23:26.178" v="1499" actId="14100"/>
+        <pc:chgData name="Cathrine Lind" userId="2cb593a3bc659646" providerId="LiveId" clId="{408599AA-3329-4C94-ACCB-B67746C53EE1}" dt="2023-11-05T08:19:30.384" v="3355" actId="113"/>
         <pc:sldMkLst>
           <pc:docMk/>
           <pc:sldMk cId="3246857936" sldId="266"/>
         </pc:sldMkLst>
         <pc:spChg chg="mod">
-          <ac:chgData name="Cathrine Lind" userId="2cb593a3bc659646" providerId="LiveId" clId="{408599AA-3329-4C94-ACCB-B67746C53EE1}" dt="2023-10-27T10:22:59.882" v="1493" actId="20577"/>
+          <ac:chgData name="Cathrine Lind" userId="2cb593a3bc659646" providerId="LiveId" clId="{408599AA-3329-4C94-ACCB-B67746C53EE1}" dt="2023-11-05T08:19:30.384" v="3355" actId="113"/>
           <ac:spMkLst>
             <pc:docMk/>
             <pc:sldMk cId="3246857936" sldId="266"/>
@@ -514,13 +581,13 @@
         </pc:picChg>
       </pc:sldChg>
       <pc:sldChg chg="addSp delSp modSp add mod">
-        <pc:chgData name="Cathrine Lind" userId="2cb593a3bc659646" providerId="LiveId" clId="{408599AA-3329-4C94-ACCB-B67746C53EE1}" dt="2023-10-27T10:24:12.946" v="1542" actId="20577"/>
+        <pc:chgData name="Cathrine Lind" userId="2cb593a3bc659646" providerId="LiveId" clId="{408599AA-3329-4C94-ACCB-B67746C53EE1}" dt="2023-11-05T08:19:32.813" v="3356" actId="113"/>
         <pc:sldMkLst>
           <pc:docMk/>
           <pc:sldMk cId="4178825401" sldId="267"/>
         </pc:sldMkLst>
         <pc:spChg chg="mod">
-          <ac:chgData name="Cathrine Lind" userId="2cb593a3bc659646" providerId="LiveId" clId="{408599AA-3329-4C94-ACCB-B67746C53EE1}" dt="2023-10-27T10:24:12.946" v="1542" actId="20577"/>
+          <ac:chgData name="Cathrine Lind" userId="2cb593a3bc659646" providerId="LiveId" clId="{408599AA-3329-4C94-ACCB-B67746C53EE1}" dt="2023-11-05T08:19:32.813" v="3356" actId="113"/>
           <ac:spMkLst>
             <pc:docMk/>
             <pc:sldMk cId="4178825401" sldId="267"/>
@@ -545,13 +612,13 @@
         </pc:picChg>
       </pc:sldChg>
       <pc:sldChg chg="addSp delSp modSp add mod">
-        <pc:chgData name="Cathrine Lind" userId="2cb593a3bc659646" providerId="LiveId" clId="{408599AA-3329-4C94-ACCB-B67746C53EE1}" dt="2023-10-27T10:25:12.222" v="1576" actId="14100"/>
+        <pc:chgData name="Cathrine Lind" userId="2cb593a3bc659646" providerId="LiveId" clId="{408599AA-3329-4C94-ACCB-B67746C53EE1}" dt="2023-11-05T08:19:37.913" v="3358" actId="113"/>
         <pc:sldMkLst>
           <pc:docMk/>
           <pc:sldMk cId="466928861" sldId="268"/>
         </pc:sldMkLst>
         <pc:spChg chg="mod">
-          <ac:chgData name="Cathrine Lind" userId="2cb593a3bc659646" providerId="LiveId" clId="{408599AA-3329-4C94-ACCB-B67746C53EE1}" dt="2023-10-27T10:24:08.816" v="1538" actId="20577"/>
+          <ac:chgData name="Cathrine Lind" userId="2cb593a3bc659646" providerId="LiveId" clId="{408599AA-3329-4C94-ACCB-B67746C53EE1}" dt="2023-11-05T08:19:37.913" v="3358" actId="113"/>
           <ac:spMkLst>
             <pc:docMk/>
             <pc:sldMk cId="466928861" sldId="268"/>
@@ -576,13 +643,13 @@
         </pc:picChg>
       </pc:sldChg>
       <pc:sldChg chg="addSp delSp modSp add mod">
-        <pc:chgData name="Cathrine Lind" userId="2cb593a3bc659646" providerId="LiveId" clId="{408599AA-3329-4C94-ACCB-B67746C53EE1}" dt="2023-10-27T10:25:34.406" v="1579" actId="14100"/>
+        <pc:chgData name="Cathrine Lind" userId="2cb593a3bc659646" providerId="LiveId" clId="{408599AA-3329-4C94-ACCB-B67746C53EE1}" dt="2023-11-05T08:19:40.328" v="3359" actId="113"/>
         <pc:sldMkLst>
           <pc:docMk/>
           <pc:sldMk cId="2896058935" sldId="269"/>
         </pc:sldMkLst>
         <pc:spChg chg="mod">
-          <ac:chgData name="Cathrine Lind" userId="2cb593a3bc659646" providerId="LiveId" clId="{408599AA-3329-4C94-ACCB-B67746C53EE1}" dt="2023-10-27T10:24:22.595" v="1565" actId="20577"/>
+          <ac:chgData name="Cathrine Lind" userId="2cb593a3bc659646" providerId="LiveId" clId="{408599AA-3329-4C94-ACCB-B67746C53EE1}" dt="2023-11-05T08:19:40.328" v="3359" actId="113"/>
           <ac:spMkLst>
             <pc:docMk/>
             <pc:sldMk cId="2896058935" sldId="269"/>
@@ -638,11 +705,19 @@
         </pc:cxnChg>
       </pc:sldChg>
       <pc:sldChg chg="addSp delSp modSp add mod">
-        <pc:chgData name="Cathrine Lind" userId="2cb593a3bc659646" providerId="LiveId" clId="{408599AA-3329-4C94-ACCB-B67746C53EE1}" dt="2023-10-27T10:24:50.110" v="1573" actId="14100"/>
+        <pc:chgData name="Cathrine Lind" userId="2cb593a3bc659646" providerId="LiveId" clId="{408599AA-3329-4C94-ACCB-B67746C53EE1}" dt="2023-11-05T08:19:53.093" v="3361" actId="208"/>
         <pc:sldMkLst>
           <pc:docMk/>
           <pc:sldMk cId="1591467988" sldId="271"/>
         </pc:sldMkLst>
+        <pc:spChg chg="mod">
+          <ac:chgData name="Cathrine Lind" userId="2cb593a3bc659646" providerId="LiveId" clId="{408599AA-3329-4C94-ACCB-B67746C53EE1}" dt="2023-11-05T08:19:35.459" v="3357" actId="113"/>
+          <ac:spMkLst>
+            <pc:docMk/>
+            <pc:sldMk cId="1591467988" sldId="271"/>
+            <ac:spMk id="2" creationId="{EFCC5CB8-BD1D-8126-2CC1-8EC13753BCA3}"/>
+          </ac:spMkLst>
+        </pc:spChg>
         <pc:spChg chg="add del mod">
           <ac:chgData name="Cathrine Lind" userId="2cb593a3bc659646" providerId="LiveId" clId="{408599AA-3329-4C94-ACCB-B67746C53EE1}" dt="2023-10-27T10:24:46.263" v="1571" actId="22"/>
           <ac:spMkLst>
@@ -668,7 +743,7 @@
           </ac:picMkLst>
         </pc:picChg>
         <pc:picChg chg="add mod ord">
-          <ac:chgData name="Cathrine Lind" userId="2cb593a3bc659646" providerId="LiveId" clId="{408599AA-3329-4C94-ACCB-B67746C53EE1}" dt="2023-10-27T10:24:50.110" v="1573" actId="14100"/>
+          <ac:chgData name="Cathrine Lind" userId="2cb593a3bc659646" providerId="LiveId" clId="{408599AA-3329-4C94-ACCB-B67746C53EE1}" dt="2023-11-05T08:19:53.093" v="3361" actId="208"/>
           <ac:picMkLst>
             <pc:docMk/>
             <pc:sldMk cId="1591467988" sldId="271"/>
@@ -699,6 +774,195 @@
           </ac:picMkLst>
         </pc:picChg>
       </pc:sldChg>
+      <pc:sldChg chg="addSp delSp modSp add mod ord modNotesTx">
+        <pc:chgData name="Cathrine Lind" userId="2cb593a3bc659646" providerId="LiveId" clId="{408599AA-3329-4C94-ACCB-B67746C53EE1}" dt="2023-11-05T08:18:44.193" v="3349" actId="113"/>
+        <pc:sldMkLst>
+          <pc:docMk/>
+          <pc:sldMk cId="3727406675" sldId="273"/>
+        </pc:sldMkLst>
+        <pc:spChg chg="mod">
+          <ac:chgData name="Cathrine Lind" userId="2cb593a3bc659646" providerId="LiveId" clId="{408599AA-3329-4C94-ACCB-B67746C53EE1}" dt="2023-11-05T08:18:44.193" v="3349" actId="113"/>
+          <ac:spMkLst>
+            <pc:docMk/>
+            <pc:sldMk cId="3727406675" sldId="273"/>
+            <ac:spMk id="2" creationId="{17470797-AB5C-E773-4BB2-A7D2F9D068C3}"/>
+          </ac:spMkLst>
+        </pc:spChg>
+        <pc:spChg chg="del mod">
+          <ac:chgData name="Cathrine Lind" userId="2cb593a3bc659646" providerId="LiveId" clId="{408599AA-3329-4C94-ACCB-B67746C53EE1}" dt="2023-10-30T09:18:36.864" v="1672" actId="478"/>
+          <ac:spMkLst>
+            <pc:docMk/>
+            <pc:sldMk cId="3727406675" sldId="273"/>
+            <ac:spMk id="3" creationId="{C3AD7377-00CA-4727-84FA-32FA832DD2AC}"/>
+          </ac:spMkLst>
+        </pc:spChg>
+        <pc:spChg chg="add mod">
+          <ac:chgData name="Cathrine Lind" userId="2cb593a3bc659646" providerId="LiveId" clId="{408599AA-3329-4C94-ACCB-B67746C53EE1}" dt="2023-10-30T09:22:41.828" v="1807" actId="1036"/>
+          <ac:spMkLst>
+            <pc:docMk/>
+            <pc:sldMk cId="3727406675" sldId="273"/>
+            <ac:spMk id="4" creationId="{D3AE7259-0F4D-F39F-E569-2148CE8DD4FE}"/>
+          </ac:spMkLst>
+        </pc:spChg>
+        <pc:spChg chg="add mod">
+          <ac:chgData name="Cathrine Lind" userId="2cb593a3bc659646" providerId="LiveId" clId="{408599AA-3329-4C94-ACCB-B67746C53EE1}" dt="2023-11-02T07:02:02.568" v="2249" actId="207"/>
+          <ac:spMkLst>
+            <pc:docMk/>
+            <pc:sldMk cId="3727406675" sldId="273"/>
+            <ac:spMk id="5" creationId="{DC2BD53E-99F0-2907-2575-58B7337F2600}"/>
+          </ac:spMkLst>
+        </pc:spChg>
+        <pc:spChg chg="add mod">
+          <ac:chgData name="Cathrine Lind" userId="2cb593a3bc659646" providerId="LiveId" clId="{408599AA-3329-4C94-ACCB-B67746C53EE1}" dt="2023-11-02T07:01:45.499" v="2247" actId="207"/>
+          <ac:spMkLst>
+            <pc:docMk/>
+            <pc:sldMk cId="3727406675" sldId="273"/>
+            <ac:spMk id="6" creationId="{5BA3637A-2F6A-97DB-1AE3-9B6EBCE13BB5}"/>
+          </ac:spMkLst>
+        </pc:spChg>
+        <pc:spChg chg="add mod">
+          <ac:chgData name="Cathrine Lind" userId="2cb593a3bc659646" providerId="LiveId" clId="{408599AA-3329-4C94-ACCB-B67746C53EE1}" dt="2023-11-02T07:01:48.144" v="2248" actId="207"/>
+          <ac:spMkLst>
+            <pc:docMk/>
+            <pc:sldMk cId="3727406675" sldId="273"/>
+            <ac:spMk id="7" creationId="{0FAB058D-72C9-CF41-99B2-9415883AD4D9}"/>
+          </ac:spMkLst>
+        </pc:spChg>
+        <pc:spChg chg="add mod ord">
+          <ac:chgData name="Cathrine Lind" userId="2cb593a3bc659646" providerId="LiveId" clId="{408599AA-3329-4C94-ACCB-B67746C53EE1}" dt="2023-11-02T07:01:26.684" v="2244" actId="171"/>
+          <ac:spMkLst>
+            <pc:docMk/>
+            <pc:sldMk cId="3727406675" sldId="273"/>
+            <ac:spMk id="8" creationId="{76D86268-199D-3148-97F5-AC04AEC8C60E}"/>
+          </ac:spMkLst>
+        </pc:spChg>
+        <pc:spChg chg="add mod">
+          <ac:chgData name="Cathrine Lind" userId="2cb593a3bc659646" providerId="LiveId" clId="{408599AA-3329-4C94-ACCB-B67746C53EE1}" dt="2023-10-30T09:22:41.828" v="1807" actId="1036"/>
+          <ac:spMkLst>
+            <pc:docMk/>
+            <pc:sldMk cId="3727406675" sldId="273"/>
+            <ac:spMk id="9" creationId="{DC033869-151A-DFAA-6DFB-4D213FC66BD4}"/>
+          </ac:spMkLst>
+        </pc:spChg>
+        <pc:spChg chg="add mod">
+          <ac:chgData name="Cathrine Lind" userId="2cb593a3bc659646" providerId="LiveId" clId="{408599AA-3329-4C94-ACCB-B67746C53EE1}" dt="2023-10-30T09:25:07.909" v="1869" actId="1076"/>
+          <ac:spMkLst>
+            <pc:docMk/>
+            <pc:sldMk cId="3727406675" sldId="273"/>
+            <ac:spMk id="10" creationId="{A276EABE-BF25-8549-1EC9-B8EFEADE3475}"/>
+          </ac:spMkLst>
+        </pc:spChg>
+        <pc:spChg chg="add mod">
+          <ac:chgData name="Cathrine Lind" userId="2cb593a3bc659646" providerId="LiveId" clId="{408599AA-3329-4C94-ACCB-B67746C53EE1}" dt="2023-10-30T09:26:16.568" v="1898" actId="1076"/>
+          <ac:spMkLst>
+            <pc:docMk/>
+            <pc:sldMk cId="3727406675" sldId="273"/>
+            <ac:spMk id="11" creationId="{E3F34452-9B5E-1E43-1FE1-89D2BACD67F5}"/>
+          </ac:spMkLst>
+        </pc:spChg>
+        <pc:spChg chg="add mod">
+          <ac:chgData name="Cathrine Lind" userId="2cb593a3bc659646" providerId="LiveId" clId="{408599AA-3329-4C94-ACCB-B67746C53EE1}" dt="2023-10-30T09:26:22.246" v="1899" actId="1076"/>
+          <ac:spMkLst>
+            <pc:docMk/>
+            <pc:sldMk cId="3727406675" sldId="273"/>
+            <ac:spMk id="12" creationId="{3052D094-08FB-9DE0-8162-4BB838C5617E}"/>
+          </ac:spMkLst>
+        </pc:spChg>
+        <pc:spChg chg="add mod">
+          <ac:chgData name="Cathrine Lind" userId="2cb593a3bc659646" providerId="LiveId" clId="{408599AA-3329-4C94-ACCB-B67746C53EE1}" dt="2023-10-30T09:23:04.388" v="1851" actId="20577"/>
+          <ac:spMkLst>
+            <pc:docMk/>
+            <pc:sldMk cId="3727406675" sldId="273"/>
+            <ac:spMk id="13" creationId="{70795F15-913B-CA9C-8855-B8ECE0D8EAF5}"/>
+          </ac:spMkLst>
+        </pc:spChg>
+        <pc:spChg chg="add mod ord">
+          <ac:chgData name="Cathrine Lind" userId="2cb593a3bc659646" providerId="LiveId" clId="{408599AA-3329-4C94-ACCB-B67746C53EE1}" dt="2023-11-02T07:01:34.522" v="2246" actId="167"/>
+          <ac:spMkLst>
+            <pc:docMk/>
+            <pc:sldMk cId="3727406675" sldId="273"/>
+            <ac:spMk id="14" creationId="{E946254C-69E8-2DFD-3F72-C92A81266B45}"/>
+          </ac:spMkLst>
+        </pc:spChg>
+        <pc:spChg chg="add mod">
+          <ac:chgData name="Cathrine Lind" userId="2cb593a3bc659646" providerId="LiveId" clId="{408599AA-3329-4C94-ACCB-B67746C53EE1}" dt="2023-10-30T09:25:26.335" v="1886" actId="20577"/>
+          <ac:spMkLst>
+            <pc:docMk/>
+            <pc:sldMk cId="3727406675" sldId="273"/>
+            <ac:spMk id="15" creationId="{3995992F-0591-F92C-22D7-F95A565437A7}"/>
+          </ac:spMkLst>
+        </pc:spChg>
+      </pc:sldChg>
+      <pc:sldChg chg="modSp new mod ord modNotesTx">
+        <pc:chgData name="Cathrine Lind" userId="2cb593a3bc659646" providerId="LiveId" clId="{408599AA-3329-4C94-ACCB-B67746C53EE1}" dt="2023-11-05T13:22:02.840" v="3579" actId="14100"/>
+        <pc:sldMkLst>
+          <pc:docMk/>
+          <pc:sldMk cId="1369372101" sldId="274"/>
+        </pc:sldMkLst>
+        <pc:spChg chg="mod">
+          <ac:chgData name="Cathrine Lind" userId="2cb593a3bc659646" providerId="LiveId" clId="{408599AA-3329-4C94-ACCB-B67746C53EE1}" dt="2023-11-05T08:30:31.007" v="3541" actId="113"/>
+          <ac:spMkLst>
+            <pc:docMk/>
+            <pc:sldMk cId="1369372101" sldId="274"/>
+            <ac:spMk id="2" creationId="{4713A4E5-BC82-E83B-F92B-382D8A8E9582}"/>
+          </ac:spMkLst>
+        </pc:spChg>
+        <pc:spChg chg="mod">
+          <ac:chgData name="Cathrine Lind" userId="2cb593a3bc659646" providerId="LiveId" clId="{408599AA-3329-4C94-ACCB-B67746C53EE1}" dt="2023-11-05T13:22:02.840" v="3579" actId="14100"/>
+          <ac:spMkLst>
+            <pc:docMk/>
+            <pc:sldMk cId="1369372101" sldId="274"/>
+            <ac:spMk id="3" creationId="{E479714D-01DF-FA9A-4ABC-F00EEDF0082E}"/>
+          </ac:spMkLst>
+        </pc:spChg>
+      </pc:sldChg>
+      <pc:sldChg chg="addSp modSp new mod">
+        <pc:chgData name="Cathrine Lind" userId="2cb593a3bc659646" providerId="LiveId" clId="{408599AA-3329-4C94-ACCB-B67746C53EE1}" dt="2023-11-05T08:17:16.666" v="3344" actId="1076"/>
+        <pc:sldMkLst>
+          <pc:docMk/>
+          <pc:sldMk cId="3956515456" sldId="275"/>
+        </pc:sldMkLst>
+        <pc:spChg chg="mod">
+          <ac:chgData name="Cathrine Lind" userId="2cb593a3bc659646" providerId="LiveId" clId="{408599AA-3329-4C94-ACCB-B67746C53EE1}" dt="2023-11-05T08:17:06.892" v="3343" actId="20577"/>
+          <ac:spMkLst>
+            <pc:docMk/>
+            <pc:sldMk cId="3956515456" sldId="275"/>
+            <ac:spMk id="2" creationId="{C4E760B4-F063-25F6-96D4-972B577380E0}"/>
+          </ac:spMkLst>
+        </pc:spChg>
+        <pc:spChg chg="mod">
+          <ac:chgData name="Cathrine Lind" userId="2cb593a3bc659646" providerId="LiveId" clId="{408599AA-3329-4C94-ACCB-B67746C53EE1}" dt="2023-11-05T08:17:16.666" v="3344" actId="1076"/>
+          <ac:spMkLst>
+            <pc:docMk/>
+            <pc:sldMk cId="3956515456" sldId="275"/>
+            <ac:spMk id="3" creationId="{27374E62-95D7-EFCB-D9AD-16084AAF067E}"/>
+          </ac:spMkLst>
+        </pc:spChg>
+        <pc:spChg chg="add mod">
+          <ac:chgData name="Cathrine Lind" userId="2cb593a3bc659646" providerId="LiveId" clId="{408599AA-3329-4C94-ACCB-B67746C53EE1}" dt="2023-11-05T08:13:02.169" v="3322" actId="2711"/>
+          <ac:spMkLst>
+            <pc:docMk/>
+            <pc:sldMk cId="3956515456" sldId="275"/>
+            <ac:spMk id="4" creationId="{26D8BCA7-7CC6-696F-B92E-B526E43E2849}"/>
+          </ac:spMkLst>
+        </pc:spChg>
+        <pc:spChg chg="add mod">
+          <ac:chgData name="Cathrine Lind" userId="2cb593a3bc659646" providerId="LiveId" clId="{408599AA-3329-4C94-ACCB-B67746C53EE1}" dt="2023-11-05T08:17:00.482" v="3335" actId="20577"/>
+          <ac:spMkLst>
+            <pc:docMk/>
+            <pc:sldMk cId="3956515456" sldId="275"/>
+            <ac:spMk id="7" creationId="{1EA2CB98-B5C2-4A32-103F-3AFE4ECC8836}"/>
+          </ac:spMkLst>
+        </pc:spChg>
+        <pc:cxnChg chg="add mod">
+          <ac:chgData name="Cathrine Lind" userId="2cb593a3bc659646" providerId="LiveId" clId="{408599AA-3329-4C94-ACCB-B67746C53EE1}" dt="2023-11-05T08:04:16.811" v="3298" actId="1582"/>
+          <ac:cxnSpMkLst>
+            <pc:docMk/>
+            <pc:sldMk cId="3956515456" sldId="275"/>
+            <ac:cxnSpMk id="6" creationId="{0AEE840A-34BF-AFCA-4ECA-61A0D7B0AE03}"/>
+          </ac:cxnSpMkLst>
+        </pc:cxnChg>
+      </pc:sldChg>
     </pc:docChg>
   </pc:docChgLst>
 </pc:chgInfo>
@@ -786,7 +1050,7 @@
           <a:p>
             <a:fld id="{FC9D1659-8B2C-4FCB-B4CC-20276855E32D}" type="datetimeFigureOut">
               <a:rPr lang="da-DK" smtClean="0"/>
-              <a:t>29-10-2023</a:t>
+              <a:t>05-11-2023</a:t>
             </a:fld>
             <a:endParaRPr lang="da-DK"/>
           </a:p>
@@ -1186,8 +1450,22 @@
               <a:buNone/>
             </a:pPr>
             <a:r>
+              <a:rPr lang="da-DK" dirty="0"/>
+              <a:t>Ungarn, Californien and Schweiz</a:t>
+            </a:r>
+          </a:p>
+          <a:p>
+            <a:pPr algn="l">
+              <a:buFont typeface="+mj-lt"/>
+              <a:buNone/>
+            </a:pPr>
+            <a:r>
+              <a:rPr lang="da-DK" dirty="0"/>
+              <a:t>- patients has </a:t>
+            </a:r>
+            <a:r>
               <a:rPr lang="da-DK" dirty="0" err="1"/>
-              <a:t>Tidy</a:t>
+              <a:t>undergoed</a:t>
             </a:r>
             <a:r>
               <a:rPr lang="da-DK" dirty="0"/>
@@ -1195,15 +1473,56 @@
             </a:r>
             <a:r>
               <a:rPr lang="da-DK" dirty="0" err="1"/>
-              <a:t>principles</a:t>
-            </a:r>
+              <a:t>angiography</a:t>
+            </a:r>
+            <a:endParaRPr lang="da-DK" dirty="0"/>
+          </a:p>
+          <a:p>
+            <a:pPr algn="l">
+              <a:buFont typeface="+mj-lt"/>
+              <a:buNone/>
+            </a:pPr>
             <a:r>
               <a:rPr lang="da-DK" dirty="0"/>
-              <a:t>:</a:t>
+              <a:t>- data is from UCI </a:t>
+            </a:r>
+            <a:r>
+              <a:rPr lang="da-DK" dirty="0" err="1"/>
+              <a:t>repository</a:t>
             </a:r>
             <a:br>
               <a:rPr lang="da-DK" dirty="0"/>
             </a:br>
+            <a:endParaRPr lang="da-DK" dirty="0"/>
+          </a:p>
+          <a:p>
+            <a:pPr algn="l">
+              <a:buFont typeface="+mj-lt"/>
+              <a:buNone/>
+            </a:pPr>
+            <a:r>
+              <a:rPr lang="da-DK" dirty="0" err="1"/>
+              <a:t>Tidy</a:t>
+            </a:r>
+            <a:r>
+              <a:rPr lang="da-DK" dirty="0"/>
+              <a:t> </a:t>
+            </a:r>
+            <a:r>
+              <a:rPr lang="da-DK" dirty="0" err="1"/>
+              <a:t>principles</a:t>
+            </a:r>
+            <a:r>
+              <a:rPr lang="da-DK" dirty="0"/>
+              <a:t>:</a:t>
+            </a:r>
+            <a:br>
+              <a:rPr lang="da-DK" dirty="0"/>
+            </a:br>
+            <a:r>
+              <a:rPr lang="da-DK" dirty="0"/>
+              <a:t>1. </a:t>
+            </a:r>
             <a:r>
               <a:rPr lang="en-US" b="0" i="0" dirty="0">
                 <a:effectLst/>
@@ -1215,27 +1534,27 @@
           <a:p>
             <a:pPr algn="l">
               <a:buFont typeface="+mj-lt"/>
-              <a:buAutoNum type="arabicPeriod"/>
+              <a:buNone/>
             </a:pPr>
             <a:r>
               <a:rPr lang="en-US" b="0" i="0" dirty="0">
                 <a:effectLst/>
                 <a:latin typeface="Inter"/>
               </a:rPr>
-              <a:t>Each observation forms a row.</a:t>
+              <a:t>2. Each observation forms a row.</a:t>
             </a:r>
           </a:p>
           <a:p>
             <a:pPr algn="l">
               <a:buFont typeface="+mj-lt"/>
-              <a:buAutoNum type="arabicPeriod"/>
+              <a:buNone/>
             </a:pPr>
             <a:r>
               <a:rPr lang="en-US" b="0" i="0" dirty="0">
                 <a:effectLst/>
                 <a:latin typeface="Inter"/>
               </a:rPr>
-              <a:t>Each type of observational unit forms a tab</a:t>
+              <a:t>3. Each type of observational unit forms a tab</a:t>
             </a:r>
           </a:p>
           <a:p>
@@ -1387,6 +1706,93 @@
               <a:t> by ‘-9’</a:t>
             </a:r>
           </a:p>
+          <a:p>
+            <a:r>
+              <a:rPr lang="da-DK" dirty="0"/>
+              <a:t>‘</a:t>
+            </a:r>
+            <a:r>
+              <a:rPr lang="da-DK" dirty="0" err="1"/>
+              <a:t>name</a:t>
+            </a:r>
+            <a:r>
+              <a:rPr lang="da-DK" dirty="0"/>
+              <a:t>’ </a:t>
+            </a:r>
+            <a:r>
+              <a:rPr lang="da-DK" dirty="0" err="1"/>
+              <a:t>was</a:t>
+            </a:r>
+            <a:r>
+              <a:rPr lang="da-DK" dirty="0"/>
+              <a:t> a dummy variable put </a:t>
+            </a:r>
+            <a:r>
+              <a:rPr lang="da-DK" dirty="0" err="1"/>
+              <a:t>into</a:t>
+            </a:r>
+            <a:r>
+              <a:rPr lang="da-DK" dirty="0"/>
+              <a:t> the database data</a:t>
+            </a:r>
+          </a:p>
+          <a:p>
+            <a:endParaRPr lang="da-DK" dirty="0"/>
+          </a:p>
+          <a:p>
+            <a:r>
+              <a:rPr lang="da-DK" dirty="0"/>
+              <a:t>Variable </a:t>
+            </a:r>
+            <a:r>
+              <a:rPr lang="da-DK" dirty="0" err="1"/>
+              <a:t>chosen</a:t>
+            </a:r>
+            <a:r>
+              <a:rPr lang="da-DK" dirty="0"/>
+              <a:t> </a:t>
+            </a:r>
+            <a:r>
+              <a:rPr lang="da-DK" dirty="0" err="1"/>
+              <a:t>based</a:t>
+            </a:r>
+            <a:r>
+              <a:rPr lang="da-DK" dirty="0"/>
+              <a:t> on University in </a:t>
+            </a:r>
+            <a:r>
+              <a:rPr lang="da-DK" dirty="0" err="1"/>
+              <a:t>California</a:t>
+            </a:r>
+            <a:r>
+              <a:rPr lang="da-DK" dirty="0"/>
+              <a:t> </a:t>
+            </a:r>
+            <a:r>
+              <a:rPr lang="da-DK" dirty="0" err="1"/>
+              <a:t>Irvine</a:t>
+            </a:r>
+            <a:r>
+              <a:rPr lang="da-DK" dirty="0"/>
+              <a:t> and </a:t>
+            </a:r>
+            <a:r>
+              <a:rPr lang="da-DK" dirty="0" err="1"/>
+              <a:t>scientific</a:t>
+            </a:r>
+            <a:r>
+              <a:rPr lang="da-DK" dirty="0"/>
+              <a:t> </a:t>
+            </a:r>
+            <a:r>
+              <a:rPr lang="da-DK" dirty="0" err="1"/>
+              <a:t>paper</a:t>
+            </a:r>
+            <a:r>
+              <a:rPr lang="da-DK" dirty="0"/>
+              <a:t>.</a:t>
+            </a:r>
+          </a:p>
         </p:txBody>
       </p:sp>
       <p:sp>
@@ -1591,6 +1997,593 @@
     <p:extLst>
       <p:ext uri="{BB962C8B-B14F-4D97-AF65-F5344CB8AC3E}">
         <p14:creationId xmlns:p14="http://schemas.microsoft.com/office/powerpoint/2010/main" val="3394751977"/>
+      </p:ext>
+    </p:extLst>
+  </p:cSld>
+  <p:clrMapOvr>
+    <a:masterClrMapping/>
+  </p:clrMapOvr>
+</p:notes>
+</file>
+
+<file path=ppt/notesSlides/notesSlide5.xml><?xml version="1.0" encoding="utf-8"?>
+<p:notes xmlns:a="http://schemas.openxmlformats.org/drawingml/2006/main" xmlns:r="http://schemas.openxmlformats.org/officeDocument/2006/relationships" xmlns:p="http://schemas.openxmlformats.org/presentationml/2006/main">
+  <p:cSld>
+    <p:spTree>
+      <p:nvGrpSpPr>
+        <p:cNvPr id="1" name=""/>
+        <p:cNvGrpSpPr/>
+        <p:nvPr/>
+      </p:nvGrpSpPr>
+      <p:grpSpPr>
+        <a:xfrm>
+          <a:off x="0" y="0"/>
+          <a:ext cx="0" cy="0"/>
+          <a:chOff x="0" y="0"/>
+          <a:chExt cx="0" cy="0"/>
+        </a:xfrm>
+      </p:grpSpPr>
+      <p:sp>
+        <p:nvSpPr>
+          <p:cNvPr id="2" name="Pladsholder til slidebillede 1"/>
+          <p:cNvSpPr>
+            <a:spLocks noGrp="1" noRot="1" noChangeAspect="1"/>
+          </p:cNvSpPr>
+          <p:nvPr>
+            <p:ph type="sldImg"/>
+          </p:nvPr>
+        </p:nvSpPr>
+        <p:spPr/>
+      </p:sp>
+      <p:sp>
+        <p:nvSpPr>
+          <p:cNvPr id="3" name="Pladsholder til noter 2"/>
+          <p:cNvSpPr>
+            <a:spLocks noGrp="1"/>
+          </p:cNvSpPr>
+          <p:nvPr>
+            <p:ph type="body" idx="1"/>
+          </p:nvPr>
+        </p:nvSpPr>
+        <p:spPr/>
+        <p:txBody>
+          <a:bodyPr/>
+          <a:lstStyle/>
+          <a:p>
+            <a:endParaRPr lang="da-DK" dirty="0"/>
+          </a:p>
+        </p:txBody>
+      </p:sp>
+      <p:sp>
+        <p:nvSpPr>
+          <p:cNvPr id="4" name="Pladsholder til slidenummer 3"/>
+          <p:cNvSpPr>
+            <a:spLocks noGrp="1"/>
+          </p:cNvSpPr>
+          <p:nvPr>
+            <p:ph type="sldNum" sz="quarter" idx="5"/>
+          </p:nvPr>
+        </p:nvSpPr>
+        <p:spPr/>
+        <p:txBody>
+          <a:bodyPr/>
+          <a:lstStyle/>
+          <a:p>
+            <a:fld id="{4328C7DD-D655-4A52-BAE4-4DBDA15A7188}" type="slidenum">
+              <a:rPr lang="da-DK" smtClean="0"/>
+              <a:t>6</a:t>
+            </a:fld>
+            <a:endParaRPr lang="da-DK"/>
+          </a:p>
+        </p:txBody>
+      </p:sp>
+    </p:spTree>
+    <p:extLst>
+      <p:ext uri="{BB962C8B-B14F-4D97-AF65-F5344CB8AC3E}">
+        <p14:creationId xmlns:p14="http://schemas.microsoft.com/office/powerpoint/2010/main" val="1546067338"/>
+      </p:ext>
+    </p:extLst>
+  </p:cSld>
+  <p:clrMapOvr>
+    <a:masterClrMapping/>
+  </p:clrMapOvr>
+</p:notes>
+</file>
+
+<file path=ppt/notesSlides/notesSlide6.xml><?xml version="1.0" encoding="utf-8"?>
+<p:notes xmlns:a="http://schemas.openxmlformats.org/drawingml/2006/main" xmlns:r="http://schemas.openxmlformats.org/officeDocument/2006/relationships" xmlns:p="http://schemas.openxmlformats.org/presentationml/2006/main">
+  <p:cSld>
+    <p:spTree>
+      <p:nvGrpSpPr>
+        <p:cNvPr id="1" name=""/>
+        <p:cNvGrpSpPr/>
+        <p:nvPr/>
+      </p:nvGrpSpPr>
+      <p:grpSpPr>
+        <a:xfrm>
+          <a:off x="0" y="0"/>
+          <a:ext cx="0" cy="0"/>
+          <a:chOff x="0" y="0"/>
+          <a:chExt cx="0" cy="0"/>
+        </a:xfrm>
+      </p:grpSpPr>
+      <p:sp>
+        <p:nvSpPr>
+          <p:cNvPr id="2" name="Pladsholder til slidebillede 1"/>
+          <p:cNvSpPr>
+            <a:spLocks noGrp="1" noRot="1" noChangeAspect="1"/>
+          </p:cNvSpPr>
+          <p:nvPr>
+            <p:ph type="sldImg"/>
+          </p:nvPr>
+        </p:nvSpPr>
+        <p:spPr/>
+      </p:sp>
+      <p:sp>
+        <p:nvSpPr>
+          <p:cNvPr id="3" name="Pladsholder til noter 2"/>
+          <p:cNvSpPr>
+            <a:spLocks noGrp="1"/>
+          </p:cNvSpPr>
+          <p:nvPr>
+            <p:ph type="body" idx="1"/>
+          </p:nvPr>
+        </p:nvSpPr>
+        <p:spPr/>
+        <p:txBody>
+          <a:bodyPr/>
+          <a:lstStyle/>
+          <a:p>
+            <a:r>
+              <a:rPr lang="da-DK" dirty="0"/>
+              <a:t>Der er en ydre fluidpage der skaber et miljø for HTML og CSS kode, hvorefter </a:t>
+            </a:r>
+            <a:r>
+              <a:rPr lang="da-DK" dirty="0" err="1"/>
+              <a:t>navbarPage</a:t>
+            </a:r>
+            <a:r>
+              <a:rPr lang="da-DK" dirty="0"/>
+              <a:t> bliver startet. </a:t>
+            </a:r>
+            <a:br>
+              <a:rPr lang="da-DK" dirty="0"/>
+            </a:br>
+            <a:r>
+              <a:rPr lang="da-DK" dirty="0"/>
+              <a:t>Det er i </a:t>
+            </a:r>
+            <a:r>
+              <a:rPr lang="da-DK" dirty="0" err="1"/>
+              <a:t>navbarPage</a:t>
+            </a:r>
+            <a:r>
+              <a:rPr lang="da-DK" dirty="0"/>
+              <a:t> at titel, tema og </a:t>
+            </a:r>
+            <a:r>
+              <a:rPr lang="da-DK" dirty="0" err="1"/>
+              <a:t>navbarMenu</a:t>
+            </a:r>
+            <a:r>
+              <a:rPr lang="da-DK" dirty="0"/>
+              <a:t> bliver defineret.  </a:t>
+            </a:r>
+            <a:br>
+              <a:rPr lang="da-DK" dirty="0"/>
+            </a:br>
+            <a:r>
+              <a:rPr lang="da-DK" dirty="0"/>
+              <a:t>For hoveddelen af de tabs i navigations baren, der bliver lavet er oprettet som </a:t>
+            </a:r>
+            <a:r>
+              <a:rPr lang="da-DK" dirty="0" err="1"/>
+              <a:t>tabPanels</a:t>
+            </a:r>
+            <a:r>
+              <a:rPr lang="da-DK" dirty="0"/>
+              <a:t>, hvor man kan blive på ‘siden’ men skifte mellem eks. plots. Og for hver af disse plots er der en specifik </a:t>
+            </a:r>
+            <a:r>
+              <a:rPr lang="da-DK" dirty="0" err="1"/>
+              <a:t>sidebarPanel</a:t>
+            </a:r>
+            <a:r>
+              <a:rPr lang="da-DK" dirty="0"/>
+              <a:t> og en </a:t>
+            </a:r>
+            <a:r>
+              <a:rPr lang="da-DK" dirty="0" err="1"/>
+              <a:t>mainPanel</a:t>
+            </a:r>
+            <a:r>
+              <a:rPr lang="da-DK" dirty="0"/>
+              <a:t>.</a:t>
+            </a:r>
+          </a:p>
+        </p:txBody>
+      </p:sp>
+      <p:sp>
+        <p:nvSpPr>
+          <p:cNvPr id="4" name="Pladsholder til slidenummer 3"/>
+          <p:cNvSpPr>
+            <a:spLocks noGrp="1"/>
+          </p:cNvSpPr>
+          <p:nvPr>
+            <p:ph type="sldNum" sz="quarter" idx="5"/>
+          </p:nvPr>
+        </p:nvSpPr>
+        <p:spPr/>
+        <p:txBody>
+          <a:bodyPr/>
+          <a:lstStyle/>
+          <a:p>
+            <a:fld id="{4328C7DD-D655-4A52-BAE4-4DBDA15A7188}" type="slidenum">
+              <a:rPr lang="da-DK" smtClean="0"/>
+              <a:t>9</a:t>
+            </a:fld>
+            <a:endParaRPr lang="da-DK"/>
+          </a:p>
+        </p:txBody>
+      </p:sp>
+    </p:spTree>
+    <p:extLst>
+      <p:ext uri="{BB962C8B-B14F-4D97-AF65-F5344CB8AC3E}">
+        <p14:creationId xmlns:p14="http://schemas.microsoft.com/office/powerpoint/2010/main" val="1233782247"/>
+      </p:ext>
+    </p:extLst>
+  </p:cSld>
+  <p:clrMapOvr>
+    <a:masterClrMapping/>
+  </p:clrMapOvr>
+</p:notes>
+</file>
+
+<file path=ppt/notesSlides/notesSlide7.xml><?xml version="1.0" encoding="utf-8"?>
+<p:notes xmlns:a="http://schemas.openxmlformats.org/drawingml/2006/main" xmlns:r="http://schemas.openxmlformats.org/officeDocument/2006/relationships" xmlns:p="http://schemas.openxmlformats.org/presentationml/2006/main">
+  <p:cSld>
+    <p:spTree>
+      <p:nvGrpSpPr>
+        <p:cNvPr id="1" name=""/>
+        <p:cNvGrpSpPr/>
+        <p:nvPr/>
+      </p:nvGrpSpPr>
+      <p:grpSpPr>
+        <a:xfrm>
+          <a:off x="0" y="0"/>
+          <a:ext cx="0" cy="0"/>
+          <a:chOff x="0" y="0"/>
+          <a:chExt cx="0" cy="0"/>
+        </a:xfrm>
+      </p:grpSpPr>
+      <p:sp>
+        <p:nvSpPr>
+          <p:cNvPr id="2" name="Pladsholder til slidebillede 1"/>
+          <p:cNvSpPr>
+            <a:spLocks noGrp="1" noRot="1" noChangeAspect="1"/>
+          </p:cNvSpPr>
+          <p:nvPr>
+            <p:ph type="sldImg"/>
+          </p:nvPr>
+        </p:nvSpPr>
+        <p:spPr/>
+      </p:sp>
+      <p:sp>
+        <p:nvSpPr>
+          <p:cNvPr id="3" name="Pladsholder til noter 2"/>
+          <p:cNvSpPr>
+            <a:spLocks noGrp="1"/>
+          </p:cNvSpPr>
+          <p:nvPr>
+            <p:ph type="body" idx="1"/>
+          </p:nvPr>
+        </p:nvSpPr>
+        <p:spPr/>
+        <p:txBody>
+          <a:bodyPr/>
+          <a:lstStyle/>
+          <a:p>
+            <a:r>
+              <a:rPr lang="da-DK" dirty="0" err="1"/>
+              <a:t>Fresh</a:t>
+            </a:r>
+            <a:r>
+              <a:rPr lang="da-DK" dirty="0"/>
+              <a:t> fungerer med </a:t>
+            </a:r>
+            <a:r>
+              <a:rPr lang="da-DK" dirty="0" err="1"/>
+              <a:t>fluidPage</a:t>
+            </a:r>
+            <a:r>
+              <a:rPr lang="da-DK" dirty="0"/>
+              <a:t> eller </a:t>
+            </a:r>
+            <a:r>
+              <a:rPr lang="da-DK" dirty="0" err="1"/>
+              <a:t>navbarPage</a:t>
+            </a:r>
+            <a:endParaRPr lang="da-DK" dirty="0"/>
+          </a:p>
+          <a:p>
+            <a:r>
+              <a:rPr lang="da-DK" dirty="0"/>
+              <a:t>Her kan man angive farver og tema for tabeller, knapper, navbars, tekst etc.</a:t>
+            </a:r>
+          </a:p>
+          <a:p>
+            <a:endParaRPr lang="da-DK" dirty="0"/>
+          </a:p>
+          <a:p>
+            <a:r>
+              <a:rPr lang="da-DK" dirty="0"/>
+              <a:t>https://dreamrs.github.io/fresh/index.html </a:t>
+            </a:r>
+          </a:p>
+        </p:txBody>
+      </p:sp>
+      <p:sp>
+        <p:nvSpPr>
+          <p:cNvPr id="4" name="Pladsholder til slidenummer 3"/>
+          <p:cNvSpPr>
+            <a:spLocks noGrp="1"/>
+          </p:cNvSpPr>
+          <p:nvPr>
+            <p:ph type="sldNum" sz="quarter" idx="5"/>
+          </p:nvPr>
+        </p:nvSpPr>
+        <p:spPr/>
+        <p:txBody>
+          <a:bodyPr/>
+          <a:lstStyle/>
+          <a:p>
+            <a:fld id="{4328C7DD-D655-4A52-BAE4-4DBDA15A7188}" type="slidenum">
+              <a:rPr lang="da-DK" smtClean="0"/>
+              <a:t>10</a:t>
+            </a:fld>
+            <a:endParaRPr lang="da-DK"/>
+          </a:p>
+        </p:txBody>
+      </p:sp>
+    </p:spTree>
+    <p:extLst>
+      <p:ext uri="{BB962C8B-B14F-4D97-AF65-F5344CB8AC3E}">
+        <p14:creationId xmlns:p14="http://schemas.microsoft.com/office/powerpoint/2010/main" val="1346274337"/>
+      </p:ext>
+    </p:extLst>
+  </p:cSld>
+  <p:clrMapOvr>
+    <a:masterClrMapping/>
+  </p:clrMapOvr>
+</p:notes>
+</file>
+
+<file path=ppt/notesSlides/notesSlide8.xml><?xml version="1.0" encoding="utf-8"?>
+<p:notes xmlns:a="http://schemas.openxmlformats.org/drawingml/2006/main" xmlns:r="http://schemas.openxmlformats.org/officeDocument/2006/relationships" xmlns:p="http://schemas.openxmlformats.org/presentationml/2006/main">
+  <p:cSld>
+    <p:spTree>
+      <p:nvGrpSpPr>
+        <p:cNvPr id="1" name=""/>
+        <p:cNvGrpSpPr/>
+        <p:nvPr/>
+      </p:nvGrpSpPr>
+      <p:grpSpPr>
+        <a:xfrm>
+          <a:off x="0" y="0"/>
+          <a:ext cx="0" cy="0"/>
+          <a:chOff x="0" y="0"/>
+          <a:chExt cx="0" cy="0"/>
+        </a:xfrm>
+      </p:grpSpPr>
+      <p:sp>
+        <p:nvSpPr>
+          <p:cNvPr id="2" name="Pladsholder til slidebillede 1"/>
+          <p:cNvSpPr>
+            <a:spLocks noGrp="1" noRot="1" noChangeAspect="1"/>
+          </p:cNvSpPr>
+          <p:nvPr>
+            <p:ph type="sldImg"/>
+          </p:nvPr>
+        </p:nvSpPr>
+        <p:spPr/>
+      </p:sp>
+      <p:sp>
+        <p:nvSpPr>
+          <p:cNvPr id="3" name="Pladsholder til noter 2"/>
+          <p:cNvSpPr>
+            <a:spLocks noGrp="1"/>
+          </p:cNvSpPr>
+          <p:nvPr>
+            <p:ph type="body" idx="1"/>
+          </p:nvPr>
+        </p:nvSpPr>
+        <p:spPr/>
+        <p:txBody>
+          <a:bodyPr/>
+          <a:lstStyle/>
+          <a:p>
+            <a:endParaRPr lang="da-DK" dirty="0"/>
+          </a:p>
+        </p:txBody>
+      </p:sp>
+      <p:sp>
+        <p:nvSpPr>
+          <p:cNvPr id="4" name="Pladsholder til slidenummer 3"/>
+          <p:cNvSpPr>
+            <a:spLocks noGrp="1"/>
+          </p:cNvSpPr>
+          <p:nvPr>
+            <p:ph type="sldNum" sz="quarter" idx="5"/>
+          </p:nvPr>
+        </p:nvSpPr>
+        <p:spPr/>
+        <p:txBody>
+          <a:bodyPr/>
+          <a:lstStyle/>
+          <a:p>
+            <a:fld id="{4328C7DD-D655-4A52-BAE4-4DBDA15A7188}" type="slidenum">
+              <a:rPr lang="da-DK" smtClean="0"/>
+              <a:t>11</a:t>
+            </a:fld>
+            <a:endParaRPr lang="da-DK"/>
+          </a:p>
+        </p:txBody>
+      </p:sp>
+    </p:spTree>
+    <p:extLst>
+      <p:ext uri="{BB962C8B-B14F-4D97-AF65-F5344CB8AC3E}">
+        <p14:creationId xmlns:p14="http://schemas.microsoft.com/office/powerpoint/2010/main" val="3395486767"/>
+      </p:ext>
+    </p:extLst>
+  </p:cSld>
+  <p:clrMapOvr>
+    <a:masterClrMapping/>
+  </p:clrMapOvr>
+</p:notes>
+</file>
+
+<file path=ppt/notesSlides/notesSlide9.xml><?xml version="1.0" encoding="utf-8"?>
+<p:notes xmlns:a="http://schemas.openxmlformats.org/drawingml/2006/main" xmlns:r="http://schemas.openxmlformats.org/officeDocument/2006/relationships" xmlns:p="http://schemas.openxmlformats.org/presentationml/2006/main">
+  <p:cSld>
+    <p:spTree>
+      <p:nvGrpSpPr>
+        <p:cNvPr id="1" name=""/>
+        <p:cNvGrpSpPr/>
+        <p:nvPr/>
+      </p:nvGrpSpPr>
+      <p:grpSpPr>
+        <a:xfrm>
+          <a:off x="0" y="0"/>
+          <a:ext cx="0" cy="0"/>
+          <a:chOff x="0" y="0"/>
+          <a:chExt cx="0" cy="0"/>
+        </a:xfrm>
+      </p:grpSpPr>
+      <p:sp>
+        <p:nvSpPr>
+          <p:cNvPr id="2" name="Pladsholder til slidebillede 1"/>
+          <p:cNvSpPr>
+            <a:spLocks noGrp="1" noRot="1" noChangeAspect="1"/>
+          </p:cNvSpPr>
+          <p:nvPr>
+            <p:ph type="sldImg"/>
+          </p:nvPr>
+        </p:nvSpPr>
+        <p:spPr/>
+      </p:sp>
+      <p:sp>
+        <p:nvSpPr>
+          <p:cNvPr id="3" name="Pladsholder til noter 2"/>
+          <p:cNvSpPr>
+            <a:spLocks noGrp="1"/>
+          </p:cNvSpPr>
+          <p:nvPr>
+            <p:ph type="body" idx="1"/>
+          </p:nvPr>
+        </p:nvSpPr>
+        <p:spPr/>
+        <p:txBody>
+          <a:bodyPr/>
+          <a:lstStyle/>
+          <a:p>
+            <a:r>
+              <a:rPr lang="da-DK" dirty="0"/>
+              <a:t>Fasting </a:t>
+            </a:r>
+            <a:r>
+              <a:rPr lang="da-DK" dirty="0" err="1"/>
+              <a:t>blood</a:t>
+            </a:r>
+            <a:r>
+              <a:rPr lang="da-DK" dirty="0"/>
+              <a:t> </a:t>
+            </a:r>
+            <a:r>
+              <a:rPr lang="da-DK" dirty="0" err="1"/>
+              <a:t>sugar</a:t>
+            </a:r>
+            <a:r>
+              <a:rPr lang="da-DK" dirty="0"/>
+              <a:t> is </a:t>
+            </a:r>
+            <a:r>
+              <a:rPr lang="da-DK" dirty="0" err="1"/>
+              <a:t>increased</a:t>
+            </a:r>
+            <a:r>
+              <a:rPr lang="da-DK" dirty="0"/>
+              <a:t> in </a:t>
+            </a:r>
+            <a:r>
+              <a:rPr lang="da-DK" dirty="0" err="1"/>
+              <a:t>obese</a:t>
+            </a:r>
+            <a:r>
+              <a:rPr lang="da-DK" dirty="0"/>
+              <a:t> persons, </a:t>
+            </a:r>
+            <a:r>
+              <a:rPr lang="da-DK" dirty="0" err="1"/>
+              <a:t>which</a:t>
+            </a:r>
+            <a:r>
+              <a:rPr lang="da-DK" dirty="0"/>
+              <a:t> </a:t>
+            </a:r>
+            <a:r>
+              <a:rPr lang="da-DK" dirty="0" err="1"/>
+              <a:t>are</a:t>
+            </a:r>
+            <a:r>
+              <a:rPr lang="da-DK" dirty="0"/>
+              <a:t> more </a:t>
+            </a:r>
+            <a:r>
+              <a:rPr lang="da-DK" dirty="0" err="1"/>
+              <a:t>prone</a:t>
+            </a:r>
+            <a:r>
+              <a:rPr lang="da-DK" dirty="0"/>
+              <a:t> to CVD </a:t>
+            </a:r>
+            <a:r>
+              <a:rPr lang="da-DK" dirty="0" err="1"/>
+              <a:t>development</a:t>
+            </a:r>
+            <a:r>
+              <a:rPr lang="da-DK" dirty="0"/>
+              <a:t>.</a:t>
+            </a:r>
+          </a:p>
+        </p:txBody>
+      </p:sp>
+      <p:sp>
+        <p:nvSpPr>
+          <p:cNvPr id="4" name="Pladsholder til slidenummer 3"/>
+          <p:cNvSpPr>
+            <a:spLocks noGrp="1"/>
+          </p:cNvSpPr>
+          <p:nvPr>
+            <p:ph type="sldNum" sz="quarter" idx="5"/>
+          </p:nvPr>
+        </p:nvSpPr>
+        <p:spPr/>
+        <p:txBody>
+          <a:bodyPr/>
+          <a:lstStyle/>
+          <a:p>
+            <a:fld id="{4328C7DD-D655-4A52-BAE4-4DBDA15A7188}" type="slidenum">
+              <a:rPr lang="da-DK" smtClean="0"/>
+              <a:t>20</a:t>
+            </a:fld>
+            <a:endParaRPr lang="da-DK"/>
+          </a:p>
+        </p:txBody>
+      </p:sp>
+    </p:spTree>
+    <p:extLst>
+      <p:ext uri="{BB962C8B-B14F-4D97-AF65-F5344CB8AC3E}">
+        <p14:creationId xmlns:p14="http://schemas.microsoft.com/office/powerpoint/2010/main" val="2397449931"/>
       </p:ext>
     </p:extLst>
   </p:cSld>
@@ -1747,7 +2740,7 @@
           <a:p>
             <a:fld id="{0C8FE8A1-F9ED-4E9D-9473-BC8C0F0AB44E}" type="datetimeFigureOut">
               <a:rPr lang="da-DK" smtClean="0"/>
-              <a:t>29-10-2023</a:t>
+              <a:t>05-11-2023</a:t>
             </a:fld>
             <a:endParaRPr lang="da-DK"/>
           </a:p>
@@ -1945,7 +2938,7 @@
           <a:p>
             <a:fld id="{0C8FE8A1-F9ED-4E9D-9473-BC8C0F0AB44E}" type="datetimeFigureOut">
               <a:rPr lang="da-DK" smtClean="0"/>
-              <a:t>29-10-2023</a:t>
+              <a:t>05-11-2023</a:t>
             </a:fld>
             <a:endParaRPr lang="da-DK"/>
           </a:p>
@@ -2153,7 +3146,7 @@
           <a:p>
             <a:fld id="{0C8FE8A1-F9ED-4E9D-9473-BC8C0F0AB44E}" type="datetimeFigureOut">
               <a:rPr lang="da-DK" smtClean="0"/>
-              <a:t>29-10-2023</a:t>
+              <a:t>05-11-2023</a:t>
             </a:fld>
             <a:endParaRPr lang="da-DK"/>
           </a:p>
@@ -2351,7 +3344,7 @@
           <a:p>
             <a:fld id="{0C8FE8A1-F9ED-4E9D-9473-BC8C0F0AB44E}" type="datetimeFigureOut">
               <a:rPr lang="da-DK" smtClean="0"/>
-              <a:t>29-10-2023</a:t>
+              <a:t>05-11-2023</a:t>
             </a:fld>
             <a:endParaRPr lang="da-DK"/>
           </a:p>
@@ -2626,7 +3619,7 @@
           <a:p>
             <a:fld id="{0C8FE8A1-F9ED-4E9D-9473-BC8C0F0AB44E}" type="datetimeFigureOut">
               <a:rPr lang="da-DK" smtClean="0"/>
-              <a:t>29-10-2023</a:t>
+              <a:t>05-11-2023</a:t>
             </a:fld>
             <a:endParaRPr lang="da-DK"/>
           </a:p>
@@ -2891,7 +3884,7 @@
           <a:p>
             <a:fld id="{0C8FE8A1-F9ED-4E9D-9473-BC8C0F0AB44E}" type="datetimeFigureOut">
               <a:rPr lang="da-DK" smtClean="0"/>
-              <a:t>29-10-2023</a:t>
+              <a:t>05-11-2023</a:t>
             </a:fld>
             <a:endParaRPr lang="da-DK"/>
           </a:p>
@@ -3303,7 +4296,7 @@
           <a:p>
             <a:fld id="{0C8FE8A1-F9ED-4E9D-9473-BC8C0F0AB44E}" type="datetimeFigureOut">
               <a:rPr lang="da-DK" smtClean="0"/>
-              <a:t>29-10-2023</a:t>
+              <a:t>05-11-2023</a:t>
             </a:fld>
             <a:endParaRPr lang="da-DK"/>
           </a:p>
@@ -3444,7 +4437,7 @@
           <a:p>
             <a:fld id="{0C8FE8A1-F9ED-4E9D-9473-BC8C0F0AB44E}" type="datetimeFigureOut">
               <a:rPr lang="da-DK" smtClean="0"/>
-              <a:t>29-10-2023</a:t>
+              <a:t>05-11-2023</a:t>
             </a:fld>
             <a:endParaRPr lang="da-DK"/>
           </a:p>
@@ -3557,7 +4550,7 @@
           <a:p>
             <a:fld id="{0C8FE8A1-F9ED-4E9D-9473-BC8C0F0AB44E}" type="datetimeFigureOut">
               <a:rPr lang="da-DK" smtClean="0"/>
-              <a:t>29-10-2023</a:t>
+              <a:t>05-11-2023</a:t>
             </a:fld>
             <a:endParaRPr lang="da-DK"/>
           </a:p>
@@ -3868,7 +4861,7 @@
           <a:p>
             <a:fld id="{0C8FE8A1-F9ED-4E9D-9473-BC8C0F0AB44E}" type="datetimeFigureOut">
               <a:rPr lang="da-DK" smtClean="0"/>
-              <a:t>29-10-2023</a:t>
+              <a:t>05-11-2023</a:t>
             </a:fld>
             <a:endParaRPr lang="da-DK"/>
           </a:p>
@@ -4156,7 +5149,7 @@
           <a:p>
             <a:fld id="{0C8FE8A1-F9ED-4E9D-9473-BC8C0F0AB44E}" type="datetimeFigureOut">
               <a:rPr lang="da-DK" smtClean="0"/>
-              <a:t>29-10-2023</a:t>
+              <a:t>05-11-2023</a:t>
             </a:fld>
             <a:endParaRPr lang="da-DK"/>
           </a:p>
@@ -4397,7 +5390,7 @@
           <a:p>
             <a:fld id="{0C8FE8A1-F9ED-4E9D-9473-BC8C0F0AB44E}" type="datetimeFigureOut">
               <a:rPr lang="da-DK" smtClean="0"/>
-              <a:t>29-10-2023</a:t>
+              <a:t>05-11-2023</a:t>
             </a:fld>
             <a:endParaRPr lang="da-DK"/>
           </a:p>
@@ -5007,7 +6000,7 @@
           <p:cNvPr id="2" name="Titel 1">
             <a:extLst>
               <a:ext uri="{FF2B5EF4-FFF2-40B4-BE49-F238E27FC236}">
-                <a16:creationId xmlns:a16="http://schemas.microsoft.com/office/drawing/2014/main" id="{EFCC5CB8-BD1D-8126-2CC1-8EC13753BCA3}"/>
+                <a16:creationId xmlns:a16="http://schemas.microsoft.com/office/drawing/2014/main" id="{CB44EF16-D5E3-FCD3-C8F2-6AED7C4C87D4}"/>
               </a:ext>
             </a:extLst>
           </p:cNvPr>
@@ -5024,2222 +6017,18 @@
           <a:lstStyle/>
           <a:p>
             <a:r>
-              <a:rPr lang="da-DK" dirty="0">
-                <a:latin typeface="Neo Sans Pro" panose="020B0504030504040204" pitchFamily="34" charset="0"/>
-              </a:rPr>
-              <a:t>Data information</a:t>
-            </a:r>
-          </a:p>
-        </p:txBody>
-      </p:sp>
-      <p:sp>
-        <p:nvSpPr>
-          <p:cNvPr id="3" name="Pladsholder til indhold 2">
-            <a:extLst>
-              <a:ext uri="{FF2B5EF4-FFF2-40B4-BE49-F238E27FC236}">
-                <a16:creationId xmlns:a16="http://schemas.microsoft.com/office/drawing/2014/main" id="{BC879E3A-7448-ABD0-24E5-7359BC803FE8}"/>
-              </a:ext>
-            </a:extLst>
-          </p:cNvPr>
-          <p:cNvSpPr>
-            <a:spLocks noGrp="1"/>
-          </p:cNvSpPr>
-          <p:nvPr>
-            <p:ph idx="1"/>
-          </p:nvPr>
-        </p:nvSpPr>
-        <p:spPr/>
-        <p:txBody>
-          <a:bodyPr/>
-          <a:lstStyle/>
-          <a:p>
-            <a:pPr marL="0" indent="0">
-              <a:buNone/>
-            </a:pPr>
-            <a:r>
               <a:rPr lang="da-DK" b="1" dirty="0">
                 <a:latin typeface="Neo Sans Pro" panose="020B0504030504040204" pitchFamily="34" charset="0"/>
               </a:rPr>
-              <a:t>The data</a:t>
-            </a:r>
-          </a:p>
-        </p:txBody>
-      </p:sp>
-      <p:pic>
-        <p:nvPicPr>
-          <p:cNvPr id="5" name="Billede 4">
-            <a:extLst>
-              <a:ext uri="{FF2B5EF4-FFF2-40B4-BE49-F238E27FC236}">
-                <a16:creationId xmlns:a16="http://schemas.microsoft.com/office/drawing/2014/main" id="{35B35182-4CC5-1384-5167-669C8712610B}"/>
-              </a:ext>
-            </a:extLst>
-          </p:cNvPr>
-          <p:cNvPicPr>
-            <a:picLocks noChangeAspect="1"/>
-          </p:cNvPicPr>
-          <p:nvPr/>
-        </p:nvPicPr>
-        <p:blipFill>
-          <a:blip r:embed="rId2"/>
-          <a:stretch>
-            <a:fillRect/>
-          </a:stretch>
-        </p:blipFill>
-        <p:spPr>
-          <a:xfrm>
-            <a:off x="838200" y="2283037"/>
-            <a:ext cx="9720000" cy="4457056"/>
-          </a:xfrm>
-          <a:prstGeom prst="rect">
-            <a:avLst/>
-          </a:prstGeom>
-        </p:spPr>
-      </p:pic>
-    </p:spTree>
-    <p:extLst>
-      <p:ext uri="{BB962C8B-B14F-4D97-AF65-F5344CB8AC3E}">
-        <p14:creationId xmlns:p14="http://schemas.microsoft.com/office/powerpoint/2010/main" val="1626451046"/>
-      </p:ext>
-    </p:extLst>
-  </p:cSld>
-  <p:clrMapOvr>
-    <a:masterClrMapping/>
-  </p:clrMapOvr>
-</p:sld>
-</file>
-
-<file path=ppt/slides/slide11.xml><?xml version="1.0" encoding="utf-8"?>
-<p:sld xmlns:a="http://schemas.openxmlformats.org/drawingml/2006/main" xmlns:r="http://schemas.openxmlformats.org/officeDocument/2006/relationships" xmlns:p="http://schemas.openxmlformats.org/presentationml/2006/main">
-  <p:cSld>
-    <p:spTree>
-      <p:nvGrpSpPr>
-        <p:cNvPr id="1" name=""/>
-        <p:cNvGrpSpPr/>
-        <p:nvPr/>
-      </p:nvGrpSpPr>
-      <p:grpSpPr>
-        <a:xfrm>
-          <a:off x="0" y="0"/>
-          <a:ext cx="0" cy="0"/>
-          <a:chOff x="0" y="0"/>
-          <a:chExt cx="0" cy="0"/>
-        </a:xfrm>
-      </p:grpSpPr>
-      <p:sp>
-        <p:nvSpPr>
-          <p:cNvPr id="2" name="Titel 1">
-            <a:extLst>
-              <a:ext uri="{FF2B5EF4-FFF2-40B4-BE49-F238E27FC236}">
-                <a16:creationId xmlns:a16="http://schemas.microsoft.com/office/drawing/2014/main" id="{EFCC5CB8-BD1D-8126-2CC1-8EC13753BCA3}"/>
-              </a:ext>
-            </a:extLst>
-          </p:cNvPr>
-          <p:cNvSpPr>
-            <a:spLocks noGrp="1"/>
-          </p:cNvSpPr>
-          <p:nvPr>
-            <p:ph type="title"/>
-          </p:nvPr>
-        </p:nvSpPr>
-        <p:spPr/>
-        <p:txBody>
-          <a:bodyPr/>
-          <a:lstStyle/>
-          <a:p>
-            <a:r>
-              <a:rPr lang="da-DK" dirty="0">
-                <a:latin typeface="Neo Sans Pro" panose="020B0504030504040204" pitchFamily="34" charset="0"/>
-              </a:rPr>
-              <a:t>Data information</a:t>
-            </a:r>
-          </a:p>
-        </p:txBody>
-      </p:sp>
-      <p:sp>
-        <p:nvSpPr>
-          <p:cNvPr id="3" name="Pladsholder til indhold 2">
-            <a:extLst>
-              <a:ext uri="{FF2B5EF4-FFF2-40B4-BE49-F238E27FC236}">
-                <a16:creationId xmlns:a16="http://schemas.microsoft.com/office/drawing/2014/main" id="{BC879E3A-7448-ABD0-24E5-7359BC803FE8}"/>
-              </a:ext>
-            </a:extLst>
-          </p:cNvPr>
-          <p:cNvSpPr>
-            <a:spLocks noGrp="1"/>
-          </p:cNvSpPr>
-          <p:nvPr>
-            <p:ph idx="1"/>
-          </p:nvPr>
-        </p:nvSpPr>
-        <p:spPr/>
-        <p:txBody>
-          <a:bodyPr/>
-          <a:lstStyle/>
-          <a:p>
-            <a:pPr marL="0" indent="0">
-              <a:buNone/>
-            </a:pPr>
+              <a:t>Styling of the </a:t>
+            </a:r>
             <a:r>
               <a:rPr lang="da-DK" b="1" dirty="0" err="1">
                 <a:latin typeface="Neo Sans Pro" panose="020B0504030504040204" pitchFamily="34" charset="0"/>
               </a:rPr>
-              <a:t>Pre-processing</a:t>
+              <a:t>Shiny</a:t>
             </a:r>
             <a:endParaRPr lang="da-DK" b="1" dirty="0">
-              <a:latin typeface="Neo Sans Pro" panose="020B0504030504040204" pitchFamily="34" charset="0"/>
-            </a:endParaRPr>
-          </a:p>
-        </p:txBody>
-      </p:sp>
-      <p:pic>
-        <p:nvPicPr>
-          <p:cNvPr id="5" name="Billede 4">
-            <a:extLst>
-              <a:ext uri="{FF2B5EF4-FFF2-40B4-BE49-F238E27FC236}">
-                <a16:creationId xmlns:a16="http://schemas.microsoft.com/office/drawing/2014/main" id="{D2F820BA-F09C-5A5A-74DB-3262DF3DB6D0}"/>
-              </a:ext>
-            </a:extLst>
-          </p:cNvPr>
-          <p:cNvPicPr>
-            <a:picLocks noChangeAspect="1"/>
-          </p:cNvPicPr>
-          <p:nvPr/>
-        </p:nvPicPr>
-        <p:blipFill rotWithShape="1">
-          <a:blip r:embed="rId2"/>
-          <a:srcRect b="9231"/>
-          <a:stretch/>
-        </p:blipFill>
-        <p:spPr>
-          <a:xfrm>
-            <a:off x="838200" y="2314020"/>
-            <a:ext cx="9720000" cy="4351338"/>
-          </a:xfrm>
-          <a:prstGeom prst="rect">
-            <a:avLst/>
-          </a:prstGeom>
-        </p:spPr>
-      </p:pic>
-    </p:spTree>
-    <p:extLst>
-      <p:ext uri="{BB962C8B-B14F-4D97-AF65-F5344CB8AC3E}">
-        <p14:creationId xmlns:p14="http://schemas.microsoft.com/office/powerpoint/2010/main" val="1854173573"/>
-      </p:ext>
-    </p:extLst>
-  </p:cSld>
-  <p:clrMapOvr>
-    <a:masterClrMapping/>
-  </p:clrMapOvr>
-</p:sld>
-</file>
-
-<file path=ppt/slides/slide12.xml><?xml version="1.0" encoding="utf-8"?>
-<p:sld xmlns:a="http://schemas.openxmlformats.org/drawingml/2006/main" xmlns:r="http://schemas.openxmlformats.org/officeDocument/2006/relationships" xmlns:p="http://schemas.openxmlformats.org/presentationml/2006/main">
-  <p:cSld>
-    <p:spTree>
-      <p:nvGrpSpPr>
-        <p:cNvPr id="1" name=""/>
-        <p:cNvGrpSpPr/>
-        <p:nvPr/>
-      </p:nvGrpSpPr>
-      <p:grpSpPr>
-        <a:xfrm>
-          <a:off x="0" y="0"/>
-          <a:ext cx="0" cy="0"/>
-          <a:chOff x="0" y="0"/>
-          <a:chExt cx="0" cy="0"/>
-        </a:xfrm>
-      </p:grpSpPr>
-      <p:sp>
-        <p:nvSpPr>
-          <p:cNvPr id="2" name="Titel 1">
-            <a:extLst>
-              <a:ext uri="{FF2B5EF4-FFF2-40B4-BE49-F238E27FC236}">
-                <a16:creationId xmlns:a16="http://schemas.microsoft.com/office/drawing/2014/main" id="{EFCC5CB8-BD1D-8126-2CC1-8EC13753BCA3}"/>
-              </a:ext>
-            </a:extLst>
-          </p:cNvPr>
-          <p:cNvSpPr>
-            <a:spLocks noGrp="1"/>
-          </p:cNvSpPr>
-          <p:nvPr>
-            <p:ph type="title"/>
-          </p:nvPr>
-        </p:nvSpPr>
-        <p:spPr/>
-        <p:txBody>
-          <a:bodyPr/>
-          <a:lstStyle/>
-          <a:p>
-            <a:r>
-              <a:rPr lang="da-DK" dirty="0">
-                <a:latin typeface="Neo Sans Pro" panose="020B0504030504040204" pitchFamily="34" charset="0"/>
-              </a:rPr>
-              <a:t>Data tab</a:t>
-            </a:r>
-          </a:p>
-        </p:txBody>
-      </p:sp>
-      <p:pic>
-        <p:nvPicPr>
-          <p:cNvPr id="5" name="Pladsholder til indhold 4">
-            <a:extLst>
-              <a:ext uri="{FF2B5EF4-FFF2-40B4-BE49-F238E27FC236}">
-                <a16:creationId xmlns:a16="http://schemas.microsoft.com/office/drawing/2014/main" id="{A48F3021-E026-8C60-823B-97591917F564}"/>
-              </a:ext>
-            </a:extLst>
-          </p:cNvPr>
-          <p:cNvPicPr>
-            <a:picLocks noGrp="1" noChangeAspect="1"/>
-          </p:cNvPicPr>
-          <p:nvPr>
-            <p:ph idx="1"/>
-          </p:nvPr>
-        </p:nvPicPr>
-        <p:blipFill>
-          <a:blip r:embed="rId2"/>
-          <a:stretch>
-            <a:fillRect/>
-          </a:stretch>
-        </p:blipFill>
-        <p:spPr>
-          <a:xfrm>
-            <a:off x="838200" y="1690688"/>
-            <a:ext cx="10515600" cy="4119513"/>
-          </a:xfrm>
-        </p:spPr>
-      </p:pic>
-    </p:spTree>
-    <p:extLst>
-      <p:ext uri="{BB962C8B-B14F-4D97-AF65-F5344CB8AC3E}">
-        <p14:creationId xmlns:p14="http://schemas.microsoft.com/office/powerpoint/2010/main" val="2705648212"/>
-      </p:ext>
-    </p:extLst>
-  </p:cSld>
-  <p:clrMapOvr>
-    <a:masterClrMapping/>
-  </p:clrMapOvr>
-</p:sld>
-</file>
-
-<file path=ppt/slides/slide13.xml><?xml version="1.0" encoding="utf-8"?>
-<p:sld xmlns:a="http://schemas.openxmlformats.org/drawingml/2006/main" xmlns:r="http://schemas.openxmlformats.org/officeDocument/2006/relationships" xmlns:p="http://schemas.openxmlformats.org/presentationml/2006/main">
-  <p:cSld>
-    <p:spTree>
-      <p:nvGrpSpPr>
-        <p:cNvPr id="1" name=""/>
-        <p:cNvGrpSpPr/>
-        <p:nvPr/>
-      </p:nvGrpSpPr>
-      <p:grpSpPr>
-        <a:xfrm>
-          <a:off x="0" y="0"/>
-          <a:ext cx="0" cy="0"/>
-          <a:chOff x="0" y="0"/>
-          <a:chExt cx="0" cy="0"/>
-        </a:xfrm>
-      </p:grpSpPr>
-      <p:sp>
-        <p:nvSpPr>
-          <p:cNvPr id="2" name="Titel 1">
-            <a:extLst>
-              <a:ext uri="{FF2B5EF4-FFF2-40B4-BE49-F238E27FC236}">
-                <a16:creationId xmlns:a16="http://schemas.microsoft.com/office/drawing/2014/main" id="{EFCC5CB8-BD1D-8126-2CC1-8EC13753BCA3}"/>
-              </a:ext>
-            </a:extLst>
-          </p:cNvPr>
-          <p:cNvSpPr>
-            <a:spLocks noGrp="1"/>
-          </p:cNvSpPr>
-          <p:nvPr>
-            <p:ph type="title"/>
-          </p:nvPr>
-        </p:nvSpPr>
-        <p:spPr/>
-        <p:txBody>
-          <a:bodyPr/>
-          <a:lstStyle/>
-          <a:p>
-            <a:r>
-              <a:rPr lang="da-DK" dirty="0" err="1">
-                <a:latin typeface="Neo Sans Pro" panose="020B0504030504040204" pitchFamily="34" charset="0"/>
-              </a:rPr>
-              <a:t>Visualization</a:t>
-            </a:r>
-            <a:r>
-              <a:rPr lang="da-DK" dirty="0">
-                <a:latin typeface="Neo Sans Pro" panose="020B0504030504040204" pitchFamily="34" charset="0"/>
-              </a:rPr>
-              <a:t> tab</a:t>
-            </a:r>
-          </a:p>
-        </p:txBody>
-      </p:sp>
-      <p:pic>
-        <p:nvPicPr>
-          <p:cNvPr id="7" name="Pladsholder til indhold 6">
-            <a:extLst>
-              <a:ext uri="{FF2B5EF4-FFF2-40B4-BE49-F238E27FC236}">
-                <a16:creationId xmlns:a16="http://schemas.microsoft.com/office/drawing/2014/main" id="{3EF044A2-6FCE-F5FF-6BCF-ADD631958F20}"/>
-              </a:ext>
-            </a:extLst>
-          </p:cNvPr>
-          <p:cNvPicPr>
-            <a:picLocks noGrp="1" noChangeAspect="1"/>
-          </p:cNvPicPr>
-          <p:nvPr>
-            <p:ph idx="1"/>
-          </p:nvPr>
-        </p:nvPicPr>
-        <p:blipFill>
-          <a:blip r:embed="rId2"/>
-          <a:stretch>
-            <a:fillRect/>
-          </a:stretch>
-        </p:blipFill>
-        <p:spPr>
-          <a:xfrm>
-            <a:off x="838200" y="1466028"/>
-            <a:ext cx="9548973" cy="5312753"/>
-          </a:xfrm>
-        </p:spPr>
-      </p:pic>
-    </p:spTree>
-    <p:extLst>
-      <p:ext uri="{BB962C8B-B14F-4D97-AF65-F5344CB8AC3E}">
-        <p14:creationId xmlns:p14="http://schemas.microsoft.com/office/powerpoint/2010/main" val="3246857936"/>
-      </p:ext>
-    </p:extLst>
-  </p:cSld>
-  <p:clrMapOvr>
-    <a:masterClrMapping/>
-  </p:clrMapOvr>
-</p:sld>
-</file>
-
-<file path=ppt/slides/slide14.xml><?xml version="1.0" encoding="utf-8"?>
-<p:sld xmlns:a="http://schemas.openxmlformats.org/drawingml/2006/main" xmlns:r="http://schemas.openxmlformats.org/officeDocument/2006/relationships" xmlns:p="http://schemas.openxmlformats.org/presentationml/2006/main">
-  <p:cSld>
-    <p:spTree>
-      <p:nvGrpSpPr>
-        <p:cNvPr id="1" name=""/>
-        <p:cNvGrpSpPr/>
-        <p:nvPr/>
-      </p:nvGrpSpPr>
-      <p:grpSpPr>
-        <a:xfrm>
-          <a:off x="0" y="0"/>
-          <a:ext cx="0" cy="0"/>
-          <a:chOff x="0" y="0"/>
-          <a:chExt cx="0" cy="0"/>
-        </a:xfrm>
-      </p:grpSpPr>
-      <p:sp>
-        <p:nvSpPr>
-          <p:cNvPr id="2" name="Titel 1">
-            <a:extLst>
-              <a:ext uri="{FF2B5EF4-FFF2-40B4-BE49-F238E27FC236}">
-                <a16:creationId xmlns:a16="http://schemas.microsoft.com/office/drawing/2014/main" id="{EFCC5CB8-BD1D-8126-2CC1-8EC13753BCA3}"/>
-              </a:ext>
-            </a:extLst>
-          </p:cNvPr>
-          <p:cNvSpPr>
-            <a:spLocks noGrp="1"/>
-          </p:cNvSpPr>
-          <p:nvPr>
-            <p:ph type="title"/>
-          </p:nvPr>
-        </p:nvSpPr>
-        <p:spPr/>
-        <p:txBody>
-          <a:bodyPr/>
-          <a:lstStyle/>
-          <a:p>
-            <a:r>
-              <a:rPr lang="da-DK" dirty="0" err="1">
-                <a:latin typeface="Neo Sans Pro" panose="020B0504030504040204" pitchFamily="34" charset="0"/>
-              </a:rPr>
-              <a:t>Visualization</a:t>
-            </a:r>
-            <a:r>
-              <a:rPr lang="da-DK" dirty="0">
-                <a:latin typeface="Neo Sans Pro" panose="020B0504030504040204" pitchFamily="34" charset="0"/>
-              </a:rPr>
-              <a:t> tab</a:t>
-            </a:r>
-          </a:p>
-        </p:txBody>
-      </p:sp>
-      <p:pic>
-        <p:nvPicPr>
-          <p:cNvPr id="5" name="Pladsholder til indhold 4">
-            <a:extLst>
-              <a:ext uri="{FF2B5EF4-FFF2-40B4-BE49-F238E27FC236}">
-                <a16:creationId xmlns:a16="http://schemas.microsoft.com/office/drawing/2014/main" id="{0487956F-D816-3BD1-0B66-06CF7750FF2A}"/>
-              </a:ext>
-            </a:extLst>
-          </p:cNvPr>
-          <p:cNvPicPr>
-            <a:picLocks noGrp="1" noChangeAspect="1"/>
-          </p:cNvPicPr>
-          <p:nvPr>
-            <p:ph idx="1"/>
-          </p:nvPr>
-        </p:nvPicPr>
-        <p:blipFill>
-          <a:blip r:embed="rId2"/>
-          <a:stretch>
-            <a:fillRect/>
-          </a:stretch>
-        </p:blipFill>
-        <p:spPr>
-          <a:xfrm>
-            <a:off x="838199" y="1577672"/>
-            <a:ext cx="8233881" cy="5058926"/>
-          </a:xfrm>
-        </p:spPr>
-      </p:pic>
-    </p:spTree>
-    <p:extLst>
-      <p:ext uri="{BB962C8B-B14F-4D97-AF65-F5344CB8AC3E}">
-        <p14:creationId xmlns:p14="http://schemas.microsoft.com/office/powerpoint/2010/main" val="4178825401"/>
-      </p:ext>
-    </p:extLst>
-  </p:cSld>
-  <p:clrMapOvr>
-    <a:masterClrMapping/>
-  </p:clrMapOvr>
-</p:sld>
-</file>
-
-<file path=ppt/slides/slide15.xml><?xml version="1.0" encoding="utf-8"?>
-<p:sld xmlns:a="http://schemas.openxmlformats.org/drawingml/2006/main" xmlns:r="http://schemas.openxmlformats.org/officeDocument/2006/relationships" xmlns:p="http://schemas.openxmlformats.org/presentationml/2006/main">
-  <p:cSld>
-    <p:spTree>
-      <p:nvGrpSpPr>
-        <p:cNvPr id="1" name=""/>
-        <p:cNvGrpSpPr/>
-        <p:nvPr/>
-      </p:nvGrpSpPr>
-      <p:grpSpPr>
-        <a:xfrm>
-          <a:off x="0" y="0"/>
-          <a:ext cx="0" cy="0"/>
-          <a:chOff x="0" y="0"/>
-          <a:chExt cx="0" cy="0"/>
-        </a:xfrm>
-      </p:grpSpPr>
-      <p:sp>
-        <p:nvSpPr>
-          <p:cNvPr id="2" name="Titel 1">
-            <a:extLst>
-              <a:ext uri="{FF2B5EF4-FFF2-40B4-BE49-F238E27FC236}">
-                <a16:creationId xmlns:a16="http://schemas.microsoft.com/office/drawing/2014/main" id="{EFCC5CB8-BD1D-8126-2CC1-8EC13753BCA3}"/>
-              </a:ext>
-            </a:extLst>
-          </p:cNvPr>
-          <p:cNvSpPr>
-            <a:spLocks noGrp="1"/>
-          </p:cNvSpPr>
-          <p:nvPr>
-            <p:ph type="title"/>
-          </p:nvPr>
-        </p:nvSpPr>
-        <p:spPr/>
-        <p:txBody>
-          <a:bodyPr/>
-          <a:lstStyle/>
-          <a:p>
-            <a:r>
-              <a:rPr lang="da-DK" dirty="0" err="1">
-                <a:latin typeface="Neo Sans Pro" panose="020B0504030504040204" pitchFamily="34" charset="0"/>
-              </a:rPr>
-              <a:t>Visualization</a:t>
-            </a:r>
-            <a:r>
-              <a:rPr lang="da-DK" dirty="0">
-                <a:latin typeface="Neo Sans Pro" panose="020B0504030504040204" pitchFamily="34" charset="0"/>
-              </a:rPr>
-              <a:t> tab</a:t>
-            </a:r>
-          </a:p>
-        </p:txBody>
-      </p:sp>
-      <p:pic>
-        <p:nvPicPr>
-          <p:cNvPr id="9" name="Pladsholder til indhold 8">
-            <a:extLst>
-              <a:ext uri="{FF2B5EF4-FFF2-40B4-BE49-F238E27FC236}">
-                <a16:creationId xmlns:a16="http://schemas.microsoft.com/office/drawing/2014/main" id="{775B5F8C-FC45-948A-DF8F-E535F574E750}"/>
-              </a:ext>
-            </a:extLst>
-          </p:cNvPr>
-          <p:cNvPicPr>
-            <a:picLocks noGrp="1" noChangeAspect="1"/>
-          </p:cNvPicPr>
-          <p:nvPr>
-            <p:ph idx="1"/>
-          </p:nvPr>
-        </p:nvPicPr>
-        <p:blipFill>
-          <a:blip r:embed="rId2"/>
-          <a:stretch>
-            <a:fillRect/>
-          </a:stretch>
-        </p:blipFill>
-        <p:spPr>
-          <a:xfrm>
-            <a:off x="838199" y="1690687"/>
-            <a:ext cx="9179103" cy="4935933"/>
-          </a:xfrm>
-        </p:spPr>
-      </p:pic>
-    </p:spTree>
-    <p:extLst>
-      <p:ext uri="{BB962C8B-B14F-4D97-AF65-F5344CB8AC3E}">
-        <p14:creationId xmlns:p14="http://schemas.microsoft.com/office/powerpoint/2010/main" val="1591467988"/>
-      </p:ext>
-    </p:extLst>
-  </p:cSld>
-  <p:clrMapOvr>
-    <a:masterClrMapping/>
-  </p:clrMapOvr>
-</p:sld>
-</file>
-
-<file path=ppt/slides/slide16.xml><?xml version="1.0" encoding="utf-8"?>
-<p:sld xmlns:a="http://schemas.openxmlformats.org/drawingml/2006/main" xmlns:r="http://schemas.openxmlformats.org/officeDocument/2006/relationships" xmlns:p="http://schemas.openxmlformats.org/presentationml/2006/main">
-  <p:cSld>
-    <p:spTree>
-      <p:nvGrpSpPr>
-        <p:cNvPr id="1" name=""/>
-        <p:cNvGrpSpPr/>
-        <p:nvPr/>
-      </p:nvGrpSpPr>
-      <p:grpSpPr>
-        <a:xfrm>
-          <a:off x="0" y="0"/>
-          <a:ext cx="0" cy="0"/>
-          <a:chOff x="0" y="0"/>
-          <a:chExt cx="0" cy="0"/>
-        </a:xfrm>
-      </p:grpSpPr>
-      <p:sp>
-        <p:nvSpPr>
-          <p:cNvPr id="2" name="Titel 1">
-            <a:extLst>
-              <a:ext uri="{FF2B5EF4-FFF2-40B4-BE49-F238E27FC236}">
-                <a16:creationId xmlns:a16="http://schemas.microsoft.com/office/drawing/2014/main" id="{EFCC5CB8-BD1D-8126-2CC1-8EC13753BCA3}"/>
-              </a:ext>
-            </a:extLst>
-          </p:cNvPr>
-          <p:cNvSpPr>
-            <a:spLocks noGrp="1"/>
-          </p:cNvSpPr>
-          <p:nvPr>
-            <p:ph type="title"/>
-          </p:nvPr>
-        </p:nvSpPr>
-        <p:spPr/>
-        <p:txBody>
-          <a:bodyPr/>
-          <a:lstStyle/>
-          <a:p>
-            <a:r>
-              <a:rPr lang="da-DK" dirty="0">
-                <a:latin typeface="Neo Sans Pro" panose="020B0504030504040204" pitchFamily="34" charset="0"/>
-              </a:rPr>
-              <a:t>Models – </a:t>
-            </a:r>
-            <a:r>
-              <a:rPr lang="da-DK" dirty="0" err="1">
-                <a:latin typeface="Neo Sans Pro" panose="020B0504030504040204" pitchFamily="34" charset="0"/>
-              </a:rPr>
-              <a:t>logistic</a:t>
-            </a:r>
-            <a:r>
-              <a:rPr lang="da-DK" dirty="0">
-                <a:latin typeface="Neo Sans Pro" panose="020B0504030504040204" pitchFamily="34" charset="0"/>
-              </a:rPr>
-              <a:t> regression</a:t>
-            </a:r>
-          </a:p>
-        </p:txBody>
-      </p:sp>
-      <p:pic>
-        <p:nvPicPr>
-          <p:cNvPr id="5" name="Pladsholder til indhold 4">
-            <a:extLst>
-              <a:ext uri="{FF2B5EF4-FFF2-40B4-BE49-F238E27FC236}">
-                <a16:creationId xmlns:a16="http://schemas.microsoft.com/office/drawing/2014/main" id="{8A2967BC-92A5-4BCF-CD8D-22B6FD72186D}"/>
-              </a:ext>
-            </a:extLst>
-          </p:cNvPr>
-          <p:cNvPicPr>
-            <a:picLocks noGrp="1" noChangeAspect="1"/>
-          </p:cNvPicPr>
-          <p:nvPr>
-            <p:ph idx="1"/>
-          </p:nvPr>
-        </p:nvPicPr>
-        <p:blipFill>
-          <a:blip r:embed="rId2"/>
-          <a:stretch>
-            <a:fillRect/>
-          </a:stretch>
-        </p:blipFill>
-        <p:spPr>
-          <a:xfrm>
-            <a:off x="838200" y="1690687"/>
-            <a:ext cx="8120865" cy="4861745"/>
-          </a:xfrm>
-        </p:spPr>
-      </p:pic>
-    </p:spTree>
-    <p:extLst>
-      <p:ext uri="{BB962C8B-B14F-4D97-AF65-F5344CB8AC3E}">
-        <p14:creationId xmlns:p14="http://schemas.microsoft.com/office/powerpoint/2010/main" val="466928861"/>
-      </p:ext>
-    </p:extLst>
-  </p:cSld>
-  <p:clrMapOvr>
-    <a:masterClrMapping/>
-  </p:clrMapOvr>
-</p:sld>
-</file>
-
-<file path=ppt/slides/slide17.xml><?xml version="1.0" encoding="utf-8"?>
-<p:sld xmlns:a="http://schemas.openxmlformats.org/drawingml/2006/main" xmlns:r="http://schemas.openxmlformats.org/officeDocument/2006/relationships" xmlns:p="http://schemas.openxmlformats.org/presentationml/2006/main">
-  <p:cSld>
-    <p:spTree>
-      <p:nvGrpSpPr>
-        <p:cNvPr id="1" name=""/>
-        <p:cNvGrpSpPr/>
-        <p:nvPr/>
-      </p:nvGrpSpPr>
-      <p:grpSpPr>
-        <a:xfrm>
-          <a:off x="0" y="0"/>
-          <a:ext cx="0" cy="0"/>
-          <a:chOff x="0" y="0"/>
-          <a:chExt cx="0" cy="0"/>
-        </a:xfrm>
-      </p:grpSpPr>
-      <p:sp>
-        <p:nvSpPr>
-          <p:cNvPr id="2" name="Titel 1">
-            <a:extLst>
-              <a:ext uri="{FF2B5EF4-FFF2-40B4-BE49-F238E27FC236}">
-                <a16:creationId xmlns:a16="http://schemas.microsoft.com/office/drawing/2014/main" id="{EFCC5CB8-BD1D-8126-2CC1-8EC13753BCA3}"/>
-              </a:ext>
-            </a:extLst>
-          </p:cNvPr>
-          <p:cNvSpPr>
-            <a:spLocks noGrp="1"/>
-          </p:cNvSpPr>
-          <p:nvPr>
-            <p:ph type="title"/>
-          </p:nvPr>
-        </p:nvSpPr>
-        <p:spPr/>
-        <p:txBody>
-          <a:bodyPr/>
-          <a:lstStyle/>
-          <a:p>
-            <a:r>
-              <a:rPr lang="da-DK" dirty="0">
-                <a:latin typeface="Neo Sans Pro" panose="020B0504030504040204" pitchFamily="34" charset="0"/>
-              </a:rPr>
-              <a:t>Models – K-Nearest </a:t>
-            </a:r>
-            <a:r>
-              <a:rPr lang="da-DK" dirty="0" err="1">
-                <a:latin typeface="Neo Sans Pro" panose="020B0504030504040204" pitchFamily="34" charset="0"/>
-              </a:rPr>
-              <a:t>Neighbors</a:t>
-            </a:r>
-            <a:endParaRPr lang="da-DK" dirty="0">
-              <a:latin typeface="Neo Sans Pro" panose="020B0504030504040204" pitchFamily="34" charset="0"/>
-            </a:endParaRPr>
-          </a:p>
-        </p:txBody>
-      </p:sp>
-      <p:pic>
-        <p:nvPicPr>
-          <p:cNvPr id="5" name="Pladsholder til indhold 4">
-            <a:extLst>
-              <a:ext uri="{FF2B5EF4-FFF2-40B4-BE49-F238E27FC236}">
-                <a16:creationId xmlns:a16="http://schemas.microsoft.com/office/drawing/2014/main" id="{468C5C5F-3498-E3B0-4817-9ABB67F6230D}"/>
-              </a:ext>
-            </a:extLst>
-          </p:cNvPr>
-          <p:cNvPicPr>
-            <a:picLocks noGrp="1" noChangeAspect="1"/>
-          </p:cNvPicPr>
-          <p:nvPr>
-            <p:ph idx="1"/>
-          </p:nvPr>
-        </p:nvPicPr>
-        <p:blipFill>
-          <a:blip r:embed="rId2"/>
-          <a:stretch>
-            <a:fillRect/>
-          </a:stretch>
-        </p:blipFill>
-        <p:spPr>
-          <a:xfrm>
-            <a:off x="838200" y="1690688"/>
-            <a:ext cx="10849054" cy="4186130"/>
-          </a:xfrm>
-        </p:spPr>
-      </p:pic>
-    </p:spTree>
-    <p:extLst>
-      <p:ext uri="{BB962C8B-B14F-4D97-AF65-F5344CB8AC3E}">
-        <p14:creationId xmlns:p14="http://schemas.microsoft.com/office/powerpoint/2010/main" val="2896058935"/>
-      </p:ext>
-    </p:extLst>
-  </p:cSld>
-  <p:clrMapOvr>
-    <a:masterClrMapping/>
-  </p:clrMapOvr>
-</p:sld>
-</file>
-
-<file path=ppt/slides/slide2.xml><?xml version="1.0" encoding="utf-8"?>
-<p:sld xmlns:a="http://schemas.openxmlformats.org/drawingml/2006/main" xmlns:r="http://schemas.openxmlformats.org/officeDocument/2006/relationships" xmlns:p="http://schemas.openxmlformats.org/presentationml/2006/main">
-  <p:cSld>
-    <p:spTree>
-      <p:nvGrpSpPr>
-        <p:cNvPr id="1" name=""/>
-        <p:cNvGrpSpPr/>
-        <p:nvPr/>
-      </p:nvGrpSpPr>
-      <p:grpSpPr>
-        <a:xfrm>
-          <a:off x="0" y="0"/>
-          <a:ext cx="0" cy="0"/>
-          <a:chOff x="0" y="0"/>
-          <a:chExt cx="0" cy="0"/>
-        </a:xfrm>
-      </p:grpSpPr>
-      <p:sp>
-        <p:nvSpPr>
-          <p:cNvPr id="2" name="Titel 1">
-            <a:extLst>
-              <a:ext uri="{FF2B5EF4-FFF2-40B4-BE49-F238E27FC236}">
-                <a16:creationId xmlns:a16="http://schemas.microsoft.com/office/drawing/2014/main" id="{964B8040-9FEF-C3D1-5E9B-046E122DEFB7}"/>
-              </a:ext>
-            </a:extLst>
-          </p:cNvPr>
-          <p:cNvSpPr>
-            <a:spLocks noGrp="1"/>
-          </p:cNvSpPr>
-          <p:nvPr>
-            <p:ph type="title"/>
-          </p:nvPr>
-        </p:nvSpPr>
-        <p:spPr/>
-        <p:txBody>
-          <a:bodyPr/>
-          <a:lstStyle/>
-          <a:p>
-            <a:r>
-              <a:rPr lang="da-DK" dirty="0" err="1">
-                <a:latin typeface="Neo Sans Pro" panose="020B0504030504040204" pitchFamily="34" charset="0"/>
-              </a:rPr>
-              <a:t>Raw</a:t>
-            </a:r>
-            <a:r>
-              <a:rPr lang="da-DK" dirty="0">
-                <a:latin typeface="Neo Sans Pro" panose="020B0504030504040204" pitchFamily="34" charset="0"/>
-              </a:rPr>
-              <a:t> data</a:t>
-            </a:r>
-          </a:p>
-        </p:txBody>
-      </p:sp>
-      <p:sp>
-        <p:nvSpPr>
-          <p:cNvPr id="3" name="Pladsholder til indhold 2">
-            <a:extLst>
-              <a:ext uri="{FF2B5EF4-FFF2-40B4-BE49-F238E27FC236}">
-                <a16:creationId xmlns:a16="http://schemas.microsoft.com/office/drawing/2014/main" id="{0D9FD767-5758-CA98-6B58-91AB69A67F14}"/>
-              </a:ext>
-            </a:extLst>
-          </p:cNvPr>
-          <p:cNvSpPr>
-            <a:spLocks noGrp="1"/>
-          </p:cNvSpPr>
-          <p:nvPr>
-            <p:ph idx="1"/>
-          </p:nvPr>
-        </p:nvSpPr>
-        <p:spPr/>
-        <p:txBody>
-          <a:bodyPr/>
-          <a:lstStyle/>
-          <a:p>
-            <a:pPr marL="0" indent="0">
-              <a:buNone/>
-            </a:pPr>
-            <a:r>
-              <a:rPr lang="da-DK" dirty="0" err="1">
-                <a:latin typeface="Neo Sans Pro" panose="020B0504030504040204" pitchFamily="34" charset="0"/>
-              </a:rPr>
-              <a:t>Collected</a:t>
-            </a:r>
-            <a:r>
-              <a:rPr lang="da-DK" dirty="0">
-                <a:latin typeface="Neo Sans Pro" panose="020B0504030504040204" pitchFamily="34" charset="0"/>
-              </a:rPr>
-              <a:t> from 3 databases and </a:t>
-            </a:r>
-            <a:r>
-              <a:rPr lang="da-DK" dirty="0" err="1">
-                <a:latin typeface="Neo Sans Pro" panose="020B0504030504040204" pitchFamily="34" charset="0"/>
-              </a:rPr>
-              <a:t>Kaggle</a:t>
-            </a:r>
-            <a:r>
-              <a:rPr lang="da-DK" dirty="0">
-                <a:latin typeface="Neo Sans Pro" panose="020B0504030504040204" pitchFamily="34" charset="0"/>
-              </a:rPr>
-              <a:t>:</a:t>
-            </a:r>
-          </a:p>
-          <a:p>
-            <a:r>
-              <a:rPr lang="da-DK" b="1" dirty="0" err="1">
-                <a:latin typeface="Neo Sans Pro" panose="020B0504030504040204" pitchFamily="34" charset="0"/>
-              </a:rPr>
-              <a:t>Hungarian</a:t>
-            </a:r>
-            <a:r>
-              <a:rPr lang="da-DK" dirty="0">
-                <a:latin typeface="Neo Sans Pro" panose="020B0504030504040204" pitchFamily="34" charset="0"/>
-              </a:rPr>
-              <a:t> Institute of </a:t>
-            </a:r>
-            <a:r>
-              <a:rPr lang="da-DK" dirty="0" err="1">
-                <a:latin typeface="Neo Sans Pro" panose="020B0504030504040204" pitchFamily="34" charset="0"/>
-              </a:rPr>
-              <a:t>Cardiology</a:t>
-            </a:r>
-            <a:r>
-              <a:rPr lang="da-DK" dirty="0">
-                <a:latin typeface="Neo Sans Pro" panose="020B0504030504040204" pitchFamily="34" charset="0"/>
-              </a:rPr>
-              <a:t>, Budapest </a:t>
-            </a:r>
-          </a:p>
-          <a:p>
-            <a:r>
-              <a:rPr lang="da-DK" dirty="0">
-                <a:latin typeface="Neo Sans Pro" panose="020B0504030504040204" pitchFamily="34" charset="0"/>
-              </a:rPr>
-              <a:t>V.A. Medical Center, </a:t>
-            </a:r>
-            <a:r>
-              <a:rPr lang="da-DK" b="1" dirty="0">
-                <a:latin typeface="Neo Sans Pro" panose="020B0504030504040204" pitchFamily="34" charset="0"/>
-              </a:rPr>
-              <a:t>Long Beach</a:t>
-            </a:r>
-            <a:r>
-              <a:rPr lang="da-DK" dirty="0">
-                <a:latin typeface="Neo Sans Pro" panose="020B0504030504040204" pitchFamily="34" charset="0"/>
-              </a:rPr>
-              <a:t>, CA </a:t>
-            </a:r>
-          </a:p>
-          <a:p>
-            <a:r>
-              <a:rPr lang="da-DK" dirty="0">
-                <a:latin typeface="Neo Sans Pro" panose="020B0504030504040204" pitchFamily="34" charset="0"/>
-              </a:rPr>
-              <a:t>University Hospital, </a:t>
-            </a:r>
-            <a:r>
-              <a:rPr lang="da-DK" dirty="0" err="1">
-                <a:latin typeface="Neo Sans Pro" panose="020B0504030504040204" pitchFamily="34" charset="0"/>
-              </a:rPr>
-              <a:t>Zurich</a:t>
-            </a:r>
-            <a:r>
-              <a:rPr lang="da-DK" dirty="0">
-                <a:latin typeface="Neo Sans Pro" panose="020B0504030504040204" pitchFamily="34" charset="0"/>
-              </a:rPr>
-              <a:t>, </a:t>
-            </a:r>
-            <a:r>
-              <a:rPr lang="da-DK" b="1" dirty="0" err="1">
-                <a:latin typeface="Neo Sans Pro" panose="020B0504030504040204" pitchFamily="34" charset="0"/>
-              </a:rPr>
-              <a:t>Switzerland</a:t>
-            </a:r>
-            <a:r>
-              <a:rPr lang="da-DK" dirty="0">
-                <a:latin typeface="Neo Sans Pro" panose="020B0504030504040204" pitchFamily="34" charset="0"/>
-              </a:rPr>
-              <a:t> </a:t>
-            </a:r>
-          </a:p>
-          <a:p>
-            <a:r>
-              <a:rPr lang="da-DK" b="1" dirty="0" err="1">
-                <a:latin typeface="Neo Sans Pro" panose="020B0504030504040204" pitchFamily="34" charset="0"/>
-              </a:rPr>
-              <a:t>Cardiovascular</a:t>
-            </a:r>
-            <a:r>
-              <a:rPr lang="da-DK" b="1" dirty="0">
-                <a:latin typeface="Neo Sans Pro" panose="020B0504030504040204" pitchFamily="34" charset="0"/>
-              </a:rPr>
-              <a:t> </a:t>
-            </a:r>
-            <a:r>
-              <a:rPr lang="da-DK" b="1" dirty="0" err="1">
-                <a:latin typeface="Neo Sans Pro" panose="020B0504030504040204" pitchFamily="34" charset="0"/>
-              </a:rPr>
-              <a:t>Disease</a:t>
-            </a:r>
-            <a:r>
-              <a:rPr lang="da-DK" b="1" dirty="0">
-                <a:latin typeface="Neo Sans Pro" panose="020B0504030504040204" pitchFamily="34" charset="0"/>
-              </a:rPr>
-              <a:t> dataset </a:t>
-            </a:r>
-            <a:endParaRPr lang="da-DK" dirty="0">
-              <a:latin typeface="Neo Sans Pro" panose="020B0504030504040204" pitchFamily="34" charset="0"/>
-            </a:endParaRPr>
-          </a:p>
-        </p:txBody>
-      </p:sp>
-    </p:spTree>
-    <p:extLst>
-      <p:ext uri="{BB962C8B-B14F-4D97-AF65-F5344CB8AC3E}">
-        <p14:creationId xmlns:p14="http://schemas.microsoft.com/office/powerpoint/2010/main" val="1109789540"/>
-      </p:ext>
-    </p:extLst>
-  </p:cSld>
-  <p:clrMapOvr>
-    <a:masterClrMapping/>
-  </p:clrMapOvr>
-</p:sld>
-</file>
-
-<file path=ppt/slides/slide3.xml><?xml version="1.0" encoding="utf-8"?>
-<p:sld xmlns:a="http://schemas.openxmlformats.org/drawingml/2006/main" xmlns:r="http://schemas.openxmlformats.org/officeDocument/2006/relationships" xmlns:p="http://schemas.openxmlformats.org/presentationml/2006/main">
-  <p:cSld>
-    <p:spTree>
-      <p:nvGrpSpPr>
-        <p:cNvPr id="1" name=""/>
-        <p:cNvGrpSpPr/>
-        <p:nvPr/>
-      </p:nvGrpSpPr>
-      <p:grpSpPr>
-        <a:xfrm>
-          <a:off x="0" y="0"/>
-          <a:ext cx="0" cy="0"/>
-          <a:chOff x="0" y="0"/>
-          <a:chExt cx="0" cy="0"/>
-        </a:xfrm>
-      </p:grpSpPr>
-      <p:sp>
-        <p:nvSpPr>
-          <p:cNvPr id="2" name="Titel 1">
-            <a:extLst>
-              <a:ext uri="{FF2B5EF4-FFF2-40B4-BE49-F238E27FC236}">
-                <a16:creationId xmlns:a16="http://schemas.microsoft.com/office/drawing/2014/main" id="{A5BFCC1C-B833-B7E6-B0B9-633AF39C0F59}"/>
-              </a:ext>
-            </a:extLst>
-          </p:cNvPr>
-          <p:cNvSpPr>
-            <a:spLocks noGrp="1"/>
-          </p:cNvSpPr>
-          <p:nvPr>
-            <p:ph type="title"/>
-          </p:nvPr>
-        </p:nvSpPr>
-        <p:spPr/>
-        <p:txBody>
-          <a:bodyPr/>
-          <a:lstStyle/>
-          <a:p>
-            <a:r>
-              <a:rPr lang="da-DK" b="1" dirty="0" err="1">
-                <a:latin typeface="Neo Sans Pro" panose="020B0504030504040204" pitchFamily="34" charset="0"/>
-              </a:rPr>
-              <a:t>Hungarian</a:t>
-            </a:r>
-            <a:r>
-              <a:rPr lang="da-DK" b="1" dirty="0">
-                <a:latin typeface="Neo Sans Pro" panose="020B0504030504040204" pitchFamily="34" charset="0"/>
-              </a:rPr>
-              <a:t>, Long Beach and </a:t>
-            </a:r>
-            <a:r>
-              <a:rPr lang="da-DK" b="1" dirty="0" err="1">
-                <a:latin typeface="Neo Sans Pro" panose="020B0504030504040204" pitchFamily="34" charset="0"/>
-              </a:rPr>
-              <a:t>Switzerland</a:t>
-            </a:r>
-            <a:endParaRPr lang="da-DK" dirty="0"/>
-          </a:p>
-        </p:txBody>
-      </p:sp>
-      <p:sp>
-        <p:nvSpPr>
-          <p:cNvPr id="3" name="Pladsholder til indhold 2">
-            <a:extLst>
-              <a:ext uri="{FF2B5EF4-FFF2-40B4-BE49-F238E27FC236}">
-                <a16:creationId xmlns:a16="http://schemas.microsoft.com/office/drawing/2014/main" id="{D5323DA0-F824-E66A-83F5-DEAE46151F09}"/>
-              </a:ext>
-            </a:extLst>
-          </p:cNvPr>
-          <p:cNvSpPr>
-            <a:spLocks noGrp="1"/>
-          </p:cNvSpPr>
-          <p:nvPr>
-            <p:ph idx="1"/>
-          </p:nvPr>
-        </p:nvSpPr>
-        <p:spPr/>
-        <p:txBody>
-          <a:bodyPr/>
-          <a:lstStyle/>
-          <a:p>
-            <a:pPr marL="0" indent="0">
-              <a:buNone/>
-            </a:pPr>
-            <a:r>
-              <a:rPr lang="da-DK" dirty="0"/>
-              <a:t>.</a:t>
-            </a:r>
-            <a:r>
-              <a:rPr lang="da-DK" dirty="0" err="1"/>
-              <a:t>txt</a:t>
-            </a:r>
-            <a:r>
-              <a:rPr lang="da-DK" dirty="0"/>
-              <a:t> files with line breaks and no header</a:t>
-            </a:r>
-          </a:p>
-          <a:p>
-            <a:pPr marL="0" indent="0">
-              <a:buNone/>
-            </a:pPr>
-            <a:br>
-              <a:rPr lang="da-DK" dirty="0"/>
-            </a:br>
-            <a:endParaRPr lang="da-DK" dirty="0"/>
-          </a:p>
-          <a:p>
-            <a:pPr marL="0" indent="0">
-              <a:buNone/>
-            </a:pPr>
-            <a:r>
-              <a:rPr lang="da-DK" dirty="0" err="1"/>
-              <a:t>Contains</a:t>
-            </a:r>
-            <a:r>
-              <a:rPr lang="da-DK" dirty="0"/>
-              <a:t> 76 variables -&gt; </a:t>
-            </a:r>
-            <a:r>
-              <a:rPr lang="da-DK" dirty="0" err="1"/>
-              <a:t>reduced</a:t>
-            </a:r>
-            <a:r>
-              <a:rPr lang="da-DK" dirty="0"/>
-              <a:t> to 9</a:t>
-            </a:r>
-          </a:p>
-          <a:p>
-            <a:pPr marL="0" indent="0">
-              <a:buNone/>
-            </a:pPr>
-            <a:r>
-              <a:rPr lang="da-DK" dirty="0"/>
-              <a:t>All </a:t>
-            </a:r>
-            <a:r>
-              <a:rPr lang="da-DK" dirty="0" err="1"/>
-              <a:t>converted</a:t>
-            </a:r>
-            <a:r>
-              <a:rPr lang="da-DK" dirty="0"/>
-              <a:t> to </a:t>
-            </a:r>
-            <a:r>
-              <a:rPr lang="da-DK" dirty="0" err="1"/>
-              <a:t>numeric</a:t>
-            </a:r>
-            <a:endParaRPr lang="da-DK" dirty="0"/>
-          </a:p>
-          <a:p>
-            <a:pPr marL="0" indent="0">
-              <a:buNone/>
-            </a:pPr>
-            <a:r>
-              <a:rPr lang="da-DK" dirty="0" err="1"/>
-              <a:t>Added</a:t>
-            </a:r>
-            <a:r>
-              <a:rPr lang="da-DK" dirty="0"/>
-              <a:t> 3 variables </a:t>
-            </a:r>
-            <a:r>
-              <a:rPr lang="da-DK" dirty="0" err="1"/>
-              <a:t>being</a:t>
-            </a:r>
-            <a:r>
-              <a:rPr lang="da-DK" dirty="0"/>
-              <a:t> factor versions of the columns:</a:t>
-            </a:r>
-            <a:br>
-              <a:rPr lang="da-DK" dirty="0"/>
-            </a:br>
-            <a:r>
-              <a:rPr lang="da-DK" b="1" dirty="0"/>
-              <a:t>sex</a:t>
-            </a:r>
-            <a:r>
-              <a:rPr lang="da-DK" dirty="0"/>
-              <a:t>, </a:t>
-            </a:r>
-            <a:r>
-              <a:rPr lang="da-DK" b="1" dirty="0" err="1"/>
-              <a:t>fbs</a:t>
-            </a:r>
-            <a:r>
-              <a:rPr lang="da-DK" b="1" dirty="0"/>
-              <a:t> </a:t>
-            </a:r>
-            <a:r>
-              <a:rPr lang="da-DK" dirty="0"/>
-              <a:t>and </a:t>
-            </a:r>
-            <a:r>
-              <a:rPr lang="da-DK" b="1" dirty="0"/>
-              <a:t>cp</a:t>
-            </a:r>
-          </a:p>
-        </p:txBody>
-      </p:sp>
-      <p:pic>
-        <p:nvPicPr>
-          <p:cNvPr id="6" name="Billede 5">
-            <a:extLst>
-              <a:ext uri="{FF2B5EF4-FFF2-40B4-BE49-F238E27FC236}">
-                <a16:creationId xmlns:a16="http://schemas.microsoft.com/office/drawing/2014/main" id="{ECD4D8FF-C075-711B-6AD0-A2E6FAE3DBB5}"/>
-              </a:ext>
-            </a:extLst>
-          </p:cNvPr>
-          <p:cNvPicPr>
-            <a:picLocks noChangeAspect="1"/>
-          </p:cNvPicPr>
-          <p:nvPr/>
-        </p:nvPicPr>
-        <p:blipFill rotWithShape="1">
-          <a:blip r:embed="rId3"/>
-          <a:srcRect t="11338"/>
-          <a:stretch/>
-        </p:blipFill>
-        <p:spPr>
-          <a:xfrm>
-            <a:off x="942531" y="2272788"/>
-            <a:ext cx="6363588" cy="641912"/>
-          </a:xfrm>
-          <a:prstGeom prst="rect">
-            <a:avLst/>
-          </a:prstGeom>
-        </p:spPr>
-      </p:pic>
-      <p:grpSp>
-        <p:nvGrpSpPr>
-          <p:cNvPr id="4" name="Gruppe 3">
-            <a:extLst>
-              <a:ext uri="{FF2B5EF4-FFF2-40B4-BE49-F238E27FC236}">
-                <a16:creationId xmlns:a16="http://schemas.microsoft.com/office/drawing/2014/main" id="{4FE8D7EB-5DFD-115E-E5B5-AF1EEB9A2602}"/>
-              </a:ext>
-            </a:extLst>
-          </p:cNvPr>
-          <p:cNvGrpSpPr/>
-          <p:nvPr/>
-        </p:nvGrpSpPr>
-        <p:grpSpPr>
-          <a:xfrm>
-            <a:off x="942531" y="5221500"/>
-            <a:ext cx="7125694" cy="543001"/>
-            <a:chOff x="943708" y="5457806"/>
-            <a:chExt cx="7125694" cy="543001"/>
-          </a:xfrm>
-        </p:grpSpPr>
-        <p:pic>
-          <p:nvPicPr>
-            <p:cNvPr id="10" name="Billede 9">
-              <a:extLst>
-                <a:ext uri="{FF2B5EF4-FFF2-40B4-BE49-F238E27FC236}">
-                  <a16:creationId xmlns:a16="http://schemas.microsoft.com/office/drawing/2014/main" id="{21B3DE8A-8975-4891-889D-A416DB8A1C2A}"/>
-                </a:ext>
-              </a:extLst>
-            </p:cNvPr>
-            <p:cNvPicPr>
-              <a:picLocks noChangeAspect="1"/>
-            </p:cNvPicPr>
-            <p:nvPr/>
-          </p:nvPicPr>
-          <p:blipFill>
-            <a:blip r:embed="rId4"/>
-            <a:stretch>
-              <a:fillRect/>
-            </a:stretch>
-          </p:blipFill>
-          <p:spPr>
-            <a:xfrm>
-              <a:off x="943708" y="5457806"/>
-              <a:ext cx="7125694" cy="543001"/>
-            </a:xfrm>
-            <a:prstGeom prst="rect">
-              <a:avLst/>
-            </a:prstGeom>
-          </p:spPr>
-        </p:pic>
-        <p:sp>
-          <p:nvSpPr>
-            <p:cNvPr id="11" name="Rektangel 10">
-              <a:extLst>
-                <a:ext uri="{FF2B5EF4-FFF2-40B4-BE49-F238E27FC236}">
-                  <a16:creationId xmlns:a16="http://schemas.microsoft.com/office/drawing/2014/main" id="{5EC9CE2F-0326-813D-28B1-ACB63BE532AD}"/>
-                </a:ext>
-              </a:extLst>
-            </p:cNvPr>
-            <p:cNvSpPr/>
-            <p:nvPr/>
-          </p:nvSpPr>
-          <p:spPr>
-            <a:xfrm>
-              <a:off x="3401923" y="5770402"/>
-              <a:ext cx="2819400" cy="204825"/>
-            </a:xfrm>
-            <a:prstGeom prst="rect">
-              <a:avLst/>
-            </a:prstGeom>
-            <a:noFill/>
-            <a:ln w="19050">
-              <a:solidFill>
-                <a:srgbClr val="FF0000"/>
-              </a:solidFill>
-            </a:ln>
-          </p:spPr>
-          <p:style>
-            <a:lnRef idx="2">
-              <a:schemeClr val="accent1">
-                <a:shade val="15000"/>
-              </a:schemeClr>
-            </a:lnRef>
-            <a:fillRef idx="1">
-              <a:schemeClr val="accent1"/>
-            </a:fillRef>
-            <a:effectRef idx="0">
-              <a:schemeClr val="accent1"/>
-            </a:effectRef>
-            <a:fontRef idx="minor">
-              <a:schemeClr val="lt1"/>
-            </a:fontRef>
-          </p:style>
-          <p:txBody>
-            <a:bodyPr rtlCol="0" anchor="ctr"/>
-            <a:lstStyle/>
-            <a:p>
-              <a:pPr algn="ctr"/>
-              <a:endParaRPr lang="da-DK"/>
-            </a:p>
-          </p:txBody>
-        </p:sp>
-      </p:grpSp>
-    </p:spTree>
-    <p:extLst>
-      <p:ext uri="{BB962C8B-B14F-4D97-AF65-F5344CB8AC3E}">
-        <p14:creationId xmlns:p14="http://schemas.microsoft.com/office/powerpoint/2010/main" val="3206868724"/>
-      </p:ext>
-    </p:extLst>
-  </p:cSld>
-  <p:clrMapOvr>
-    <a:masterClrMapping/>
-  </p:clrMapOvr>
-</p:sld>
-</file>
-
-<file path=ppt/slides/slide4.xml><?xml version="1.0" encoding="utf-8"?>
-<p:sld xmlns:a="http://schemas.openxmlformats.org/drawingml/2006/main" xmlns:r="http://schemas.openxmlformats.org/officeDocument/2006/relationships" xmlns:p="http://schemas.openxmlformats.org/presentationml/2006/main" show="0">
-  <p:cSld>
-    <p:spTree>
-      <p:nvGrpSpPr>
-        <p:cNvPr id="1" name=""/>
-        <p:cNvGrpSpPr/>
-        <p:nvPr/>
-      </p:nvGrpSpPr>
-      <p:grpSpPr>
-        <a:xfrm>
-          <a:off x="0" y="0"/>
-          <a:ext cx="0" cy="0"/>
-          <a:chOff x="0" y="0"/>
-          <a:chExt cx="0" cy="0"/>
-        </a:xfrm>
-      </p:grpSpPr>
-      <p:sp>
-        <p:nvSpPr>
-          <p:cNvPr id="2" name="Titel 1">
-            <a:extLst>
-              <a:ext uri="{FF2B5EF4-FFF2-40B4-BE49-F238E27FC236}">
-                <a16:creationId xmlns:a16="http://schemas.microsoft.com/office/drawing/2014/main" id="{7665CB93-CDB2-5237-C8D4-0194B288224F}"/>
-              </a:ext>
-            </a:extLst>
-          </p:cNvPr>
-          <p:cNvSpPr>
-            <a:spLocks noGrp="1"/>
-          </p:cNvSpPr>
-          <p:nvPr>
-            <p:ph type="title"/>
-          </p:nvPr>
-        </p:nvSpPr>
-        <p:spPr/>
-        <p:txBody>
-          <a:bodyPr/>
-          <a:lstStyle/>
-          <a:p>
-            <a:endParaRPr lang="da-DK" dirty="0"/>
-          </a:p>
-        </p:txBody>
-      </p:sp>
-      <p:pic>
-        <p:nvPicPr>
-          <p:cNvPr id="5" name="Pladsholder til indhold 4">
-            <a:extLst>
-              <a:ext uri="{FF2B5EF4-FFF2-40B4-BE49-F238E27FC236}">
-                <a16:creationId xmlns:a16="http://schemas.microsoft.com/office/drawing/2014/main" id="{038118AD-6A4B-48B8-7D9B-3155874694B2}"/>
-              </a:ext>
-            </a:extLst>
-          </p:cNvPr>
-          <p:cNvPicPr>
-            <a:picLocks noGrp="1" noChangeAspect="1"/>
-          </p:cNvPicPr>
-          <p:nvPr>
-            <p:ph idx="1"/>
-          </p:nvPr>
-        </p:nvPicPr>
-        <p:blipFill>
-          <a:blip r:embed="rId2"/>
-          <a:stretch>
-            <a:fillRect/>
-          </a:stretch>
-        </p:blipFill>
-        <p:spPr>
-          <a:xfrm>
-            <a:off x="838200" y="1690688"/>
-            <a:ext cx="10515600" cy="4709736"/>
-          </a:xfrm>
-        </p:spPr>
-      </p:pic>
-    </p:spTree>
-    <p:extLst>
-      <p:ext uri="{BB962C8B-B14F-4D97-AF65-F5344CB8AC3E}">
-        <p14:creationId xmlns:p14="http://schemas.microsoft.com/office/powerpoint/2010/main" val="4189258132"/>
-      </p:ext>
-    </p:extLst>
-  </p:cSld>
-  <p:clrMapOvr>
-    <a:masterClrMapping/>
-  </p:clrMapOvr>
-</p:sld>
-</file>
-
-<file path=ppt/slides/slide5.xml><?xml version="1.0" encoding="utf-8"?>
-<p:sld xmlns:a="http://schemas.openxmlformats.org/drawingml/2006/main" xmlns:r="http://schemas.openxmlformats.org/officeDocument/2006/relationships" xmlns:p="http://schemas.openxmlformats.org/presentationml/2006/main">
-  <p:cSld>
-    <p:spTree>
-      <p:nvGrpSpPr>
-        <p:cNvPr id="1" name=""/>
-        <p:cNvGrpSpPr/>
-        <p:nvPr/>
-      </p:nvGrpSpPr>
-      <p:grpSpPr>
-        <a:xfrm>
-          <a:off x="0" y="0"/>
-          <a:ext cx="0" cy="0"/>
-          <a:chOff x="0" y="0"/>
-          <a:chExt cx="0" cy="0"/>
-        </a:xfrm>
-      </p:grpSpPr>
-      <p:sp>
-        <p:nvSpPr>
-          <p:cNvPr id="2" name="Titel 1">
-            <a:extLst>
-              <a:ext uri="{FF2B5EF4-FFF2-40B4-BE49-F238E27FC236}">
-                <a16:creationId xmlns:a16="http://schemas.microsoft.com/office/drawing/2014/main" id="{A83FA40F-BD00-3661-B071-29AFA9EE9B66}"/>
-              </a:ext>
-            </a:extLst>
-          </p:cNvPr>
-          <p:cNvSpPr>
-            <a:spLocks noGrp="1"/>
-          </p:cNvSpPr>
-          <p:nvPr>
-            <p:ph type="title"/>
-          </p:nvPr>
-        </p:nvSpPr>
-        <p:spPr/>
-        <p:txBody>
-          <a:bodyPr/>
-          <a:lstStyle/>
-          <a:p>
-            <a:r>
-              <a:rPr lang="da-DK" b="1" dirty="0" err="1">
-                <a:latin typeface="Neo Sans Pro" panose="020B0504030504040204" pitchFamily="34" charset="0"/>
-              </a:rPr>
-              <a:t>Cardiovascular</a:t>
-            </a:r>
-            <a:r>
-              <a:rPr lang="da-DK" b="1" dirty="0">
-                <a:latin typeface="Neo Sans Pro" panose="020B0504030504040204" pitchFamily="34" charset="0"/>
-              </a:rPr>
-              <a:t> </a:t>
-            </a:r>
-            <a:r>
-              <a:rPr lang="da-DK" b="1" dirty="0" err="1">
-                <a:latin typeface="Neo Sans Pro" panose="020B0504030504040204" pitchFamily="34" charset="0"/>
-              </a:rPr>
-              <a:t>Disease</a:t>
-            </a:r>
-            <a:r>
-              <a:rPr lang="da-DK" b="1" dirty="0">
-                <a:latin typeface="Neo Sans Pro" panose="020B0504030504040204" pitchFamily="34" charset="0"/>
-              </a:rPr>
-              <a:t> dataset </a:t>
-            </a:r>
-            <a:endParaRPr lang="da-DK" dirty="0"/>
-          </a:p>
-        </p:txBody>
-      </p:sp>
-      <p:sp>
-        <p:nvSpPr>
-          <p:cNvPr id="3" name="Pladsholder til indhold 2">
-            <a:extLst>
-              <a:ext uri="{FF2B5EF4-FFF2-40B4-BE49-F238E27FC236}">
-                <a16:creationId xmlns:a16="http://schemas.microsoft.com/office/drawing/2014/main" id="{FD7BA4B3-01A2-887D-EB04-138C9B79B9CB}"/>
-              </a:ext>
-            </a:extLst>
-          </p:cNvPr>
-          <p:cNvSpPr>
-            <a:spLocks noGrp="1"/>
-          </p:cNvSpPr>
-          <p:nvPr>
-            <p:ph idx="1"/>
-          </p:nvPr>
-        </p:nvSpPr>
-        <p:spPr/>
-        <p:txBody>
-          <a:bodyPr/>
-          <a:lstStyle/>
-          <a:p>
-            <a:pPr marL="0" indent="0">
-              <a:buNone/>
-            </a:pPr>
-            <a:r>
-              <a:rPr lang="da-DK" dirty="0" err="1">
-                <a:latin typeface="Neo Sans Pro" panose="020B0504030504040204" pitchFamily="34" charset="0"/>
-              </a:rPr>
-              <a:t>Contained</a:t>
-            </a:r>
-            <a:r>
-              <a:rPr lang="da-DK" dirty="0">
-                <a:latin typeface="Neo Sans Pro" panose="020B0504030504040204" pitchFamily="34" charset="0"/>
-              </a:rPr>
-              <a:t> 13 variables, </a:t>
-            </a:r>
-            <a:r>
-              <a:rPr lang="da-DK" dirty="0" err="1">
-                <a:latin typeface="Neo Sans Pro" panose="020B0504030504040204" pitchFamily="34" charset="0"/>
-              </a:rPr>
-              <a:t>where</a:t>
-            </a:r>
-            <a:r>
-              <a:rPr lang="da-DK" dirty="0">
-                <a:latin typeface="Neo Sans Pro" panose="020B0504030504040204" pitchFamily="34" charset="0"/>
-              </a:rPr>
-              <a:t> as 9 is </a:t>
-            </a:r>
-            <a:r>
-              <a:rPr lang="da-DK" dirty="0" err="1">
-                <a:latin typeface="Neo Sans Pro" panose="020B0504030504040204" pitchFamily="34" charset="0"/>
-              </a:rPr>
-              <a:t>kept</a:t>
-            </a:r>
-            <a:r>
-              <a:rPr lang="da-DK" dirty="0">
-                <a:latin typeface="Neo Sans Pro" panose="020B0504030504040204" pitchFamily="34" charset="0"/>
-              </a:rPr>
-              <a:t> and 5 is </a:t>
-            </a:r>
-            <a:r>
-              <a:rPr lang="da-DK" dirty="0" err="1">
-                <a:latin typeface="Neo Sans Pro" panose="020B0504030504040204" pitchFamily="34" charset="0"/>
-              </a:rPr>
-              <a:t>added</a:t>
-            </a:r>
-            <a:r>
-              <a:rPr lang="da-DK" dirty="0">
-                <a:latin typeface="Neo Sans Pro" panose="020B0504030504040204" pitchFamily="34" charset="0"/>
-              </a:rPr>
-              <a:t>:</a:t>
-            </a:r>
-            <a:br>
-              <a:rPr lang="da-DK" dirty="0">
-                <a:latin typeface="Neo Sans Pro" panose="020B0504030504040204" pitchFamily="34" charset="0"/>
-              </a:rPr>
-            </a:br>
-            <a:r>
-              <a:rPr lang="da-DK" b="1" dirty="0" err="1">
-                <a:latin typeface="Neo Sans Pro" panose="020B0504030504040204" pitchFamily="34" charset="0"/>
-              </a:rPr>
-              <a:t>fbsFactor</a:t>
-            </a:r>
-            <a:r>
-              <a:rPr lang="da-DK" b="1" dirty="0">
-                <a:latin typeface="Neo Sans Pro" panose="020B0504030504040204" pitchFamily="34" charset="0"/>
-              </a:rPr>
-              <a:t>, </a:t>
-            </a:r>
-            <a:r>
-              <a:rPr lang="da-DK" b="1" dirty="0" err="1">
-                <a:latin typeface="Neo Sans Pro" panose="020B0504030504040204" pitchFamily="34" charset="0"/>
-              </a:rPr>
-              <a:t>cpFactor</a:t>
-            </a:r>
-            <a:r>
-              <a:rPr lang="da-DK" b="1" dirty="0">
-                <a:latin typeface="Neo Sans Pro" panose="020B0504030504040204" pitchFamily="34" charset="0"/>
-              </a:rPr>
-              <a:t>, sex, bmi and </a:t>
-            </a:r>
-            <a:r>
-              <a:rPr lang="da-DK" b="1" dirty="0" err="1">
-                <a:latin typeface="Neo Sans Pro" panose="020B0504030504040204" pitchFamily="34" charset="0"/>
-              </a:rPr>
-              <a:t>ap_mean</a:t>
-            </a:r>
-            <a:endParaRPr lang="da-DK" dirty="0">
-              <a:latin typeface="Neo Sans Pro" panose="020B0504030504040204" pitchFamily="34" charset="0"/>
-            </a:endParaRPr>
-          </a:p>
-          <a:p>
-            <a:pPr marL="0" indent="0">
-              <a:buNone/>
-            </a:pPr>
-            <a:r>
-              <a:rPr lang="da-DK" dirty="0">
-                <a:latin typeface="Neo Sans Pro" panose="020B0504030504040204" pitchFamily="34" charset="0"/>
-              </a:rPr>
-              <a:t>More clean </a:t>
-            </a:r>
-            <a:r>
-              <a:rPr lang="da-DK" dirty="0" err="1">
-                <a:latin typeface="Neo Sans Pro" panose="020B0504030504040204" pitchFamily="34" charset="0"/>
-              </a:rPr>
-              <a:t>than</a:t>
-            </a:r>
-            <a:r>
-              <a:rPr lang="da-DK" dirty="0">
-                <a:latin typeface="Neo Sans Pro" panose="020B0504030504040204" pitchFamily="34" charset="0"/>
-              </a:rPr>
-              <a:t> the </a:t>
-            </a:r>
-            <a:r>
-              <a:rPr lang="da-DK" dirty="0" err="1">
-                <a:latin typeface="Neo Sans Pro" panose="020B0504030504040204" pitchFamily="34" charset="0"/>
-              </a:rPr>
-              <a:t>other</a:t>
-            </a:r>
-            <a:r>
-              <a:rPr lang="da-DK" dirty="0">
-                <a:latin typeface="Neo Sans Pro" panose="020B0504030504040204" pitchFamily="34" charset="0"/>
-              </a:rPr>
-              <a:t> data sets</a:t>
-            </a:r>
-          </a:p>
-          <a:p>
-            <a:pPr marL="0" indent="0">
-              <a:buNone/>
-            </a:pPr>
-            <a:endParaRPr lang="da-DK" dirty="0"/>
-          </a:p>
-        </p:txBody>
-      </p:sp>
-      <p:pic>
-        <p:nvPicPr>
-          <p:cNvPr id="5" name="Billede 4">
-            <a:extLst>
-              <a:ext uri="{FF2B5EF4-FFF2-40B4-BE49-F238E27FC236}">
-                <a16:creationId xmlns:a16="http://schemas.microsoft.com/office/drawing/2014/main" id="{21F1BE2F-AB1F-587E-BFFB-9AD977E3FFB9}"/>
-              </a:ext>
-            </a:extLst>
-          </p:cNvPr>
-          <p:cNvPicPr>
-            <a:picLocks noChangeAspect="1"/>
-          </p:cNvPicPr>
-          <p:nvPr/>
-        </p:nvPicPr>
-        <p:blipFill>
-          <a:blip r:embed="rId3"/>
-          <a:stretch>
-            <a:fillRect/>
-          </a:stretch>
-        </p:blipFill>
-        <p:spPr>
-          <a:xfrm>
-            <a:off x="942415" y="3285945"/>
-            <a:ext cx="8021169" cy="2572109"/>
-          </a:xfrm>
-          <a:prstGeom prst="rect">
-            <a:avLst/>
-          </a:prstGeom>
-        </p:spPr>
-      </p:pic>
-    </p:spTree>
-    <p:extLst>
-      <p:ext uri="{BB962C8B-B14F-4D97-AF65-F5344CB8AC3E}">
-        <p14:creationId xmlns:p14="http://schemas.microsoft.com/office/powerpoint/2010/main" val="3122419311"/>
-      </p:ext>
-    </p:extLst>
-  </p:cSld>
-  <p:clrMapOvr>
-    <a:masterClrMapping/>
-  </p:clrMapOvr>
-</p:sld>
-</file>
-
-<file path=ppt/slides/slide6.xml><?xml version="1.0" encoding="utf-8"?>
-<p:sld xmlns:a="http://schemas.openxmlformats.org/drawingml/2006/main" xmlns:r="http://schemas.openxmlformats.org/officeDocument/2006/relationships" xmlns:p="http://schemas.openxmlformats.org/presentationml/2006/main" show="0">
-  <p:cSld>
-    <p:spTree>
-      <p:nvGrpSpPr>
-        <p:cNvPr id="1" name=""/>
-        <p:cNvGrpSpPr/>
-        <p:nvPr/>
-      </p:nvGrpSpPr>
-      <p:grpSpPr>
-        <a:xfrm>
-          <a:off x="0" y="0"/>
-          <a:ext cx="0" cy="0"/>
-          <a:chOff x="0" y="0"/>
-          <a:chExt cx="0" cy="0"/>
-        </a:xfrm>
-      </p:grpSpPr>
-      <p:sp>
-        <p:nvSpPr>
-          <p:cNvPr id="2" name="Titel 1">
-            <a:extLst>
-              <a:ext uri="{FF2B5EF4-FFF2-40B4-BE49-F238E27FC236}">
-                <a16:creationId xmlns:a16="http://schemas.microsoft.com/office/drawing/2014/main" id="{FCA0F344-C894-2A2D-C1DD-E03E52F9E32D}"/>
-              </a:ext>
-            </a:extLst>
-          </p:cNvPr>
-          <p:cNvSpPr>
-            <a:spLocks noGrp="1"/>
-          </p:cNvSpPr>
-          <p:nvPr>
-            <p:ph type="title"/>
-          </p:nvPr>
-        </p:nvSpPr>
-        <p:spPr>
-          <a:xfrm>
-            <a:off x="838200" y="2766218"/>
-            <a:ext cx="10515600" cy="1325563"/>
-          </a:xfrm>
-        </p:spPr>
-        <p:txBody>
-          <a:bodyPr>
-            <a:normAutofit/>
-          </a:bodyPr>
-          <a:lstStyle/>
-          <a:p>
-            <a:r>
-              <a:rPr lang="da-DK" sz="4800" dirty="0">
-                <a:latin typeface="Neo Sans Pro" panose="020B0504030504040204" pitchFamily="34" charset="0"/>
-              </a:rPr>
-              <a:t>The </a:t>
-            </a:r>
-            <a:r>
-              <a:rPr lang="da-DK" sz="4800" dirty="0" err="1">
-                <a:latin typeface="Neo Sans Pro" panose="020B0504030504040204" pitchFamily="34" charset="0"/>
-              </a:rPr>
-              <a:t>Shiny</a:t>
-            </a:r>
-            <a:r>
-              <a:rPr lang="da-DK" sz="4800" dirty="0">
-                <a:latin typeface="Neo Sans Pro" panose="020B0504030504040204" pitchFamily="34" charset="0"/>
-              </a:rPr>
-              <a:t> </a:t>
-            </a:r>
-            <a:r>
-              <a:rPr lang="da-DK" sz="4800" dirty="0" err="1">
-                <a:latin typeface="Neo Sans Pro" panose="020B0504030504040204" pitchFamily="34" charset="0"/>
-              </a:rPr>
-              <a:t>application</a:t>
-            </a:r>
-            <a:endParaRPr lang="da-DK" sz="4800" dirty="0"/>
-          </a:p>
-        </p:txBody>
-      </p:sp>
-      <p:cxnSp>
-        <p:nvCxnSpPr>
-          <p:cNvPr id="4" name="Lige forbindelse 3">
-            <a:extLst>
-              <a:ext uri="{FF2B5EF4-FFF2-40B4-BE49-F238E27FC236}">
-                <a16:creationId xmlns:a16="http://schemas.microsoft.com/office/drawing/2014/main" id="{58B6E535-57D9-E75E-A8BB-234B509839BB}"/>
-              </a:ext>
-            </a:extLst>
-          </p:cNvPr>
-          <p:cNvCxnSpPr>
-            <a:cxnSpLocks/>
-          </p:cNvCxnSpPr>
-          <p:nvPr/>
-        </p:nvCxnSpPr>
-        <p:spPr>
-          <a:xfrm>
-            <a:off x="912259" y="3763071"/>
-            <a:ext cx="10367481" cy="0"/>
-          </a:xfrm>
-          <a:prstGeom prst="line">
-            <a:avLst/>
-          </a:prstGeom>
-          <a:ln w="28575">
-            <a:solidFill>
-              <a:schemeClr val="tx1"/>
-            </a:solidFill>
-          </a:ln>
-        </p:spPr>
-        <p:style>
-          <a:lnRef idx="1">
-            <a:schemeClr val="accent1"/>
-          </a:lnRef>
-          <a:fillRef idx="0">
-            <a:schemeClr val="accent1"/>
-          </a:fillRef>
-          <a:effectRef idx="0">
-            <a:schemeClr val="accent1"/>
-          </a:effectRef>
-          <a:fontRef idx="minor">
-            <a:schemeClr val="tx1"/>
-          </a:fontRef>
-        </p:style>
-      </p:cxnSp>
-    </p:spTree>
-    <p:extLst>
-      <p:ext uri="{BB962C8B-B14F-4D97-AF65-F5344CB8AC3E}">
-        <p14:creationId xmlns:p14="http://schemas.microsoft.com/office/powerpoint/2010/main" val="4224110121"/>
-      </p:ext>
-    </p:extLst>
-  </p:cSld>
-  <p:clrMapOvr>
-    <a:masterClrMapping/>
-  </p:clrMapOvr>
-</p:sld>
-</file>
-
-<file path=ppt/slides/slide7.xml><?xml version="1.0" encoding="utf-8"?>
-<p:sld xmlns:a="http://schemas.openxmlformats.org/drawingml/2006/main" xmlns:r="http://schemas.openxmlformats.org/officeDocument/2006/relationships" xmlns:p="http://schemas.openxmlformats.org/presentationml/2006/main">
-  <p:cSld>
-    <p:spTree>
-      <p:nvGrpSpPr>
-        <p:cNvPr id="1" name=""/>
-        <p:cNvGrpSpPr/>
-        <p:nvPr/>
-      </p:nvGrpSpPr>
-      <p:grpSpPr>
-        <a:xfrm>
-          <a:off x="0" y="0"/>
-          <a:ext cx="0" cy="0"/>
-          <a:chOff x="0" y="0"/>
-          <a:chExt cx="0" cy="0"/>
-        </a:xfrm>
-      </p:grpSpPr>
-      <p:sp>
-        <p:nvSpPr>
-          <p:cNvPr id="2" name="Titel 1">
-            <a:extLst>
-              <a:ext uri="{FF2B5EF4-FFF2-40B4-BE49-F238E27FC236}">
-                <a16:creationId xmlns:a16="http://schemas.microsoft.com/office/drawing/2014/main" id="{17470797-AB5C-E773-4BB2-A7D2F9D068C3}"/>
-              </a:ext>
-            </a:extLst>
-          </p:cNvPr>
-          <p:cNvSpPr>
-            <a:spLocks noGrp="1"/>
-          </p:cNvSpPr>
-          <p:nvPr>
-            <p:ph type="title"/>
-          </p:nvPr>
-        </p:nvSpPr>
-        <p:spPr/>
-        <p:txBody>
-          <a:bodyPr/>
-          <a:lstStyle/>
-          <a:p>
-            <a:r>
-              <a:rPr lang="da-DK" dirty="0">
-                <a:latin typeface="Neo Sans Pro" panose="020B0504030504040204" pitchFamily="34" charset="0"/>
-              </a:rPr>
-              <a:t>The </a:t>
-            </a:r>
-            <a:r>
-              <a:rPr lang="da-DK" dirty="0" err="1">
-                <a:latin typeface="Neo Sans Pro" panose="020B0504030504040204" pitchFamily="34" charset="0"/>
-              </a:rPr>
-              <a:t>Shiny</a:t>
-            </a:r>
-            <a:r>
-              <a:rPr lang="da-DK" dirty="0">
-                <a:latin typeface="Neo Sans Pro" panose="020B0504030504040204" pitchFamily="34" charset="0"/>
-              </a:rPr>
-              <a:t> </a:t>
-            </a:r>
-            <a:r>
-              <a:rPr lang="da-DK" dirty="0" err="1">
-                <a:latin typeface="Neo Sans Pro" panose="020B0504030504040204" pitchFamily="34" charset="0"/>
-              </a:rPr>
-              <a:t>application</a:t>
-            </a:r>
-            <a:endParaRPr lang="da-DK" dirty="0">
-              <a:latin typeface="Neo Sans Pro" panose="020B0504030504040204" pitchFamily="34" charset="0"/>
-            </a:endParaRPr>
-          </a:p>
-        </p:txBody>
-      </p:sp>
-      <p:sp>
-        <p:nvSpPr>
-          <p:cNvPr id="3" name="Pladsholder til indhold 2">
-            <a:extLst>
-              <a:ext uri="{FF2B5EF4-FFF2-40B4-BE49-F238E27FC236}">
-                <a16:creationId xmlns:a16="http://schemas.microsoft.com/office/drawing/2014/main" id="{C3AD7377-00CA-4727-84FA-32FA832DD2AC}"/>
-              </a:ext>
-            </a:extLst>
-          </p:cNvPr>
-          <p:cNvSpPr>
-            <a:spLocks noGrp="1"/>
-          </p:cNvSpPr>
-          <p:nvPr>
-            <p:ph idx="1"/>
-          </p:nvPr>
-        </p:nvSpPr>
-        <p:spPr/>
-        <p:txBody>
-          <a:bodyPr>
-            <a:normAutofit lnSpcReduction="10000"/>
-          </a:bodyPr>
-          <a:lstStyle/>
-          <a:p>
-            <a:pPr marL="0" indent="0">
-              <a:buNone/>
-            </a:pPr>
-            <a:r>
-              <a:rPr lang="da-DK" dirty="0" err="1">
-                <a:latin typeface="Neo Sans Pro" panose="020B0504030504040204" pitchFamily="34" charset="0"/>
-              </a:rPr>
-              <a:t>Followed</a:t>
-            </a:r>
-            <a:r>
-              <a:rPr lang="da-DK" dirty="0">
-                <a:latin typeface="Neo Sans Pro" panose="020B0504030504040204" pitchFamily="34" charset="0"/>
-              </a:rPr>
-              <a:t> </a:t>
-            </a:r>
-            <a:r>
-              <a:rPr lang="da-DK" b="1" dirty="0">
-                <a:latin typeface="Neo Sans Pro" panose="020B0504030504040204" pitchFamily="34" charset="0"/>
-                <a:hlinkClick r:id="rId2">
-                  <a:extLst>
-                    <a:ext uri="{A12FA001-AC4F-418D-AE19-62706E023703}">
-                      <ahyp:hlinkClr xmlns:ahyp="http://schemas.microsoft.com/office/drawing/2018/hyperlinkcolor" val="tx"/>
-                    </a:ext>
-                  </a:extLst>
-                </a:hlinkClick>
-              </a:rPr>
-              <a:t>Mastering</a:t>
-            </a:r>
-            <a:r>
-              <a:rPr lang="da-DK" b="1" dirty="0">
-                <a:solidFill>
-                  <a:srgbClr val="0563C1"/>
-                </a:solidFill>
-                <a:latin typeface="Neo Sans Pro" panose="020B0504030504040204" pitchFamily="34" charset="0"/>
-                <a:hlinkClick r:id="rId2">
-                  <a:extLst>
-                    <a:ext uri="{A12FA001-AC4F-418D-AE19-62706E023703}">
-                      <ahyp:hlinkClr xmlns:ahyp="http://schemas.microsoft.com/office/drawing/2018/hyperlinkcolor" val="tx"/>
-                    </a:ext>
-                  </a:extLst>
-                </a:hlinkClick>
-              </a:rPr>
-              <a:t> </a:t>
-            </a:r>
-            <a:r>
-              <a:rPr lang="da-DK" b="1" dirty="0" err="1">
-                <a:latin typeface="Neo Sans Pro" panose="020B0504030504040204" pitchFamily="34" charset="0"/>
-                <a:hlinkClick r:id="rId2">
-                  <a:extLst>
-                    <a:ext uri="{A12FA001-AC4F-418D-AE19-62706E023703}">
-                      <ahyp:hlinkClr xmlns:ahyp="http://schemas.microsoft.com/office/drawing/2018/hyperlinkcolor" val="tx"/>
-                    </a:ext>
-                  </a:extLst>
-                </a:hlinkClick>
-              </a:rPr>
-              <a:t>Shiny</a:t>
-            </a:r>
-            <a:r>
-              <a:rPr lang="da-DK" b="1" dirty="0">
-                <a:latin typeface="Neo Sans Pro" panose="020B0504030504040204" pitchFamily="34" charset="0"/>
-              </a:rPr>
-              <a:t> </a:t>
-            </a:r>
-            <a:r>
-              <a:rPr lang="da-DK" dirty="0">
-                <a:latin typeface="Neo Sans Pro" panose="020B0504030504040204" pitchFamily="34" charset="0"/>
-              </a:rPr>
-              <a:t>book</a:t>
-            </a:r>
-            <a:endParaRPr lang="da-DK" b="1" dirty="0">
-              <a:latin typeface="Neo Sans Pro" panose="020B0504030504040204" pitchFamily="34" charset="0"/>
-            </a:endParaRPr>
-          </a:p>
-          <a:p>
-            <a:pPr marL="0" indent="0">
-              <a:buNone/>
-            </a:pPr>
-            <a:r>
-              <a:rPr lang="da-DK" dirty="0" err="1">
-                <a:latin typeface="Neo Sans Pro" panose="020B0504030504040204" pitchFamily="34" charset="0"/>
-              </a:rPr>
-              <a:t>Created</a:t>
-            </a:r>
-            <a:r>
-              <a:rPr lang="da-DK" dirty="0">
-                <a:latin typeface="Neo Sans Pro" panose="020B0504030504040204" pitchFamily="34" charset="0"/>
-              </a:rPr>
-              <a:t> a </a:t>
-            </a:r>
-            <a:r>
-              <a:rPr lang="da-DK" dirty="0" err="1">
-                <a:latin typeface="Neo Sans Pro" panose="020B0504030504040204" pitchFamily="34" charset="0"/>
-              </a:rPr>
-              <a:t>shiny</a:t>
-            </a:r>
-            <a:r>
-              <a:rPr lang="da-DK" dirty="0">
-                <a:latin typeface="Neo Sans Pro" panose="020B0504030504040204" pitchFamily="34" charset="0"/>
-              </a:rPr>
-              <a:t> with top </a:t>
-            </a:r>
-            <a:r>
-              <a:rPr lang="da-DK" dirty="0" err="1">
-                <a:latin typeface="Neo Sans Pro" panose="020B0504030504040204" pitchFamily="34" charset="0"/>
-              </a:rPr>
-              <a:t>level</a:t>
-            </a:r>
-            <a:r>
-              <a:rPr lang="da-DK" dirty="0">
-                <a:latin typeface="Neo Sans Pro" panose="020B0504030504040204" pitchFamily="34" charset="0"/>
-              </a:rPr>
-              <a:t> navigation bar to </a:t>
-            </a:r>
-            <a:r>
-              <a:rPr lang="da-DK" dirty="0" err="1">
-                <a:latin typeface="Neo Sans Pro" panose="020B0504030504040204" pitchFamily="34" charset="0"/>
-              </a:rPr>
-              <a:t>toggle</a:t>
-            </a:r>
-            <a:r>
-              <a:rPr lang="da-DK" dirty="0">
-                <a:latin typeface="Neo Sans Pro" panose="020B0504030504040204" pitchFamily="34" charset="0"/>
-              </a:rPr>
-              <a:t> 4 </a:t>
-            </a:r>
-            <a:r>
-              <a:rPr lang="da-DK" dirty="0" err="1">
-                <a:latin typeface="Neo Sans Pro" panose="020B0504030504040204" pitchFamily="34" charset="0"/>
-              </a:rPr>
-              <a:t>different</a:t>
-            </a:r>
-            <a:r>
-              <a:rPr lang="da-DK" dirty="0">
-                <a:latin typeface="Neo Sans Pro" panose="020B0504030504040204" pitchFamily="34" charset="0"/>
-              </a:rPr>
-              <a:t> taps:</a:t>
-            </a:r>
-          </a:p>
-          <a:p>
-            <a:r>
-              <a:rPr lang="da-DK" dirty="0">
-                <a:latin typeface="Neo Sans Pro" panose="020B0504030504040204" pitchFamily="34" charset="0"/>
-              </a:rPr>
-              <a:t>Data information</a:t>
-            </a:r>
-          </a:p>
-          <a:p>
-            <a:pPr lvl="1"/>
-            <a:r>
-              <a:rPr lang="da-DK" dirty="0" err="1">
-                <a:latin typeface="Neo Sans Pro" panose="020B0504030504040204" pitchFamily="34" charset="0"/>
-              </a:rPr>
-              <a:t>About</a:t>
-            </a:r>
-            <a:r>
-              <a:rPr lang="da-DK" dirty="0">
-                <a:latin typeface="Neo Sans Pro" panose="020B0504030504040204" pitchFamily="34" charset="0"/>
-              </a:rPr>
-              <a:t> </a:t>
-            </a:r>
-            <a:r>
-              <a:rPr lang="da-DK" dirty="0" err="1">
-                <a:latin typeface="Neo Sans Pro" panose="020B0504030504040204" pitchFamily="34" charset="0"/>
-              </a:rPr>
-              <a:t>cardiovascular</a:t>
-            </a:r>
-            <a:r>
-              <a:rPr lang="da-DK" dirty="0">
-                <a:latin typeface="Neo Sans Pro" panose="020B0504030504040204" pitchFamily="34" charset="0"/>
-              </a:rPr>
-              <a:t> </a:t>
-            </a:r>
-            <a:r>
-              <a:rPr lang="da-DK" dirty="0" err="1">
-                <a:latin typeface="Neo Sans Pro" panose="020B0504030504040204" pitchFamily="34" charset="0"/>
-              </a:rPr>
-              <a:t>disease</a:t>
-            </a:r>
-            <a:r>
-              <a:rPr lang="da-DK" dirty="0">
-                <a:latin typeface="Neo Sans Pro" panose="020B0504030504040204" pitchFamily="34" charset="0"/>
-              </a:rPr>
-              <a:t> (CVD)</a:t>
-            </a:r>
-          </a:p>
-          <a:p>
-            <a:pPr lvl="1"/>
-            <a:r>
-              <a:rPr lang="da-DK" dirty="0">
-                <a:latin typeface="Neo Sans Pro" panose="020B0504030504040204" pitchFamily="34" charset="0"/>
-              </a:rPr>
-              <a:t>The data</a:t>
-            </a:r>
-          </a:p>
-          <a:p>
-            <a:pPr lvl="1"/>
-            <a:r>
-              <a:rPr lang="da-DK" dirty="0" err="1">
-                <a:latin typeface="Neo Sans Pro" panose="020B0504030504040204" pitchFamily="34" charset="0"/>
-              </a:rPr>
-              <a:t>Pre-processing</a:t>
-            </a:r>
-            <a:endParaRPr lang="da-DK" dirty="0">
-              <a:latin typeface="Neo Sans Pro" panose="020B0504030504040204" pitchFamily="34" charset="0"/>
-            </a:endParaRPr>
-          </a:p>
-          <a:p>
-            <a:r>
-              <a:rPr lang="da-DK" dirty="0">
-                <a:latin typeface="Neo Sans Pro" panose="020B0504030504040204" pitchFamily="34" charset="0"/>
-              </a:rPr>
-              <a:t>Data</a:t>
-            </a:r>
-          </a:p>
-          <a:p>
-            <a:r>
-              <a:rPr lang="da-DK" dirty="0" err="1">
-                <a:latin typeface="Neo Sans Pro" panose="020B0504030504040204" pitchFamily="34" charset="0"/>
-              </a:rPr>
-              <a:t>Visualization</a:t>
-            </a:r>
-            <a:endParaRPr lang="da-DK" dirty="0">
-              <a:latin typeface="Neo Sans Pro" panose="020B0504030504040204" pitchFamily="34" charset="0"/>
-            </a:endParaRPr>
-          </a:p>
-          <a:p>
-            <a:r>
-              <a:rPr lang="da-DK" dirty="0">
-                <a:latin typeface="Neo Sans Pro" panose="020B0504030504040204" pitchFamily="34" charset="0"/>
-              </a:rPr>
-              <a:t>Models</a:t>
-            </a:r>
-          </a:p>
-        </p:txBody>
-      </p:sp>
-    </p:spTree>
-    <p:extLst>
-      <p:ext uri="{BB962C8B-B14F-4D97-AF65-F5344CB8AC3E}">
-        <p14:creationId xmlns:p14="http://schemas.microsoft.com/office/powerpoint/2010/main" val="3260655191"/>
-      </p:ext>
-    </p:extLst>
-  </p:cSld>
-  <p:clrMapOvr>
-    <a:masterClrMapping/>
-  </p:clrMapOvr>
-</p:sld>
-</file>
-
-<file path=ppt/slides/slide8.xml><?xml version="1.0" encoding="utf-8"?>
-<p:sld xmlns:a="http://schemas.openxmlformats.org/drawingml/2006/main" xmlns:r="http://schemas.openxmlformats.org/officeDocument/2006/relationships" xmlns:p="http://schemas.openxmlformats.org/presentationml/2006/main">
-  <p:cSld>
-    <p:spTree>
-      <p:nvGrpSpPr>
-        <p:cNvPr id="1" name=""/>
-        <p:cNvGrpSpPr/>
-        <p:nvPr/>
-      </p:nvGrpSpPr>
-      <p:grpSpPr>
-        <a:xfrm>
-          <a:off x="0" y="0"/>
-          <a:ext cx="0" cy="0"/>
-          <a:chOff x="0" y="0"/>
-          <a:chExt cx="0" cy="0"/>
-        </a:xfrm>
-      </p:grpSpPr>
-      <p:sp>
-        <p:nvSpPr>
-          <p:cNvPr id="2" name="Titel 1">
-            <a:extLst>
-              <a:ext uri="{FF2B5EF4-FFF2-40B4-BE49-F238E27FC236}">
-                <a16:creationId xmlns:a16="http://schemas.microsoft.com/office/drawing/2014/main" id="{CB44EF16-D5E3-FCD3-C8F2-6AED7C4C87D4}"/>
-              </a:ext>
-            </a:extLst>
-          </p:cNvPr>
-          <p:cNvSpPr>
-            <a:spLocks noGrp="1"/>
-          </p:cNvSpPr>
-          <p:nvPr>
-            <p:ph type="title"/>
-          </p:nvPr>
-        </p:nvSpPr>
-        <p:spPr/>
-        <p:txBody>
-          <a:bodyPr/>
-          <a:lstStyle/>
-          <a:p>
-            <a:r>
-              <a:rPr lang="da-DK" dirty="0">
-                <a:latin typeface="Neo Sans Pro" panose="020B0504030504040204" pitchFamily="34" charset="0"/>
-              </a:rPr>
-              <a:t>Styling of the </a:t>
-            </a:r>
-            <a:r>
-              <a:rPr lang="da-DK" dirty="0" err="1">
-                <a:latin typeface="Neo Sans Pro" panose="020B0504030504040204" pitchFamily="34" charset="0"/>
-              </a:rPr>
-              <a:t>Shiny</a:t>
-            </a:r>
-            <a:endParaRPr lang="da-DK" dirty="0">
               <a:latin typeface="Neo Sans Pro" panose="020B0504030504040204" pitchFamily="34" charset="0"/>
             </a:endParaRPr>
           </a:p>
@@ -7622,10 +6411,3270 @@
           </p:txBody>
         </p:sp>
       </p:grpSp>
+      <p:sp>
+        <p:nvSpPr>
+          <p:cNvPr id="9" name="Tekstfelt 8">
+            <a:extLst>
+              <a:ext uri="{FF2B5EF4-FFF2-40B4-BE49-F238E27FC236}">
+                <a16:creationId xmlns:a16="http://schemas.microsoft.com/office/drawing/2014/main" id="{0E745F4B-27AD-2C29-1667-550A893A996E}"/>
+              </a:ext>
+            </a:extLst>
+          </p:cNvPr>
+          <p:cNvSpPr txBox="1"/>
+          <p:nvPr/>
+        </p:nvSpPr>
+        <p:spPr>
+          <a:xfrm>
+            <a:off x="0" y="6581001"/>
+            <a:ext cx="5594901" cy="276999"/>
+          </a:xfrm>
+          <a:prstGeom prst="rect">
+            <a:avLst/>
+          </a:prstGeom>
+          <a:noFill/>
+        </p:spPr>
+        <p:txBody>
+          <a:bodyPr wrap="square" rtlCol="0">
+            <a:spAutoFit/>
+          </a:bodyPr>
+          <a:lstStyle/>
+          <a:p>
+            <a:r>
+              <a:rPr lang="da-DK" sz="1200" dirty="0">
+                <a:latin typeface="Neo Sans Pro" panose="020B0504030504040204" pitchFamily="34" charset="0"/>
+              </a:rPr>
+              <a:t>1. https://dreamrs.github.io/fresh/index.html</a:t>
+            </a:r>
+          </a:p>
+        </p:txBody>
+      </p:sp>
+      <p:sp>
+        <p:nvSpPr>
+          <p:cNvPr id="10" name="Tekstfelt 9">
+            <a:extLst>
+              <a:ext uri="{FF2B5EF4-FFF2-40B4-BE49-F238E27FC236}">
+                <a16:creationId xmlns:a16="http://schemas.microsoft.com/office/drawing/2014/main" id="{54F66655-F0C2-2817-4AA5-E9371D167574}"/>
+              </a:ext>
+            </a:extLst>
+          </p:cNvPr>
+          <p:cNvSpPr txBox="1"/>
+          <p:nvPr/>
+        </p:nvSpPr>
+        <p:spPr>
+          <a:xfrm>
+            <a:off x="4226010" y="1752473"/>
+            <a:ext cx="234778" cy="276999"/>
+          </a:xfrm>
+          <a:prstGeom prst="rect">
+            <a:avLst/>
+          </a:prstGeom>
+          <a:noFill/>
+        </p:spPr>
+        <p:txBody>
+          <a:bodyPr wrap="square" rtlCol="0">
+            <a:spAutoFit/>
+          </a:bodyPr>
+          <a:lstStyle/>
+          <a:p>
+            <a:r>
+              <a:rPr lang="da-DK" sz="1200" dirty="0">
+                <a:latin typeface="Neo Sans Pro" panose="020B0504030504040204" pitchFamily="34" charset="0"/>
+              </a:rPr>
+              <a:t>1</a:t>
+            </a:r>
+          </a:p>
+        </p:txBody>
+      </p:sp>
     </p:spTree>
     <p:extLst>
       <p:ext uri="{BB962C8B-B14F-4D97-AF65-F5344CB8AC3E}">
         <p14:creationId xmlns:p14="http://schemas.microsoft.com/office/powerpoint/2010/main" val="3977348466"/>
+      </p:ext>
+    </p:extLst>
+  </p:cSld>
+  <p:clrMapOvr>
+    <a:masterClrMapping/>
+  </p:clrMapOvr>
+</p:sld>
+</file>
+
+<file path=ppt/slides/slide11.xml><?xml version="1.0" encoding="utf-8"?>
+<p:sld xmlns:a="http://schemas.openxmlformats.org/drawingml/2006/main" xmlns:r="http://schemas.openxmlformats.org/officeDocument/2006/relationships" xmlns:p="http://schemas.openxmlformats.org/presentationml/2006/main">
+  <p:cSld>
+    <p:spTree>
+      <p:nvGrpSpPr>
+        <p:cNvPr id="1" name=""/>
+        <p:cNvGrpSpPr/>
+        <p:nvPr/>
+      </p:nvGrpSpPr>
+      <p:grpSpPr>
+        <a:xfrm>
+          <a:off x="0" y="0"/>
+          <a:ext cx="0" cy="0"/>
+          <a:chOff x="0" y="0"/>
+          <a:chExt cx="0" cy="0"/>
+        </a:xfrm>
+      </p:grpSpPr>
+      <p:sp>
+        <p:nvSpPr>
+          <p:cNvPr id="2" name="Titel 1">
+            <a:extLst>
+              <a:ext uri="{FF2B5EF4-FFF2-40B4-BE49-F238E27FC236}">
+                <a16:creationId xmlns:a16="http://schemas.microsoft.com/office/drawing/2014/main" id="{EFCC5CB8-BD1D-8126-2CC1-8EC13753BCA3}"/>
+              </a:ext>
+            </a:extLst>
+          </p:cNvPr>
+          <p:cNvSpPr>
+            <a:spLocks noGrp="1"/>
+          </p:cNvSpPr>
+          <p:nvPr>
+            <p:ph type="title"/>
+          </p:nvPr>
+        </p:nvSpPr>
+        <p:spPr/>
+        <p:txBody>
+          <a:bodyPr/>
+          <a:lstStyle/>
+          <a:p>
+            <a:r>
+              <a:rPr lang="da-DK" b="1" dirty="0">
+                <a:latin typeface="Neo Sans Pro" panose="020B0504030504040204" pitchFamily="34" charset="0"/>
+              </a:rPr>
+              <a:t>Data information</a:t>
+            </a:r>
+          </a:p>
+        </p:txBody>
+      </p:sp>
+      <p:sp>
+        <p:nvSpPr>
+          <p:cNvPr id="3" name="Pladsholder til indhold 2">
+            <a:extLst>
+              <a:ext uri="{FF2B5EF4-FFF2-40B4-BE49-F238E27FC236}">
+                <a16:creationId xmlns:a16="http://schemas.microsoft.com/office/drawing/2014/main" id="{BC879E3A-7448-ABD0-24E5-7359BC803FE8}"/>
+              </a:ext>
+            </a:extLst>
+          </p:cNvPr>
+          <p:cNvSpPr>
+            <a:spLocks noGrp="1"/>
+          </p:cNvSpPr>
+          <p:nvPr>
+            <p:ph idx="1"/>
+          </p:nvPr>
+        </p:nvSpPr>
+        <p:spPr/>
+        <p:txBody>
+          <a:bodyPr/>
+          <a:lstStyle/>
+          <a:p>
+            <a:pPr marL="0" indent="0">
+              <a:buNone/>
+            </a:pPr>
+            <a:r>
+              <a:rPr lang="da-DK" b="1" dirty="0" err="1">
+                <a:latin typeface="Neo Sans Pro" panose="020B0504030504040204" pitchFamily="34" charset="0"/>
+              </a:rPr>
+              <a:t>About</a:t>
+            </a:r>
+            <a:r>
+              <a:rPr lang="da-DK" b="1" dirty="0">
+                <a:latin typeface="Neo Sans Pro" panose="020B0504030504040204" pitchFamily="34" charset="0"/>
+              </a:rPr>
+              <a:t> CVD</a:t>
+            </a:r>
+          </a:p>
+          <a:p>
+            <a:pPr marL="0" indent="0">
+              <a:buNone/>
+            </a:pPr>
+            <a:endParaRPr lang="da-DK" dirty="0">
+              <a:latin typeface="Neo Sans Pro" panose="020B0504030504040204" pitchFamily="34" charset="0"/>
+            </a:endParaRPr>
+          </a:p>
+        </p:txBody>
+      </p:sp>
+      <p:pic>
+        <p:nvPicPr>
+          <p:cNvPr id="5" name="Billede 4">
+            <a:extLst>
+              <a:ext uri="{FF2B5EF4-FFF2-40B4-BE49-F238E27FC236}">
+                <a16:creationId xmlns:a16="http://schemas.microsoft.com/office/drawing/2014/main" id="{403E3BFF-E12E-6156-2862-3F06B5ECAB66}"/>
+              </a:ext>
+            </a:extLst>
+          </p:cNvPr>
+          <p:cNvPicPr>
+            <a:picLocks noChangeAspect="1"/>
+          </p:cNvPicPr>
+          <p:nvPr/>
+        </p:nvPicPr>
+        <p:blipFill>
+          <a:blip r:embed="rId3"/>
+          <a:stretch>
+            <a:fillRect/>
+          </a:stretch>
+        </p:blipFill>
+        <p:spPr>
+          <a:xfrm>
+            <a:off x="838200" y="2336704"/>
+            <a:ext cx="9720000" cy="4125349"/>
+          </a:xfrm>
+          <a:prstGeom prst="rect">
+            <a:avLst/>
+          </a:prstGeom>
+        </p:spPr>
+      </p:pic>
+    </p:spTree>
+    <p:extLst>
+      <p:ext uri="{BB962C8B-B14F-4D97-AF65-F5344CB8AC3E}">
+        <p14:creationId xmlns:p14="http://schemas.microsoft.com/office/powerpoint/2010/main" val="3726256060"/>
+      </p:ext>
+    </p:extLst>
+  </p:cSld>
+  <p:clrMapOvr>
+    <a:masterClrMapping/>
+  </p:clrMapOvr>
+</p:sld>
+</file>
+
+<file path=ppt/slides/slide12.xml><?xml version="1.0" encoding="utf-8"?>
+<p:sld xmlns:a="http://schemas.openxmlformats.org/drawingml/2006/main" xmlns:r="http://schemas.openxmlformats.org/officeDocument/2006/relationships" xmlns:p="http://schemas.openxmlformats.org/presentationml/2006/main">
+  <p:cSld>
+    <p:spTree>
+      <p:nvGrpSpPr>
+        <p:cNvPr id="1" name=""/>
+        <p:cNvGrpSpPr/>
+        <p:nvPr/>
+      </p:nvGrpSpPr>
+      <p:grpSpPr>
+        <a:xfrm>
+          <a:off x="0" y="0"/>
+          <a:ext cx="0" cy="0"/>
+          <a:chOff x="0" y="0"/>
+          <a:chExt cx="0" cy="0"/>
+        </a:xfrm>
+      </p:grpSpPr>
+      <p:sp>
+        <p:nvSpPr>
+          <p:cNvPr id="2" name="Titel 1">
+            <a:extLst>
+              <a:ext uri="{FF2B5EF4-FFF2-40B4-BE49-F238E27FC236}">
+                <a16:creationId xmlns:a16="http://schemas.microsoft.com/office/drawing/2014/main" id="{EFCC5CB8-BD1D-8126-2CC1-8EC13753BCA3}"/>
+              </a:ext>
+            </a:extLst>
+          </p:cNvPr>
+          <p:cNvSpPr>
+            <a:spLocks noGrp="1"/>
+          </p:cNvSpPr>
+          <p:nvPr>
+            <p:ph type="title"/>
+          </p:nvPr>
+        </p:nvSpPr>
+        <p:spPr/>
+        <p:txBody>
+          <a:bodyPr/>
+          <a:lstStyle/>
+          <a:p>
+            <a:r>
+              <a:rPr lang="da-DK" b="1" dirty="0">
+                <a:latin typeface="Neo Sans Pro" panose="020B0504030504040204" pitchFamily="34" charset="0"/>
+              </a:rPr>
+              <a:t>Data information</a:t>
+            </a:r>
+          </a:p>
+        </p:txBody>
+      </p:sp>
+      <p:sp>
+        <p:nvSpPr>
+          <p:cNvPr id="3" name="Pladsholder til indhold 2">
+            <a:extLst>
+              <a:ext uri="{FF2B5EF4-FFF2-40B4-BE49-F238E27FC236}">
+                <a16:creationId xmlns:a16="http://schemas.microsoft.com/office/drawing/2014/main" id="{BC879E3A-7448-ABD0-24E5-7359BC803FE8}"/>
+              </a:ext>
+            </a:extLst>
+          </p:cNvPr>
+          <p:cNvSpPr>
+            <a:spLocks noGrp="1"/>
+          </p:cNvSpPr>
+          <p:nvPr>
+            <p:ph idx="1"/>
+          </p:nvPr>
+        </p:nvSpPr>
+        <p:spPr/>
+        <p:txBody>
+          <a:bodyPr/>
+          <a:lstStyle/>
+          <a:p>
+            <a:pPr marL="0" indent="0">
+              <a:buNone/>
+            </a:pPr>
+            <a:r>
+              <a:rPr lang="da-DK" b="1" dirty="0">
+                <a:latin typeface="Neo Sans Pro" panose="020B0504030504040204" pitchFamily="34" charset="0"/>
+              </a:rPr>
+              <a:t>The data</a:t>
+            </a:r>
+          </a:p>
+        </p:txBody>
+      </p:sp>
+      <p:pic>
+        <p:nvPicPr>
+          <p:cNvPr id="5" name="Billede 4">
+            <a:extLst>
+              <a:ext uri="{FF2B5EF4-FFF2-40B4-BE49-F238E27FC236}">
+                <a16:creationId xmlns:a16="http://schemas.microsoft.com/office/drawing/2014/main" id="{35B35182-4CC5-1384-5167-669C8712610B}"/>
+              </a:ext>
+            </a:extLst>
+          </p:cNvPr>
+          <p:cNvPicPr>
+            <a:picLocks noChangeAspect="1"/>
+          </p:cNvPicPr>
+          <p:nvPr/>
+        </p:nvPicPr>
+        <p:blipFill>
+          <a:blip r:embed="rId2"/>
+          <a:stretch>
+            <a:fillRect/>
+          </a:stretch>
+        </p:blipFill>
+        <p:spPr>
+          <a:xfrm>
+            <a:off x="838200" y="2283037"/>
+            <a:ext cx="9720000" cy="4457056"/>
+          </a:xfrm>
+          <a:prstGeom prst="rect">
+            <a:avLst/>
+          </a:prstGeom>
+        </p:spPr>
+      </p:pic>
+    </p:spTree>
+    <p:extLst>
+      <p:ext uri="{BB962C8B-B14F-4D97-AF65-F5344CB8AC3E}">
+        <p14:creationId xmlns:p14="http://schemas.microsoft.com/office/powerpoint/2010/main" val="1626451046"/>
+      </p:ext>
+    </p:extLst>
+  </p:cSld>
+  <p:clrMapOvr>
+    <a:masterClrMapping/>
+  </p:clrMapOvr>
+</p:sld>
+</file>
+
+<file path=ppt/slides/slide13.xml><?xml version="1.0" encoding="utf-8"?>
+<p:sld xmlns:a="http://schemas.openxmlformats.org/drawingml/2006/main" xmlns:r="http://schemas.openxmlformats.org/officeDocument/2006/relationships" xmlns:p="http://schemas.openxmlformats.org/presentationml/2006/main">
+  <p:cSld>
+    <p:spTree>
+      <p:nvGrpSpPr>
+        <p:cNvPr id="1" name=""/>
+        <p:cNvGrpSpPr/>
+        <p:nvPr/>
+      </p:nvGrpSpPr>
+      <p:grpSpPr>
+        <a:xfrm>
+          <a:off x="0" y="0"/>
+          <a:ext cx="0" cy="0"/>
+          <a:chOff x="0" y="0"/>
+          <a:chExt cx="0" cy="0"/>
+        </a:xfrm>
+      </p:grpSpPr>
+      <p:sp>
+        <p:nvSpPr>
+          <p:cNvPr id="2" name="Titel 1">
+            <a:extLst>
+              <a:ext uri="{FF2B5EF4-FFF2-40B4-BE49-F238E27FC236}">
+                <a16:creationId xmlns:a16="http://schemas.microsoft.com/office/drawing/2014/main" id="{EFCC5CB8-BD1D-8126-2CC1-8EC13753BCA3}"/>
+              </a:ext>
+            </a:extLst>
+          </p:cNvPr>
+          <p:cNvSpPr>
+            <a:spLocks noGrp="1"/>
+          </p:cNvSpPr>
+          <p:nvPr>
+            <p:ph type="title"/>
+          </p:nvPr>
+        </p:nvSpPr>
+        <p:spPr/>
+        <p:txBody>
+          <a:bodyPr/>
+          <a:lstStyle/>
+          <a:p>
+            <a:r>
+              <a:rPr lang="da-DK" b="1" dirty="0">
+                <a:latin typeface="Neo Sans Pro" panose="020B0504030504040204" pitchFamily="34" charset="0"/>
+              </a:rPr>
+              <a:t>Data information</a:t>
+            </a:r>
+          </a:p>
+        </p:txBody>
+      </p:sp>
+      <p:sp>
+        <p:nvSpPr>
+          <p:cNvPr id="3" name="Pladsholder til indhold 2">
+            <a:extLst>
+              <a:ext uri="{FF2B5EF4-FFF2-40B4-BE49-F238E27FC236}">
+                <a16:creationId xmlns:a16="http://schemas.microsoft.com/office/drawing/2014/main" id="{BC879E3A-7448-ABD0-24E5-7359BC803FE8}"/>
+              </a:ext>
+            </a:extLst>
+          </p:cNvPr>
+          <p:cNvSpPr>
+            <a:spLocks noGrp="1"/>
+          </p:cNvSpPr>
+          <p:nvPr>
+            <p:ph idx="1"/>
+          </p:nvPr>
+        </p:nvSpPr>
+        <p:spPr/>
+        <p:txBody>
+          <a:bodyPr/>
+          <a:lstStyle/>
+          <a:p>
+            <a:pPr marL="0" indent="0">
+              <a:buNone/>
+            </a:pPr>
+            <a:r>
+              <a:rPr lang="da-DK" b="1" dirty="0" err="1">
+                <a:latin typeface="Neo Sans Pro" panose="020B0504030504040204" pitchFamily="34" charset="0"/>
+              </a:rPr>
+              <a:t>Pre-processing</a:t>
+            </a:r>
+            <a:endParaRPr lang="da-DK" b="1" dirty="0">
+              <a:latin typeface="Neo Sans Pro" panose="020B0504030504040204" pitchFamily="34" charset="0"/>
+            </a:endParaRPr>
+          </a:p>
+        </p:txBody>
+      </p:sp>
+      <p:pic>
+        <p:nvPicPr>
+          <p:cNvPr id="5" name="Billede 4">
+            <a:extLst>
+              <a:ext uri="{FF2B5EF4-FFF2-40B4-BE49-F238E27FC236}">
+                <a16:creationId xmlns:a16="http://schemas.microsoft.com/office/drawing/2014/main" id="{D2F820BA-F09C-5A5A-74DB-3262DF3DB6D0}"/>
+              </a:ext>
+            </a:extLst>
+          </p:cNvPr>
+          <p:cNvPicPr>
+            <a:picLocks noChangeAspect="1"/>
+          </p:cNvPicPr>
+          <p:nvPr/>
+        </p:nvPicPr>
+        <p:blipFill rotWithShape="1">
+          <a:blip r:embed="rId2"/>
+          <a:srcRect b="9231"/>
+          <a:stretch/>
+        </p:blipFill>
+        <p:spPr>
+          <a:xfrm>
+            <a:off x="838200" y="2314020"/>
+            <a:ext cx="9720000" cy="4351338"/>
+          </a:xfrm>
+          <a:prstGeom prst="rect">
+            <a:avLst/>
+          </a:prstGeom>
+        </p:spPr>
+      </p:pic>
+    </p:spTree>
+    <p:extLst>
+      <p:ext uri="{BB962C8B-B14F-4D97-AF65-F5344CB8AC3E}">
+        <p14:creationId xmlns:p14="http://schemas.microsoft.com/office/powerpoint/2010/main" val="1854173573"/>
+      </p:ext>
+    </p:extLst>
+  </p:cSld>
+  <p:clrMapOvr>
+    <a:masterClrMapping/>
+  </p:clrMapOvr>
+</p:sld>
+</file>
+
+<file path=ppt/slides/slide14.xml><?xml version="1.0" encoding="utf-8"?>
+<p:sld xmlns:a="http://schemas.openxmlformats.org/drawingml/2006/main" xmlns:r="http://schemas.openxmlformats.org/officeDocument/2006/relationships" xmlns:p="http://schemas.openxmlformats.org/presentationml/2006/main">
+  <p:cSld>
+    <p:spTree>
+      <p:nvGrpSpPr>
+        <p:cNvPr id="1" name=""/>
+        <p:cNvGrpSpPr/>
+        <p:nvPr/>
+      </p:nvGrpSpPr>
+      <p:grpSpPr>
+        <a:xfrm>
+          <a:off x="0" y="0"/>
+          <a:ext cx="0" cy="0"/>
+          <a:chOff x="0" y="0"/>
+          <a:chExt cx="0" cy="0"/>
+        </a:xfrm>
+      </p:grpSpPr>
+      <p:sp>
+        <p:nvSpPr>
+          <p:cNvPr id="2" name="Titel 1">
+            <a:extLst>
+              <a:ext uri="{FF2B5EF4-FFF2-40B4-BE49-F238E27FC236}">
+                <a16:creationId xmlns:a16="http://schemas.microsoft.com/office/drawing/2014/main" id="{EFCC5CB8-BD1D-8126-2CC1-8EC13753BCA3}"/>
+              </a:ext>
+            </a:extLst>
+          </p:cNvPr>
+          <p:cNvSpPr>
+            <a:spLocks noGrp="1"/>
+          </p:cNvSpPr>
+          <p:nvPr>
+            <p:ph type="title"/>
+          </p:nvPr>
+        </p:nvSpPr>
+        <p:spPr/>
+        <p:txBody>
+          <a:bodyPr/>
+          <a:lstStyle/>
+          <a:p>
+            <a:r>
+              <a:rPr lang="da-DK" b="1" dirty="0">
+                <a:latin typeface="Neo Sans Pro" panose="020B0504030504040204" pitchFamily="34" charset="0"/>
+              </a:rPr>
+              <a:t>Data tab</a:t>
+            </a:r>
+          </a:p>
+        </p:txBody>
+      </p:sp>
+      <p:pic>
+        <p:nvPicPr>
+          <p:cNvPr id="5" name="Pladsholder til indhold 4">
+            <a:extLst>
+              <a:ext uri="{FF2B5EF4-FFF2-40B4-BE49-F238E27FC236}">
+                <a16:creationId xmlns:a16="http://schemas.microsoft.com/office/drawing/2014/main" id="{A48F3021-E026-8C60-823B-97591917F564}"/>
+              </a:ext>
+            </a:extLst>
+          </p:cNvPr>
+          <p:cNvPicPr>
+            <a:picLocks noGrp="1" noChangeAspect="1"/>
+          </p:cNvPicPr>
+          <p:nvPr>
+            <p:ph idx="1"/>
+          </p:nvPr>
+        </p:nvPicPr>
+        <p:blipFill>
+          <a:blip r:embed="rId2"/>
+          <a:stretch>
+            <a:fillRect/>
+          </a:stretch>
+        </p:blipFill>
+        <p:spPr>
+          <a:xfrm>
+            <a:off x="838200" y="1690688"/>
+            <a:ext cx="10515600" cy="4119513"/>
+          </a:xfrm>
+        </p:spPr>
+      </p:pic>
+    </p:spTree>
+    <p:extLst>
+      <p:ext uri="{BB962C8B-B14F-4D97-AF65-F5344CB8AC3E}">
+        <p14:creationId xmlns:p14="http://schemas.microsoft.com/office/powerpoint/2010/main" val="2705648212"/>
+      </p:ext>
+    </p:extLst>
+  </p:cSld>
+  <p:clrMapOvr>
+    <a:masterClrMapping/>
+  </p:clrMapOvr>
+</p:sld>
+</file>
+
+<file path=ppt/slides/slide15.xml><?xml version="1.0" encoding="utf-8"?>
+<p:sld xmlns:a="http://schemas.openxmlformats.org/drawingml/2006/main" xmlns:r="http://schemas.openxmlformats.org/officeDocument/2006/relationships" xmlns:p="http://schemas.openxmlformats.org/presentationml/2006/main">
+  <p:cSld>
+    <p:spTree>
+      <p:nvGrpSpPr>
+        <p:cNvPr id="1" name=""/>
+        <p:cNvGrpSpPr/>
+        <p:nvPr/>
+      </p:nvGrpSpPr>
+      <p:grpSpPr>
+        <a:xfrm>
+          <a:off x="0" y="0"/>
+          <a:ext cx="0" cy="0"/>
+          <a:chOff x="0" y="0"/>
+          <a:chExt cx="0" cy="0"/>
+        </a:xfrm>
+      </p:grpSpPr>
+      <p:sp>
+        <p:nvSpPr>
+          <p:cNvPr id="2" name="Titel 1">
+            <a:extLst>
+              <a:ext uri="{FF2B5EF4-FFF2-40B4-BE49-F238E27FC236}">
+                <a16:creationId xmlns:a16="http://schemas.microsoft.com/office/drawing/2014/main" id="{EFCC5CB8-BD1D-8126-2CC1-8EC13753BCA3}"/>
+              </a:ext>
+            </a:extLst>
+          </p:cNvPr>
+          <p:cNvSpPr>
+            <a:spLocks noGrp="1"/>
+          </p:cNvSpPr>
+          <p:nvPr>
+            <p:ph type="title"/>
+          </p:nvPr>
+        </p:nvSpPr>
+        <p:spPr/>
+        <p:txBody>
+          <a:bodyPr/>
+          <a:lstStyle/>
+          <a:p>
+            <a:r>
+              <a:rPr lang="da-DK" b="1" dirty="0" err="1">
+                <a:latin typeface="Neo Sans Pro" panose="020B0504030504040204" pitchFamily="34" charset="0"/>
+              </a:rPr>
+              <a:t>Visualization</a:t>
+            </a:r>
+            <a:r>
+              <a:rPr lang="da-DK" b="1" dirty="0">
+                <a:latin typeface="Neo Sans Pro" panose="020B0504030504040204" pitchFamily="34" charset="0"/>
+              </a:rPr>
+              <a:t> tab</a:t>
+            </a:r>
+          </a:p>
+        </p:txBody>
+      </p:sp>
+      <p:pic>
+        <p:nvPicPr>
+          <p:cNvPr id="7" name="Pladsholder til indhold 6">
+            <a:extLst>
+              <a:ext uri="{FF2B5EF4-FFF2-40B4-BE49-F238E27FC236}">
+                <a16:creationId xmlns:a16="http://schemas.microsoft.com/office/drawing/2014/main" id="{3EF044A2-6FCE-F5FF-6BCF-ADD631958F20}"/>
+              </a:ext>
+            </a:extLst>
+          </p:cNvPr>
+          <p:cNvPicPr>
+            <a:picLocks noGrp="1" noChangeAspect="1"/>
+          </p:cNvPicPr>
+          <p:nvPr>
+            <p:ph idx="1"/>
+          </p:nvPr>
+        </p:nvPicPr>
+        <p:blipFill>
+          <a:blip r:embed="rId2"/>
+          <a:stretch>
+            <a:fillRect/>
+          </a:stretch>
+        </p:blipFill>
+        <p:spPr>
+          <a:xfrm>
+            <a:off x="838200" y="1466028"/>
+            <a:ext cx="9548973" cy="5312753"/>
+          </a:xfrm>
+        </p:spPr>
+      </p:pic>
+    </p:spTree>
+    <p:extLst>
+      <p:ext uri="{BB962C8B-B14F-4D97-AF65-F5344CB8AC3E}">
+        <p14:creationId xmlns:p14="http://schemas.microsoft.com/office/powerpoint/2010/main" val="3246857936"/>
+      </p:ext>
+    </p:extLst>
+  </p:cSld>
+  <p:clrMapOvr>
+    <a:masterClrMapping/>
+  </p:clrMapOvr>
+</p:sld>
+</file>
+
+<file path=ppt/slides/slide16.xml><?xml version="1.0" encoding="utf-8"?>
+<p:sld xmlns:a="http://schemas.openxmlformats.org/drawingml/2006/main" xmlns:r="http://schemas.openxmlformats.org/officeDocument/2006/relationships" xmlns:p="http://schemas.openxmlformats.org/presentationml/2006/main">
+  <p:cSld>
+    <p:spTree>
+      <p:nvGrpSpPr>
+        <p:cNvPr id="1" name=""/>
+        <p:cNvGrpSpPr/>
+        <p:nvPr/>
+      </p:nvGrpSpPr>
+      <p:grpSpPr>
+        <a:xfrm>
+          <a:off x="0" y="0"/>
+          <a:ext cx="0" cy="0"/>
+          <a:chOff x="0" y="0"/>
+          <a:chExt cx="0" cy="0"/>
+        </a:xfrm>
+      </p:grpSpPr>
+      <p:sp>
+        <p:nvSpPr>
+          <p:cNvPr id="2" name="Titel 1">
+            <a:extLst>
+              <a:ext uri="{FF2B5EF4-FFF2-40B4-BE49-F238E27FC236}">
+                <a16:creationId xmlns:a16="http://schemas.microsoft.com/office/drawing/2014/main" id="{EFCC5CB8-BD1D-8126-2CC1-8EC13753BCA3}"/>
+              </a:ext>
+            </a:extLst>
+          </p:cNvPr>
+          <p:cNvSpPr>
+            <a:spLocks noGrp="1"/>
+          </p:cNvSpPr>
+          <p:nvPr>
+            <p:ph type="title"/>
+          </p:nvPr>
+        </p:nvSpPr>
+        <p:spPr/>
+        <p:txBody>
+          <a:bodyPr/>
+          <a:lstStyle/>
+          <a:p>
+            <a:r>
+              <a:rPr lang="da-DK" b="1" dirty="0" err="1">
+                <a:latin typeface="Neo Sans Pro" panose="020B0504030504040204" pitchFamily="34" charset="0"/>
+              </a:rPr>
+              <a:t>Visualization</a:t>
+            </a:r>
+            <a:r>
+              <a:rPr lang="da-DK" b="1" dirty="0">
+                <a:latin typeface="Neo Sans Pro" panose="020B0504030504040204" pitchFamily="34" charset="0"/>
+              </a:rPr>
+              <a:t> tab</a:t>
+            </a:r>
+          </a:p>
+        </p:txBody>
+      </p:sp>
+      <p:pic>
+        <p:nvPicPr>
+          <p:cNvPr id="5" name="Pladsholder til indhold 4">
+            <a:extLst>
+              <a:ext uri="{FF2B5EF4-FFF2-40B4-BE49-F238E27FC236}">
+                <a16:creationId xmlns:a16="http://schemas.microsoft.com/office/drawing/2014/main" id="{0487956F-D816-3BD1-0B66-06CF7750FF2A}"/>
+              </a:ext>
+            </a:extLst>
+          </p:cNvPr>
+          <p:cNvPicPr>
+            <a:picLocks noGrp="1" noChangeAspect="1"/>
+          </p:cNvPicPr>
+          <p:nvPr>
+            <p:ph idx="1"/>
+          </p:nvPr>
+        </p:nvPicPr>
+        <p:blipFill>
+          <a:blip r:embed="rId2"/>
+          <a:stretch>
+            <a:fillRect/>
+          </a:stretch>
+        </p:blipFill>
+        <p:spPr>
+          <a:xfrm>
+            <a:off x="838199" y="1577672"/>
+            <a:ext cx="8233881" cy="5058926"/>
+          </a:xfrm>
+        </p:spPr>
+      </p:pic>
+    </p:spTree>
+    <p:extLst>
+      <p:ext uri="{BB962C8B-B14F-4D97-AF65-F5344CB8AC3E}">
+        <p14:creationId xmlns:p14="http://schemas.microsoft.com/office/powerpoint/2010/main" val="4178825401"/>
+      </p:ext>
+    </p:extLst>
+  </p:cSld>
+  <p:clrMapOvr>
+    <a:masterClrMapping/>
+  </p:clrMapOvr>
+</p:sld>
+</file>
+
+<file path=ppt/slides/slide17.xml><?xml version="1.0" encoding="utf-8"?>
+<p:sld xmlns:a="http://schemas.openxmlformats.org/drawingml/2006/main" xmlns:r="http://schemas.openxmlformats.org/officeDocument/2006/relationships" xmlns:p="http://schemas.openxmlformats.org/presentationml/2006/main">
+  <p:cSld>
+    <p:spTree>
+      <p:nvGrpSpPr>
+        <p:cNvPr id="1" name=""/>
+        <p:cNvGrpSpPr/>
+        <p:nvPr/>
+      </p:nvGrpSpPr>
+      <p:grpSpPr>
+        <a:xfrm>
+          <a:off x="0" y="0"/>
+          <a:ext cx="0" cy="0"/>
+          <a:chOff x="0" y="0"/>
+          <a:chExt cx="0" cy="0"/>
+        </a:xfrm>
+      </p:grpSpPr>
+      <p:sp>
+        <p:nvSpPr>
+          <p:cNvPr id="2" name="Titel 1">
+            <a:extLst>
+              <a:ext uri="{FF2B5EF4-FFF2-40B4-BE49-F238E27FC236}">
+                <a16:creationId xmlns:a16="http://schemas.microsoft.com/office/drawing/2014/main" id="{EFCC5CB8-BD1D-8126-2CC1-8EC13753BCA3}"/>
+              </a:ext>
+            </a:extLst>
+          </p:cNvPr>
+          <p:cNvSpPr>
+            <a:spLocks noGrp="1"/>
+          </p:cNvSpPr>
+          <p:nvPr>
+            <p:ph type="title"/>
+          </p:nvPr>
+        </p:nvSpPr>
+        <p:spPr/>
+        <p:txBody>
+          <a:bodyPr/>
+          <a:lstStyle/>
+          <a:p>
+            <a:r>
+              <a:rPr lang="da-DK" b="1" dirty="0" err="1">
+                <a:latin typeface="Neo Sans Pro" panose="020B0504030504040204" pitchFamily="34" charset="0"/>
+              </a:rPr>
+              <a:t>Visualization</a:t>
+            </a:r>
+            <a:r>
+              <a:rPr lang="da-DK" b="1" dirty="0">
+                <a:latin typeface="Neo Sans Pro" panose="020B0504030504040204" pitchFamily="34" charset="0"/>
+              </a:rPr>
+              <a:t> tab</a:t>
+            </a:r>
+          </a:p>
+        </p:txBody>
+      </p:sp>
+      <p:pic>
+        <p:nvPicPr>
+          <p:cNvPr id="9" name="Pladsholder til indhold 8">
+            <a:extLst>
+              <a:ext uri="{FF2B5EF4-FFF2-40B4-BE49-F238E27FC236}">
+                <a16:creationId xmlns:a16="http://schemas.microsoft.com/office/drawing/2014/main" id="{775B5F8C-FC45-948A-DF8F-E535F574E750}"/>
+              </a:ext>
+            </a:extLst>
+          </p:cNvPr>
+          <p:cNvPicPr>
+            <a:picLocks noGrp="1" noChangeAspect="1"/>
+          </p:cNvPicPr>
+          <p:nvPr>
+            <p:ph idx="1"/>
+          </p:nvPr>
+        </p:nvPicPr>
+        <p:blipFill>
+          <a:blip r:embed="rId2"/>
+          <a:stretch>
+            <a:fillRect/>
+          </a:stretch>
+        </p:blipFill>
+        <p:spPr>
+          <a:xfrm>
+            <a:off x="838199" y="1690687"/>
+            <a:ext cx="9179103" cy="4935933"/>
+          </a:xfrm>
+        </p:spPr>
+      </p:pic>
+    </p:spTree>
+    <p:extLst>
+      <p:ext uri="{BB962C8B-B14F-4D97-AF65-F5344CB8AC3E}">
+        <p14:creationId xmlns:p14="http://schemas.microsoft.com/office/powerpoint/2010/main" val="1591467988"/>
+      </p:ext>
+    </p:extLst>
+  </p:cSld>
+  <p:clrMapOvr>
+    <a:masterClrMapping/>
+  </p:clrMapOvr>
+</p:sld>
+</file>
+
+<file path=ppt/slides/slide18.xml><?xml version="1.0" encoding="utf-8"?>
+<p:sld xmlns:a="http://schemas.openxmlformats.org/drawingml/2006/main" xmlns:r="http://schemas.openxmlformats.org/officeDocument/2006/relationships" xmlns:p="http://schemas.openxmlformats.org/presentationml/2006/main">
+  <p:cSld>
+    <p:spTree>
+      <p:nvGrpSpPr>
+        <p:cNvPr id="1" name=""/>
+        <p:cNvGrpSpPr/>
+        <p:nvPr/>
+      </p:nvGrpSpPr>
+      <p:grpSpPr>
+        <a:xfrm>
+          <a:off x="0" y="0"/>
+          <a:ext cx="0" cy="0"/>
+          <a:chOff x="0" y="0"/>
+          <a:chExt cx="0" cy="0"/>
+        </a:xfrm>
+      </p:grpSpPr>
+      <p:sp>
+        <p:nvSpPr>
+          <p:cNvPr id="2" name="Titel 1">
+            <a:extLst>
+              <a:ext uri="{FF2B5EF4-FFF2-40B4-BE49-F238E27FC236}">
+                <a16:creationId xmlns:a16="http://schemas.microsoft.com/office/drawing/2014/main" id="{EFCC5CB8-BD1D-8126-2CC1-8EC13753BCA3}"/>
+              </a:ext>
+            </a:extLst>
+          </p:cNvPr>
+          <p:cNvSpPr>
+            <a:spLocks noGrp="1"/>
+          </p:cNvSpPr>
+          <p:nvPr>
+            <p:ph type="title"/>
+          </p:nvPr>
+        </p:nvSpPr>
+        <p:spPr/>
+        <p:txBody>
+          <a:bodyPr/>
+          <a:lstStyle/>
+          <a:p>
+            <a:r>
+              <a:rPr lang="da-DK" b="1" dirty="0">
+                <a:latin typeface="Neo Sans Pro" panose="020B0504030504040204" pitchFamily="34" charset="0"/>
+              </a:rPr>
+              <a:t>Models – </a:t>
+            </a:r>
+            <a:r>
+              <a:rPr lang="da-DK" b="1" dirty="0" err="1">
+                <a:latin typeface="Neo Sans Pro" panose="020B0504030504040204" pitchFamily="34" charset="0"/>
+              </a:rPr>
+              <a:t>logistic</a:t>
+            </a:r>
+            <a:r>
+              <a:rPr lang="da-DK" b="1" dirty="0">
+                <a:latin typeface="Neo Sans Pro" panose="020B0504030504040204" pitchFamily="34" charset="0"/>
+              </a:rPr>
+              <a:t> regression</a:t>
+            </a:r>
+          </a:p>
+        </p:txBody>
+      </p:sp>
+      <p:pic>
+        <p:nvPicPr>
+          <p:cNvPr id="5" name="Pladsholder til indhold 4">
+            <a:extLst>
+              <a:ext uri="{FF2B5EF4-FFF2-40B4-BE49-F238E27FC236}">
+                <a16:creationId xmlns:a16="http://schemas.microsoft.com/office/drawing/2014/main" id="{8A2967BC-92A5-4BCF-CD8D-22B6FD72186D}"/>
+              </a:ext>
+            </a:extLst>
+          </p:cNvPr>
+          <p:cNvPicPr>
+            <a:picLocks noGrp="1" noChangeAspect="1"/>
+          </p:cNvPicPr>
+          <p:nvPr>
+            <p:ph idx="1"/>
+          </p:nvPr>
+        </p:nvPicPr>
+        <p:blipFill>
+          <a:blip r:embed="rId2"/>
+          <a:stretch>
+            <a:fillRect/>
+          </a:stretch>
+        </p:blipFill>
+        <p:spPr>
+          <a:xfrm>
+            <a:off x="838200" y="1690687"/>
+            <a:ext cx="8120865" cy="4861745"/>
+          </a:xfrm>
+        </p:spPr>
+      </p:pic>
+    </p:spTree>
+    <p:extLst>
+      <p:ext uri="{BB962C8B-B14F-4D97-AF65-F5344CB8AC3E}">
+        <p14:creationId xmlns:p14="http://schemas.microsoft.com/office/powerpoint/2010/main" val="466928861"/>
+      </p:ext>
+    </p:extLst>
+  </p:cSld>
+  <p:clrMapOvr>
+    <a:masterClrMapping/>
+  </p:clrMapOvr>
+</p:sld>
+</file>
+
+<file path=ppt/slides/slide19.xml><?xml version="1.0" encoding="utf-8"?>
+<p:sld xmlns:a="http://schemas.openxmlformats.org/drawingml/2006/main" xmlns:r="http://schemas.openxmlformats.org/officeDocument/2006/relationships" xmlns:p="http://schemas.openxmlformats.org/presentationml/2006/main">
+  <p:cSld>
+    <p:spTree>
+      <p:nvGrpSpPr>
+        <p:cNvPr id="1" name=""/>
+        <p:cNvGrpSpPr/>
+        <p:nvPr/>
+      </p:nvGrpSpPr>
+      <p:grpSpPr>
+        <a:xfrm>
+          <a:off x="0" y="0"/>
+          <a:ext cx="0" cy="0"/>
+          <a:chOff x="0" y="0"/>
+          <a:chExt cx="0" cy="0"/>
+        </a:xfrm>
+      </p:grpSpPr>
+      <p:sp>
+        <p:nvSpPr>
+          <p:cNvPr id="2" name="Titel 1">
+            <a:extLst>
+              <a:ext uri="{FF2B5EF4-FFF2-40B4-BE49-F238E27FC236}">
+                <a16:creationId xmlns:a16="http://schemas.microsoft.com/office/drawing/2014/main" id="{EFCC5CB8-BD1D-8126-2CC1-8EC13753BCA3}"/>
+              </a:ext>
+            </a:extLst>
+          </p:cNvPr>
+          <p:cNvSpPr>
+            <a:spLocks noGrp="1"/>
+          </p:cNvSpPr>
+          <p:nvPr>
+            <p:ph type="title"/>
+          </p:nvPr>
+        </p:nvSpPr>
+        <p:spPr/>
+        <p:txBody>
+          <a:bodyPr/>
+          <a:lstStyle/>
+          <a:p>
+            <a:r>
+              <a:rPr lang="da-DK" b="1" dirty="0">
+                <a:latin typeface="Neo Sans Pro" panose="020B0504030504040204" pitchFamily="34" charset="0"/>
+              </a:rPr>
+              <a:t>Models – K-Nearest </a:t>
+            </a:r>
+            <a:r>
+              <a:rPr lang="da-DK" b="1" dirty="0" err="1">
+                <a:latin typeface="Neo Sans Pro" panose="020B0504030504040204" pitchFamily="34" charset="0"/>
+              </a:rPr>
+              <a:t>Neighbors</a:t>
+            </a:r>
+            <a:endParaRPr lang="da-DK" b="1" dirty="0">
+              <a:latin typeface="Neo Sans Pro" panose="020B0504030504040204" pitchFamily="34" charset="0"/>
+            </a:endParaRPr>
+          </a:p>
+        </p:txBody>
+      </p:sp>
+      <p:pic>
+        <p:nvPicPr>
+          <p:cNvPr id="5" name="Pladsholder til indhold 4">
+            <a:extLst>
+              <a:ext uri="{FF2B5EF4-FFF2-40B4-BE49-F238E27FC236}">
+                <a16:creationId xmlns:a16="http://schemas.microsoft.com/office/drawing/2014/main" id="{468C5C5F-3498-E3B0-4817-9ABB67F6230D}"/>
+              </a:ext>
+            </a:extLst>
+          </p:cNvPr>
+          <p:cNvPicPr>
+            <a:picLocks noGrp="1" noChangeAspect="1"/>
+          </p:cNvPicPr>
+          <p:nvPr>
+            <p:ph idx="1"/>
+          </p:nvPr>
+        </p:nvPicPr>
+        <p:blipFill>
+          <a:blip r:embed="rId2"/>
+          <a:stretch>
+            <a:fillRect/>
+          </a:stretch>
+        </p:blipFill>
+        <p:spPr>
+          <a:xfrm>
+            <a:off x="838200" y="1690688"/>
+            <a:ext cx="10849054" cy="4186130"/>
+          </a:xfrm>
+        </p:spPr>
+      </p:pic>
+    </p:spTree>
+    <p:extLst>
+      <p:ext uri="{BB962C8B-B14F-4D97-AF65-F5344CB8AC3E}">
+        <p14:creationId xmlns:p14="http://schemas.microsoft.com/office/powerpoint/2010/main" val="2896058935"/>
+      </p:ext>
+    </p:extLst>
+  </p:cSld>
+  <p:clrMapOvr>
+    <a:masterClrMapping/>
+  </p:clrMapOvr>
+</p:sld>
+</file>
+
+<file path=ppt/slides/slide2.xml><?xml version="1.0" encoding="utf-8"?>
+<p:sld xmlns:a="http://schemas.openxmlformats.org/drawingml/2006/main" xmlns:r="http://schemas.openxmlformats.org/officeDocument/2006/relationships" xmlns:p="http://schemas.openxmlformats.org/presentationml/2006/main">
+  <p:cSld>
+    <p:spTree>
+      <p:nvGrpSpPr>
+        <p:cNvPr id="1" name=""/>
+        <p:cNvGrpSpPr/>
+        <p:nvPr/>
+      </p:nvGrpSpPr>
+      <p:grpSpPr>
+        <a:xfrm>
+          <a:off x="0" y="0"/>
+          <a:ext cx="0" cy="0"/>
+          <a:chOff x="0" y="0"/>
+          <a:chExt cx="0" cy="0"/>
+        </a:xfrm>
+      </p:grpSpPr>
+      <p:sp>
+        <p:nvSpPr>
+          <p:cNvPr id="2" name="Titel 1">
+            <a:extLst>
+              <a:ext uri="{FF2B5EF4-FFF2-40B4-BE49-F238E27FC236}">
+                <a16:creationId xmlns:a16="http://schemas.microsoft.com/office/drawing/2014/main" id="{964B8040-9FEF-C3D1-5E9B-046E122DEFB7}"/>
+              </a:ext>
+            </a:extLst>
+          </p:cNvPr>
+          <p:cNvSpPr>
+            <a:spLocks noGrp="1"/>
+          </p:cNvSpPr>
+          <p:nvPr>
+            <p:ph type="title"/>
+          </p:nvPr>
+        </p:nvSpPr>
+        <p:spPr/>
+        <p:txBody>
+          <a:bodyPr/>
+          <a:lstStyle/>
+          <a:p>
+            <a:r>
+              <a:rPr lang="da-DK" b="1" dirty="0" err="1">
+                <a:latin typeface="Neo Sans Pro" panose="020B0504030504040204" pitchFamily="34" charset="0"/>
+              </a:rPr>
+              <a:t>Raw</a:t>
+            </a:r>
+            <a:r>
+              <a:rPr lang="da-DK" b="1" dirty="0">
+                <a:latin typeface="Neo Sans Pro" panose="020B0504030504040204" pitchFamily="34" charset="0"/>
+              </a:rPr>
+              <a:t> data</a:t>
+            </a:r>
+          </a:p>
+        </p:txBody>
+      </p:sp>
+      <p:sp>
+        <p:nvSpPr>
+          <p:cNvPr id="3" name="Pladsholder til indhold 2">
+            <a:extLst>
+              <a:ext uri="{FF2B5EF4-FFF2-40B4-BE49-F238E27FC236}">
+                <a16:creationId xmlns:a16="http://schemas.microsoft.com/office/drawing/2014/main" id="{0D9FD767-5758-CA98-6B58-91AB69A67F14}"/>
+              </a:ext>
+            </a:extLst>
+          </p:cNvPr>
+          <p:cNvSpPr>
+            <a:spLocks noGrp="1"/>
+          </p:cNvSpPr>
+          <p:nvPr>
+            <p:ph idx="1"/>
+          </p:nvPr>
+        </p:nvSpPr>
+        <p:spPr/>
+        <p:txBody>
+          <a:bodyPr/>
+          <a:lstStyle/>
+          <a:p>
+            <a:pPr marL="0" indent="0">
+              <a:buNone/>
+            </a:pPr>
+            <a:r>
+              <a:rPr lang="da-DK" dirty="0" err="1">
+                <a:latin typeface="Neo Sans Pro" panose="020B0504030504040204" pitchFamily="34" charset="0"/>
+              </a:rPr>
+              <a:t>Collected</a:t>
+            </a:r>
+            <a:r>
+              <a:rPr lang="da-DK" dirty="0">
+                <a:latin typeface="Neo Sans Pro" panose="020B0504030504040204" pitchFamily="34" charset="0"/>
+              </a:rPr>
+              <a:t> from 3 databases (UCI) and </a:t>
+            </a:r>
+            <a:r>
+              <a:rPr lang="da-DK" dirty="0" err="1">
+                <a:latin typeface="Neo Sans Pro" panose="020B0504030504040204" pitchFamily="34" charset="0"/>
+              </a:rPr>
+              <a:t>Kaggle</a:t>
+            </a:r>
+            <a:r>
+              <a:rPr lang="da-DK" dirty="0">
+                <a:latin typeface="Neo Sans Pro" panose="020B0504030504040204" pitchFamily="34" charset="0"/>
+              </a:rPr>
+              <a:t>:</a:t>
+            </a:r>
+          </a:p>
+          <a:p>
+            <a:r>
+              <a:rPr lang="da-DK" b="1" dirty="0" err="1">
+                <a:latin typeface="Neo Sans Pro" panose="020B0504030504040204" pitchFamily="34" charset="0"/>
+              </a:rPr>
+              <a:t>Hungarian</a:t>
+            </a:r>
+            <a:r>
+              <a:rPr lang="da-DK" dirty="0">
+                <a:latin typeface="Neo Sans Pro" panose="020B0504030504040204" pitchFamily="34" charset="0"/>
+              </a:rPr>
+              <a:t> Institute of </a:t>
+            </a:r>
+            <a:r>
+              <a:rPr lang="da-DK" dirty="0" err="1">
+                <a:latin typeface="Neo Sans Pro" panose="020B0504030504040204" pitchFamily="34" charset="0"/>
+              </a:rPr>
+              <a:t>Cardiology</a:t>
+            </a:r>
+            <a:r>
+              <a:rPr lang="da-DK" dirty="0">
+                <a:latin typeface="Neo Sans Pro" panose="020B0504030504040204" pitchFamily="34" charset="0"/>
+              </a:rPr>
+              <a:t>, Budapest </a:t>
+            </a:r>
+          </a:p>
+          <a:p>
+            <a:r>
+              <a:rPr lang="da-DK" dirty="0">
+                <a:latin typeface="Neo Sans Pro" panose="020B0504030504040204" pitchFamily="34" charset="0"/>
+              </a:rPr>
+              <a:t>V.A. Medical Center, </a:t>
+            </a:r>
+            <a:r>
+              <a:rPr lang="da-DK" b="1" dirty="0">
+                <a:latin typeface="Neo Sans Pro" panose="020B0504030504040204" pitchFamily="34" charset="0"/>
+              </a:rPr>
+              <a:t>Long Beach</a:t>
+            </a:r>
+            <a:r>
+              <a:rPr lang="da-DK" dirty="0">
+                <a:latin typeface="Neo Sans Pro" panose="020B0504030504040204" pitchFamily="34" charset="0"/>
+              </a:rPr>
+              <a:t>, CA </a:t>
+            </a:r>
+          </a:p>
+          <a:p>
+            <a:r>
+              <a:rPr lang="da-DK" dirty="0">
+                <a:latin typeface="Neo Sans Pro" panose="020B0504030504040204" pitchFamily="34" charset="0"/>
+              </a:rPr>
+              <a:t>University Hospital, </a:t>
+            </a:r>
+            <a:r>
+              <a:rPr lang="da-DK" dirty="0" err="1">
+                <a:latin typeface="Neo Sans Pro" panose="020B0504030504040204" pitchFamily="34" charset="0"/>
+              </a:rPr>
+              <a:t>Zurich</a:t>
+            </a:r>
+            <a:r>
+              <a:rPr lang="da-DK" dirty="0">
+                <a:latin typeface="Neo Sans Pro" panose="020B0504030504040204" pitchFamily="34" charset="0"/>
+              </a:rPr>
+              <a:t>, </a:t>
+            </a:r>
+            <a:r>
+              <a:rPr lang="da-DK" b="1" dirty="0" err="1">
+                <a:latin typeface="Neo Sans Pro" panose="020B0504030504040204" pitchFamily="34" charset="0"/>
+              </a:rPr>
+              <a:t>Switzerland</a:t>
+            </a:r>
+            <a:r>
+              <a:rPr lang="da-DK" dirty="0">
+                <a:latin typeface="Neo Sans Pro" panose="020B0504030504040204" pitchFamily="34" charset="0"/>
+              </a:rPr>
+              <a:t> </a:t>
+            </a:r>
+          </a:p>
+          <a:p>
+            <a:r>
+              <a:rPr lang="da-DK" b="1" dirty="0" err="1">
+                <a:latin typeface="Neo Sans Pro" panose="020B0504030504040204" pitchFamily="34" charset="0"/>
+              </a:rPr>
+              <a:t>Cardiovascular</a:t>
+            </a:r>
+            <a:r>
+              <a:rPr lang="da-DK" b="1" dirty="0">
+                <a:latin typeface="Neo Sans Pro" panose="020B0504030504040204" pitchFamily="34" charset="0"/>
+              </a:rPr>
+              <a:t> </a:t>
+            </a:r>
+            <a:r>
+              <a:rPr lang="da-DK" b="1" dirty="0" err="1">
+                <a:latin typeface="Neo Sans Pro" panose="020B0504030504040204" pitchFamily="34" charset="0"/>
+              </a:rPr>
+              <a:t>Disease</a:t>
+            </a:r>
+            <a:r>
+              <a:rPr lang="da-DK" b="1" dirty="0">
+                <a:latin typeface="Neo Sans Pro" panose="020B0504030504040204" pitchFamily="34" charset="0"/>
+              </a:rPr>
+              <a:t> dataset </a:t>
+            </a:r>
+            <a:endParaRPr lang="da-DK" dirty="0">
+              <a:latin typeface="Neo Sans Pro" panose="020B0504030504040204" pitchFamily="34" charset="0"/>
+            </a:endParaRPr>
+          </a:p>
+        </p:txBody>
+      </p:sp>
+    </p:spTree>
+    <p:extLst>
+      <p:ext uri="{BB962C8B-B14F-4D97-AF65-F5344CB8AC3E}">
+        <p14:creationId xmlns:p14="http://schemas.microsoft.com/office/powerpoint/2010/main" val="1109789540"/>
+      </p:ext>
+    </p:extLst>
+  </p:cSld>
+  <p:clrMapOvr>
+    <a:masterClrMapping/>
+  </p:clrMapOvr>
+</p:sld>
+</file>
+
+<file path=ppt/slides/slide20.xml><?xml version="1.0" encoding="utf-8"?>
+<p:sld xmlns:a="http://schemas.openxmlformats.org/drawingml/2006/main" xmlns:r="http://schemas.openxmlformats.org/officeDocument/2006/relationships" xmlns:p="http://schemas.openxmlformats.org/presentationml/2006/main">
+  <p:cSld>
+    <p:spTree>
+      <p:nvGrpSpPr>
+        <p:cNvPr id="1" name=""/>
+        <p:cNvGrpSpPr/>
+        <p:nvPr/>
+      </p:nvGrpSpPr>
+      <p:grpSpPr>
+        <a:xfrm>
+          <a:off x="0" y="0"/>
+          <a:ext cx="0" cy="0"/>
+          <a:chOff x="0" y="0"/>
+          <a:chExt cx="0" cy="0"/>
+        </a:xfrm>
+      </p:grpSpPr>
+      <p:sp>
+        <p:nvSpPr>
+          <p:cNvPr id="2" name="Titel 1">
+            <a:extLst>
+              <a:ext uri="{FF2B5EF4-FFF2-40B4-BE49-F238E27FC236}">
+                <a16:creationId xmlns:a16="http://schemas.microsoft.com/office/drawing/2014/main" id="{4713A4E5-BC82-E83B-F92B-382D8A8E9582}"/>
+              </a:ext>
+            </a:extLst>
+          </p:cNvPr>
+          <p:cNvSpPr>
+            <a:spLocks noGrp="1"/>
+          </p:cNvSpPr>
+          <p:nvPr>
+            <p:ph type="title"/>
+          </p:nvPr>
+        </p:nvSpPr>
+        <p:spPr/>
+        <p:txBody>
+          <a:bodyPr/>
+          <a:lstStyle/>
+          <a:p>
+            <a:r>
+              <a:rPr lang="da-DK" b="1" dirty="0">
+                <a:latin typeface="Neo Sans Pro" panose="020B0504030504040204" pitchFamily="34" charset="0"/>
+              </a:rPr>
+              <a:t>References</a:t>
+            </a:r>
+          </a:p>
+        </p:txBody>
+      </p:sp>
+      <p:sp>
+        <p:nvSpPr>
+          <p:cNvPr id="3" name="Pladsholder til indhold 2">
+            <a:extLst>
+              <a:ext uri="{FF2B5EF4-FFF2-40B4-BE49-F238E27FC236}">
+                <a16:creationId xmlns:a16="http://schemas.microsoft.com/office/drawing/2014/main" id="{E479714D-01DF-FA9A-4ABC-F00EEDF0082E}"/>
+              </a:ext>
+            </a:extLst>
+          </p:cNvPr>
+          <p:cNvSpPr>
+            <a:spLocks noGrp="1"/>
+          </p:cNvSpPr>
+          <p:nvPr>
+            <p:ph idx="1"/>
+          </p:nvPr>
+        </p:nvSpPr>
+        <p:spPr>
+          <a:xfrm>
+            <a:off x="838200" y="1825625"/>
+            <a:ext cx="10515600" cy="4667250"/>
+          </a:xfrm>
+        </p:spPr>
+        <p:txBody>
+          <a:bodyPr>
+            <a:normAutofit lnSpcReduction="10000"/>
+          </a:bodyPr>
+          <a:lstStyle/>
+          <a:p>
+            <a:r>
+              <a:rPr lang="da-DK" dirty="0">
+                <a:latin typeface="Neo Sans Pro" panose="020B0504030504040204" pitchFamily="34" charset="0"/>
+                <a:hlinkClick r:id="rId3"/>
+              </a:rPr>
+              <a:t>https://archive.ics.uci.edu/dataset/45/heart+disease</a:t>
+            </a:r>
+            <a:endParaRPr lang="da-DK" dirty="0">
+              <a:latin typeface="Neo Sans Pro" panose="020B0504030504040204" pitchFamily="34" charset="0"/>
+            </a:endParaRPr>
+          </a:p>
+          <a:p>
+            <a:r>
+              <a:rPr lang="da-DK" dirty="0">
+                <a:latin typeface="Neo Sans Pro" panose="020B0504030504040204" pitchFamily="34" charset="0"/>
+                <a:hlinkClick r:id="rId4"/>
+              </a:rPr>
+              <a:t>https://www.sciencedirect.com/science/article/abs/pii/0002914989905249</a:t>
+            </a:r>
+            <a:endParaRPr lang="da-DK" dirty="0">
+              <a:latin typeface="Neo Sans Pro" panose="020B0504030504040204" pitchFamily="34" charset="0"/>
+            </a:endParaRPr>
+          </a:p>
+          <a:p>
+            <a:r>
+              <a:rPr lang="da-DK" dirty="0">
+                <a:latin typeface="Neo Sans Pro" panose="020B0504030504040204" pitchFamily="34" charset="0"/>
+                <a:hlinkClick r:id="rId5"/>
+              </a:rPr>
+              <a:t>https://www.who.int/health-topics/cardiovascular-diseases#tab=tab_1</a:t>
+            </a:r>
+            <a:endParaRPr lang="da-DK" dirty="0">
+              <a:latin typeface="Neo Sans Pro" panose="020B0504030504040204" pitchFamily="34" charset="0"/>
+            </a:endParaRPr>
+          </a:p>
+          <a:p>
+            <a:r>
+              <a:rPr lang="da-DK" dirty="0">
+                <a:latin typeface="Neo Sans Pro" panose="020B0504030504040204" pitchFamily="34" charset="0"/>
+                <a:hlinkClick r:id="rId6"/>
+              </a:rPr>
+              <a:t>https://pubmed.ncbi.nlm.nih.gov/28260748/</a:t>
+            </a:r>
+            <a:endParaRPr lang="da-DK" dirty="0">
+              <a:latin typeface="Neo Sans Pro" panose="020B0504030504040204" pitchFamily="34" charset="0"/>
+            </a:endParaRPr>
+          </a:p>
+          <a:p>
+            <a:r>
+              <a:rPr lang="da-DK" dirty="0">
+                <a:latin typeface="Neo Sans Pro" panose="020B0504030504040204" pitchFamily="34" charset="0"/>
+                <a:hlinkClick r:id="rId7"/>
+              </a:rPr>
+              <a:t>https://www.cdc.gov/bloodpressure/about.htm</a:t>
+            </a:r>
+            <a:endParaRPr lang="da-DK" dirty="0">
+              <a:latin typeface="Neo Sans Pro" panose="020B0504030504040204" pitchFamily="34" charset="0"/>
+            </a:endParaRPr>
+          </a:p>
+          <a:p>
+            <a:r>
+              <a:rPr lang="da-DK" dirty="0">
+                <a:latin typeface="Neo Sans Pro" panose="020B0504030504040204" pitchFamily="34" charset="0"/>
+                <a:hlinkClick r:id="rId8"/>
+              </a:rPr>
+              <a:t>https://www.ncbi.nlm.nih.gov/pmc/articles/PMC7399440/</a:t>
+            </a:r>
+            <a:endParaRPr lang="da-DK" dirty="0">
+              <a:latin typeface="Neo Sans Pro" panose="020B0504030504040204" pitchFamily="34" charset="0"/>
+            </a:endParaRPr>
+          </a:p>
+          <a:p>
+            <a:r>
+              <a:rPr lang="da-DK" dirty="0">
+                <a:latin typeface="Neo Sans Pro" panose="020B0504030504040204" pitchFamily="34" charset="0"/>
+                <a:hlinkClick r:id="rId9"/>
+              </a:rPr>
+              <a:t>https://www.istockphoto.com/vector/heart-attack-line-icon-gm1322482784-408434124</a:t>
+            </a:r>
+            <a:r>
+              <a:rPr lang="da-DK" dirty="0">
+                <a:latin typeface="Neo Sans Pro" panose="020B0504030504040204" pitchFamily="34" charset="0"/>
+              </a:rPr>
+              <a:t> (Credit: Kadirkaba)</a:t>
+            </a:r>
+          </a:p>
+          <a:p>
+            <a:endParaRPr lang="da-DK" dirty="0">
+              <a:latin typeface="Neo Sans Pro" panose="020B0504030504040204" pitchFamily="34" charset="0"/>
+            </a:endParaRPr>
+          </a:p>
+          <a:p>
+            <a:endParaRPr lang="da-DK" dirty="0">
+              <a:latin typeface="Neo Sans Pro" panose="020B0504030504040204" pitchFamily="34" charset="0"/>
+            </a:endParaRPr>
+          </a:p>
+        </p:txBody>
+      </p:sp>
+    </p:spTree>
+    <p:extLst>
+      <p:ext uri="{BB962C8B-B14F-4D97-AF65-F5344CB8AC3E}">
+        <p14:creationId xmlns:p14="http://schemas.microsoft.com/office/powerpoint/2010/main" val="1369372101"/>
+      </p:ext>
+    </p:extLst>
+  </p:cSld>
+  <p:clrMapOvr>
+    <a:masterClrMapping/>
+  </p:clrMapOvr>
+</p:sld>
+</file>
+
+<file path=ppt/slides/slide3.xml><?xml version="1.0" encoding="utf-8"?>
+<p:sld xmlns:a="http://schemas.openxmlformats.org/drawingml/2006/main" xmlns:r="http://schemas.openxmlformats.org/officeDocument/2006/relationships" xmlns:p="http://schemas.openxmlformats.org/presentationml/2006/main">
+  <p:cSld>
+    <p:spTree>
+      <p:nvGrpSpPr>
+        <p:cNvPr id="1" name=""/>
+        <p:cNvGrpSpPr/>
+        <p:nvPr/>
+      </p:nvGrpSpPr>
+      <p:grpSpPr>
+        <a:xfrm>
+          <a:off x="0" y="0"/>
+          <a:ext cx="0" cy="0"/>
+          <a:chOff x="0" y="0"/>
+          <a:chExt cx="0" cy="0"/>
+        </a:xfrm>
+      </p:grpSpPr>
+      <p:sp>
+        <p:nvSpPr>
+          <p:cNvPr id="2" name="Titel 1">
+            <a:extLst>
+              <a:ext uri="{FF2B5EF4-FFF2-40B4-BE49-F238E27FC236}">
+                <a16:creationId xmlns:a16="http://schemas.microsoft.com/office/drawing/2014/main" id="{A5BFCC1C-B833-B7E6-B0B9-633AF39C0F59}"/>
+              </a:ext>
+            </a:extLst>
+          </p:cNvPr>
+          <p:cNvSpPr>
+            <a:spLocks noGrp="1"/>
+          </p:cNvSpPr>
+          <p:nvPr>
+            <p:ph type="title"/>
+          </p:nvPr>
+        </p:nvSpPr>
+        <p:spPr/>
+        <p:txBody>
+          <a:bodyPr>
+            <a:normAutofit/>
+          </a:bodyPr>
+          <a:lstStyle/>
+          <a:p>
+            <a:r>
+              <a:rPr lang="da-DK" sz="4200" b="1" dirty="0" err="1">
+                <a:latin typeface="Neo Sans Pro" panose="020B0504030504040204" pitchFamily="34" charset="0"/>
+              </a:rPr>
+              <a:t>Hungarian</a:t>
+            </a:r>
+            <a:r>
+              <a:rPr lang="da-DK" sz="4200" b="1" dirty="0">
+                <a:latin typeface="Neo Sans Pro" panose="020B0504030504040204" pitchFamily="34" charset="0"/>
+              </a:rPr>
+              <a:t>, Long Beach and </a:t>
+            </a:r>
+            <a:r>
+              <a:rPr lang="da-DK" sz="4200" b="1" dirty="0" err="1">
+                <a:latin typeface="Neo Sans Pro" panose="020B0504030504040204" pitchFamily="34" charset="0"/>
+              </a:rPr>
+              <a:t>Switzerland</a:t>
+            </a:r>
+            <a:endParaRPr lang="da-DK" sz="4200" dirty="0"/>
+          </a:p>
+        </p:txBody>
+      </p:sp>
+      <p:sp>
+        <p:nvSpPr>
+          <p:cNvPr id="3" name="Pladsholder til indhold 2">
+            <a:extLst>
+              <a:ext uri="{FF2B5EF4-FFF2-40B4-BE49-F238E27FC236}">
+                <a16:creationId xmlns:a16="http://schemas.microsoft.com/office/drawing/2014/main" id="{D5323DA0-F824-E66A-83F5-DEAE46151F09}"/>
+              </a:ext>
+            </a:extLst>
+          </p:cNvPr>
+          <p:cNvSpPr>
+            <a:spLocks noGrp="1"/>
+          </p:cNvSpPr>
+          <p:nvPr>
+            <p:ph idx="1"/>
+          </p:nvPr>
+        </p:nvSpPr>
+        <p:spPr/>
+        <p:txBody>
+          <a:bodyPr>
+            <a:normAutofit/>
+          </a:bodyPr>
+          <a:lstStyle/>
+          <a:p>
+            <a:pPr marL="0" indent="0">
+              <a:buNone/>
+            </a:pPr>
+            <a:r>
+              <a:rPr lang="da-DK" b="1" dirty="0">
+                <a:latin typeface="Neo Sans Pro" panose="020B0504030504040204" pitchFamily="34" charset="0"/>
+              </a:rPr>
+              <a:t>Same</a:t>
+            </a:r>
+            <a:r>
+              <a:rPr lang="da-DK" dirty="0">
+                <a:latin typeface="Neo Sans Pro" panose="020B0504030504040204" pitchFamily="34" charset="0"/>
+              </a:rPr>
+              <a:t> </a:t>
+            </a:r>
+            <a:r>
+              <a:rPr lang="da-DK" dirty="0" err="1">
+                <a:latin typeface="Neo Sans Pro" panose="020B0504030504040204" pitchFamily="34" charset="0"/>
+              </a:rPr>
+              <a:t>cleaning</a:t>
+            </a:r>
+            <a:r>
+              <a:rPr lang="da-DK" dirty="0">
+                <a:latin typeface="Neo Sans Pro" panose="020B0504030504040204" pitchFamily="34" charset="0"/>
+              </a:rPr>
+              <a:t> steps for all </a:t>
+            </a:r>
+            <a:r>
+              <a:rPr lang="da-DK" dirty="0" err="1">
+                <a:latin typeface="Neo Sans Pro" panose="020B0504030504040204" pitchFamily="34" charset="0"/>
+              </a:rPr>
+              <a:t>three</a:t>
+            </a:r>
+            <a:endParaRPr lang="da-DK" dirty="0">
+              <a:latin typeface="Neo Sans Pro" panose="020B0504030504040204" pitchFamily="34" charset="0"/>
+            </a:endParaRPr>
+          </a:p>
+          <a:p>
+            <a:r>
+              <a:rPr lang="da-DK" dirty="0">
+                <a:latin typeface="Neo Sans Pro" panose="020B0504030504040204" pitchFamily="34" charset="0"/>
+              </a:rPr>
+              <a:t>From .data to .</a:t>
+            </a:r>
+            <a:r>
+              <a:rPr lang="da-DK" dirty="0" err="1">
+                <a:latin typeface="Neo Sans Pro" panose="020B0504030504040204" pitchFamily="34" charset="0"/>
+              </a:rPr>
+              <a:t>txt</a:t>
+            </a:r>
+            <a:r>
+              <a:rPr lang="da-DK" dirty="0">
+                <a:latin typeface="Neo Sans Pro" panose="020B0504030504040204" pitchFamily="34" charset="0"/>
+              </a:rPr>
+              <a:t> files</a:t>
+            </a:r>
+          </a:p>
+          <a:p>
+            <a:r>
+              <a:rPr lang="da-DK" dirty="0">
+                <a:latin typeface="Neo Sans Pro" panose="020B0504030504040204" pitchFamily="34" charset="0"/>
+              </a:rPr>
+              <a:t>Split line by ‘</a:t>
+            </a:r>
+            <a:r>
+              <a:rPr lang="da-DK" dirty="0" err="1">
+                <a:latin typeface="Neo Sans Pro" panose="020B0504030504040204" pitchFamily="34" charset="0"/>
+              </a:rPr>
+              <a:t>name</a:t>
+            </a:r>
+            <a:r>
+              <a:rPr lang="da-DK" dirty="0">
+                <a:latin typeface="Neo Sans Pro" panose="020B0504030504040204" pitchFamily="34" charset="0"/>
+              </a:rPr>
+              <a:t>’ (</a:t>
+            </a:r>
+            <a:r>
+              <a:rPr lang="da-DK" dirty="0" err="1">
+                <a:latin typeface="Neo Sans Pro" panose="020B0504030504040204" pitchFamily="34" charset="0"/>
+              </a:rPr>
+              <a:t>e.g</a:t>
+            </a:r>
+            <a:r>
+              <a:rPr lang="da-DK" dirty="0">
+                <a:latin typeface="Neo Sans Pro" panose="020B0504030504040204" pitchFamily="34" charset="0"/>
+              </a:rPr>
+              <a:t>. former </a:t>
+            </a:r>
+            <a:r>
+              <a:rPr lang="da-DK" dirty="0" err="1">
+                <a:latin typeface="Neo Sans Pro" panose="020B0504030504040204" pitchFamily="34" charset="0"/>
+              </a:rPr>
+              <a:t>name</a:t>
+            </a:r>
+            <a:r>
+              <a:rPr lang="da-DK" dirty="0">
+                <a:latin typeface="Neo Sans Pro" panose="020B0504030504040204" pitchFamily="34" charset="0"/>
+              </a:rPr>
+              <a:t> of patient)</a:t>
+            </a:r>
+          </a:p>
+          <a:p>
+            <a:r>
+              <a:rPr lang="da-DK" dirty="0" err="1">
+                <a:latin typeface="Neo Sans Pro" panose="020B0504030504040204" pitchFamily="34" charset="0"/>
+              </a:rPr>
+              <a:t>Reduced</a:t>
+            </a:r>
+            <a:r>
+              <a:rPr lang="da-DK" dirty="0">
+                <a:latin typeface="Neo Sans Pro" panose="020B0504030504040204" pitchFamily="34" charset="0"/>
+              </a:rPr>
+              <a:t> from 76 to 9 variables</a:t>
+            </a:r>
+          </a:p>
+          <a:p>
+            <a:pPr lvl="1"/>
+            <a:r>
+              <a:rPr lang="da-DK" dirty="0">
+                <a:latin typeface="Neo Sans Pro" panose="020B0504030504040204" pitchFamily="34" charset="0"/>
+              </a:rPr>
+              <a:t>All </a:t>
+            </a:r>
+            <a:r>
+              <a:rPr lang="da-DK" dirty="0" err="1">
+                <a:latin typeface="Neo Sans Pro" panose="020B0504030504040204" pitchFamily="34" charset="0"/>
+              </a:rPr>
+              <a:t>converted</a:t>
+            </a:r>
+            <a:r>
+              <a:rPr lang="da-DK" dirty="0">
+                <a:latin typeface="Neo Sans Pro" panose="020B0504030504040204" pitchFamily="34" charset="0"/>
+              </a:rPr>
+              <a:t> to </a:t>
+            </a:r>
+            <a:r>
+              <a:rPr lang="da-DK" dirty="0" err="1">
+                <a:latin typeface="Neo Sans Pro" panose="020B0504030504040204" pitchFamily="34" charset="0"/>
+              </a:rPr>
+              <a:t>numeric</a:t>
+            </a:r>
+            <a:br>
+              <a:rPr lang="da-DK" dirty="0">
+                <a:latin typeface="Neo Sans Pro" panose="020B0504030504040204" pitchFamily="34" charset="0"/>
+              </a:rPr>
+            </a:br>
+            <a:endParaRPr lang="da-DK" dirty="0">
+              <a:latin typeface="Neo Sans Pro" panose="020B0504030504040204" pitchFamily="34" charset="0"/>
+            </a:endParaRPr>
+          </a:p>
+          <a:p>
+            <a:pPr marL="0" indent="0">
+              <a:buNone/>
+            </a:pPr>
+            <a:r>
+              <a:rPr lang="da-DK" dirty="0" err="1">
+                <a:latin typeface="Neo Sans Pro" panose="020B0504030504040204" pitchFamily="34" charset="0"/>
+              </a:rPr>
+              <a:t>Added</a:t>
+            </a:r>
+            <a:r>
+              <a:rPr lang="da-DK" dirty="0">
+                <a:latin typeface="Neo Sans Pro" panose="020B0504030504040204" pitchFamily="34" charset="0"/>
+              </a:rPr>
+              <a:t> 3 variables as factor versions of </a:t>
+            </a:r>
+            <a:r>
+              <a:rPr lang="da-DK" b="1" dirty="0">
+                <a:latin typeface="Neo Sans Pro" panose="020B0504030504040204" pitchFamily="34" charset="0"/>
+              </a:rPr>
+              <a:t>sex</a:t>
+            </a:r>
+            <a:r>
+              <a:rPr lang="da-DK" dirty="0">
+                <a:latin typeface="Neo Sans Pro" panose="020B0504030504040204" pitchFamily="34" charset="0"/>
+              </a:rPr>
+              <a:t>, </a:t>
+            </a:r>
+            <a:r>
+              <a:rPr lang="da-DK" b="1" dirty="0" err="1">
+                <a:latin typeface="Neo Sans Pro" panose="020B0504030504040204" pitchFamily="34" charset="0"/>
+              </a:rPr>
+              <a:t>fbs</a:t>
+            </a:r>
+            <a:r>
+              <a:rPr lang="da-DK" b="1" dirty="0">
+                <a:latin typeface="Neo Sans Pro" panose="020B0504030504040204" pitchFamily="34" charset="0"/>
+              </a:rPr>
+              <a:t> </a:t>
+            </a:r>
+            <a:r>
+              <a:rPr lang="da-DK" dirty="0">
+                <a:latin typeface="Neo Sans Pro" panose="020B0504030504040204" pitchFamily="34" charset="0"/>
+              </a:rPr>
+              <a:t>and </a:t>
+            </a:r>
+            <a:r>
+              <a:rPr lang="da-DK" b="1" dirty="0">
+                <a:latin typeface="Neo Sans Pro" panose="020B0504030504040204" pitchFamily="34" charset="0"/>
+              </a:rPr>
+              <a:t>cp</a:t>
+            </a:r>
+          </a:p>
+        </p:txBody>
+      </p:sp>
+      <p:grpSp>
+        <p:nvGrpSpPr>
+          <p:cNvPr id="4" name="Gruppe 3">
+            <a:extLst>
+              <a:ext uri="{FF2B5EF4-FFF2-40B4-BE49-F238E27FC236}">
+                <a16:creationId xmlns:a16="http://schemas.microsoft.com/office/drawing/2014/main" id="{4FE8D7EB-5DFD-115E-E5B5-AF1EEB9A2602}"/>
+              </a:ext>
+            </a:extLst>
+          </p:cNvPr>
+          <p:cNvGrpSpPr/>
+          <p:nvPr/>
+        </p:nvGrpSpPr>
+        <p:grpSpPr>
+          <a:xfrm>
+            <a:off x="891043" y="5126639"/>
+            <a:ext cx="8265313" cy="679621"/>
+            <a:chOff x="943708" y="5457806"/>
+            <a:chExt cx="7125694" cy="543001"/>
+          </a:xfrm>
+        </p:grpSpPr>
+        <p:pic>
+          <p:nvPicPr>
+            <p:cNvPr id="10" name="Billede 9">
+              <a:extLst>
+                <a:ext uri="{FF2B5EF4-FFF2-40B4-BE49-F238E27FC236}">
+                  <a16:creationId xmlns:a16="http://schemas.microsoft.com/office/drawing/2014/main" id="{21B3DE8A-8975-4891-889D-A416DB8A1C2A}"/>
+                </a:ext>
+              </a:extLst>
+            </p:cNvPr>
+            <p:cNvPicPr>
+              <a:picLocks noChangeAspect="1"/>
+            </p:cNvPicPr>
+            <p:nvPr/>
+          </p:nvPicPr>
+          <p:blipFill>
+            <a:blip r:embed="rId3"/>
+            <a:stretch>
+              <a:fillRect/>
+            </a:stretch>
+          </p:blipFill>
+          <p:spPr>
+            <a:xfrm>
+              <a:off x="943708" y="5457806"/>
+              <a:ext cx="7125694" cy="543001"/>
+            </a:xfrm>
+            <a:prstGeom prst="rect">
+              <a:avLst/>
+            </a:prstGeom>
+          </p:spPr>
+        </p:pic>
+        <p:sp>
+          <p:nvSpPr>
+            <p:cNvPr id="11" name="Rektangel 10">
+              <a:extLst>
+                <a:ext uri="{FF2B5EF4-FFF2-40B4-BE49-F238E27FC236}">
+                  <a16:creationId xmlns:a16="http://schemas.microsoft.com/office/drawing/2014/main" id="{5EC9CE2F-0326-813D-28B1-ACB63BE532AD}"/>
+                </a:ext>
+              </a:extLst>
+            </p:cNvPr>
+            <p:cNvSpPr/>
+            <p:nvPr/>
+          </p:nvSpPr>
+          <p:spPr>
+            <a:xfrm>
+              <a:off x="3401923" y="5770402"/>
+              <a:ext cx="2819400" cy="204825"/>
+            </a:xfrm>
+            <a:prstGeom prst="rect">
+              <a:avLst/>
+            </a:prstGeom>
+            <a:noFill/>
+            <a:ln w="19050">
+              <a:solidFill>
+                <a:srgbClr val="FF0000"/>
+              </a:solidFill>
+            </a:ln>
+          </p:spPr>
+          <p:style>
+            <a:lnRef idx="2">
+              <a:schemeClr val="accent1">
+                <a:shade val="15000"/>
+              </a:schemeClr>
+            </a:lnRef>
+            <a:fillRef idx="1">
+              <a:schemeClr val="accent1"/>
+            </a:fillRef>
+            <a:effectRef idx="0">
+              <a:schemeClr val="accent1"/>
+            </a:effectRef>
+            <a:fontRef idx="minor">
+              <a:schemeClr val="lt1"/>
+            </a:fontRef>
+          </p:style>
+          <p:txBody>
+            <a:bodyPr rtlCol="0" anchor="ctr"/>
+            <a:lstStyle/>
+            <a:p>
+              <a:pPr algn="ctr"/>
+              <a:endParaRPr lang="da-DK"/>
+            </a:p>
+          </p:txBody>
+        </p:sp>
+      </p:grpSp>
+    </p:spTree>
+    <p:extLst>
+      <p:ext uri="{BB962C8B-B14F-4D97-AF65-F5344CB8AC3E}">
+        <p14:creationId xmlns:p14="http://schemas.microsoft.com/office/powerpoint/2010/main" val="3206868724"/>
+      </p:ext>
+    </p:extLst>
+  </p:cSld>
+  <p:clrMapOvr>
+    <a:masterClrMapping/>
+  </p:clrMapOvr>
+</p:sld>
+</file>
+
+<file path=ppt/slides/slide4.xml><?xml version="1.0" encoding="utf-8"?>
+<p:sld xmlns:a="http://schemas.openxmlformats.org/drawingml/2006/main" xmlns:r="http://schemas.openxmlformats.org/officeDocument/2006/relationships" xmlns:p="http://schemas.openxmlformats.org/presentationml/2006/main" show="0">
+  <p:cSld>
+    <p:spTree>
+      <p:nvGrpSpPr>
+        <p:cNvPr id="1" name=""/>
+        <p:cNvGrpSpPr/>
+        <p:nvPr/>
+      </p:nvGrpSpPr>
+      <p:grpSpPr>
+        <a:xfrm>
+          <a:off x="0" y="0"/>
+          <a:ext cx="0" cy="0"/>
+          <a:chOff x="0" y="0"/>
+          <a:chExt cx="0" cy="0"/>
+        </a:xfrm>
+      </p:grpSpPr>
+      <p:sp>
+        <p:nvSpPr>
+          <p:cNvPr id="2" name="Titel 1">
+            <a:extLst>
+              <a:ext uri="{FF2B5EF4-FFF2-40B4-BE49-F238E27FC236}">
+                <a16:creationId xmlns:a16="http://schemas.microsoft.com/office/drawing/2014/main" id="{7665CB93-CDB2-5237-C8D4-0194B288224F}"/>
+              </a:ext>
+            </a:extLst>
+          </p:cNvPr>
+          <p:cNvSpPr>
+            <a:spLocks noGrp="1"/>
+          </p:cNvSpPr>
+          <p:nvPr>
+            <p:ph type="title"/>
+          </p:nvPr>
+        </p:nvSpPr>
+        <p:spPr/>
+        <p:txBody>
+          <a:bodyPr/>
+          <a:lstStyle/>
+          <a:p>
+            <a:endParaRPr lang="da-DK" dirty="0"/>
+          </a:p>
+        </p:txBody>
+      </p:sp>
+      <p:pic>
+        <p:nvPicPr>
+          <p:cNvPr id="5" name="Pladsholder til indhold 4">
+            <a:extLst>
+              <a:ext uri="{FF2B5EF4-FFF2-40B4-BE49-F238E27FC236}">
+                <a16:creationId xmlns:a16="http://schemas.microsoft.com/office/drawing/2014/main" id="{038118AD-6A4B-48B8-7D9B-3155874694B2}"/>
+              </a:ext>
+            </a:extLst>
+          </p:cNvPr>
+          <p:cNvPicPr>
+            <a:picLocks noGrp="1" noChangeAspect="1"/>
+          </p:cNvPicPr>
+          <p:nvPr>
+            <p:ph idx="1"/>
+          </p:nvPr>
+        </p:nvPicPr>
+        <p:blipFill>
+          <a:blip r:embed="rId2"/>
+          <a:stretch>
+            <a:fillRect/>
+          </a:stretch>
+        </p:blipFill>
+        <p:spPr>
+          <a:xfrm>
+            <a:off x="838200" y="1690688"/>
+            <a:ext cx="10515600" cy="4709736"/>
+          </a:xfrm>
+        </p:spPr>
+      </p:pic>
+    </p:spTree>
+    <p:extLst>
+      <p:ext uri="{BB962C8B-B14F-4D97-AF65-F5344CB8AC3E}">
+        <p14:creationId xmlns:p14="http://schemas.microsoft.com/office/powerpoint/2010/main" val="4189258132"/>
+      </p:ext>
+    </p:extLst>
+  </p:cSld>
+  <p:clrMapOvr>
+    <a:masterClrMapping/>
+  </p:clrMapOvr>
+</p:sld>
+</file>
+
+<file path=ppt/slides/slide5.xml><?xml version="1.0" encoding="utf-8"?>
+<p:sld xmlns:a="http://schemas.openxmlformats.org/drawingml/2006/main" xmlns:r="http://schemas.openxmlformats.org/officeDocument/2006/relationships" xmlns:p="http://schemas.openxmlformats.org/presentationml/2006/main">
+  <p:cSld>
+    <p:spTree>
+      <p:nvGrpSpPr>
+        <p:cNvPr id="1" name=""/>
+        <p:cNvGrpSpPr/>
+        <p:nvPr/>
+      </p:nvGrpSpPr>
+      <p:grpSpPr>
+        <a:xfrm>
+          <a:off x="0" y="0"/>
+          <a:ext cx="0" cy="0"/>
+          <a:chOff x="0" y="0"/>
+          <a:chExt cx="0" cy="0"/>
+        </a:xfrm>
+      </p:grpSpPr>
+      <p:sp>
+        <p:nvSpPr>
+          <p:cNvPr id="2" name="Titel 1">
+            <a:extLst>
+              <a:ext uri="{FF2B5EF4-FFF2-40B4-BE49-F238E27FC236}">
+                <a16:creationId xmlns:a16="http://schemas.microsoft.com/office/drawing/2014/main" id="{A83FA40F-BD00-3661-B071-29AFA9EE9B66}"/>
+              </a:ext>
+            </a:extLst>
+          </p:cNvPr>
+          <p:cNvSpPr>
+            <a:spLocks noGrp="1"/>
+          </p:cNvSpPr>
+          <p:nvPr>
+            <p:ph type="title"/>
+          </p:nvPr>
+        </p:nvSpPr>
+        <p:spPr/>
+        <p:txBody>
+          <a:bodyPr/>
+          <a:lstStyle/>
+          <a:p>
+            <a:r>
+              <a:rPr lang="da-DK" b="1" dirty="0" err="1">
+                <a:latin typeface="Neo Sans Pro" panose="020B0504030504040204" pitchFamily="34" charset="0"/>
+              </a:rPr>
+              <a:t>Cardiovascular</a:t>
+            </a:r>
+            <a:r>
+              <a:rPr lang="da-DK" b="1" dirty="0">
+                <a:latin typeface="Neo Sans Pro" panose="020B0504030504040204" pitchFamily="34" charset="0"/>
+              </a:rPr>
+              <a:t> </a:t>
+            </a:r>
+            <a:r>
+              <a:rPr lang="da-DK" b="1" dirty="0" err="1">
+                <a:latin typeface="Neo Sans Pro" panose="020B0504030504040204" pitchFamily="34" charset="0"/>
+              </a:rPr>
+              <a:t>Disease</a:t>
+            </a:r>
+            <a:r>
+              <a:rPr lang="da-DK" b="1" dirty="0">
+                <a:latin typeface="Neo Sans Pro" panose="020B0504030504040204" pitchFamily="34" charset="0"/>
+              </a:rPr>
+              <a:t> dataset </a:t>
+            </a:r>
+            <a:endParaRPr lang="da-DK" dirty="0"/>
+          </a:p>
+        </p:txBody>
+      </p:sp>
+      <p:sp>
+        <p:nvSpPr>
+          <p:cNvPr id="3" name="Pladsholder til indhold 2">
+            <a:extLst>
+              <a:ext uri="{FF2B5EF4-FFF2-40B4-BE49-F238E27FC236}">
+                <a16:creationId xmlns:a16="http://schemas.microsoft.com/office/drawing/2014/main" id="{FD7BA4B3-01A2-887D-EB04-138C9B79B9CB}"/>
+              </a:ext>
+            </a:extLst>
+          </p:cNvPr>
+          <p:cNvSpPr>
+            <a:spLocks noGrp="1"/>
+          </p:cNvSpPr>
+          <p:nvPr>
+            <p:ph idx="1"/>
+          </p:nvPr>
+        </p:nvSpPr>
+        <p:spPr/>
+        <p:txBody>
+          <a:bodyPr/>
+          <a:lstStyle/>
+          <a:p>
+            <a:pPr marL="0" indent="0">
+              <a:buNone/>
+            </a:pPr>
+            <a:r>
+              <a:rPr lang="da-DK" dirty="0" err="1">
+                <a:latin typeface="Neo Sans Pro" panose="020B0504030504040204" pitchFamily="34" charset="0"/>
+              </a:rPr>
+              <a:t>Contained</a:t>
+            </a:r>
+            <a:r>
+              <a:rPr lang="da-DK" dirty="0">
+                <a:latin typeface="Neo Sans Pro" panose="020B0504030504040204" pitchFamily="34" charset="0"/>
+              </a:rPr>
+              <a:t> 13 variables, </a:t>
+            </a:r>
+            <a:r>
+              <a:rPr lang="da-DK" dirty="0" err="1">
+                <a:latin typeface="Neo Sans Pro" panose="020B0504030504040204" pitchFamily="34" charset="0"/>
+              </a:rPr>
+              <a:t>where</a:t>
+            </a:r>
+            <a:r>
+              <a:rPr lang="da-DK" dirty="0">
+                <a:latin typeface="Neo Sans Pro" panose="020B0504030504040204" pitchFamily="34" charset="0"/>
+              </a:rPr>
+              <a:t> as 9 is </a:t>
+            </a:r>
+            <a:r>
+              <a:rPr lang="da-DK" dirty="0" err="1">
+                <a:latin typeface="Neo Sans Pro" panose="020B0504030504040204" pitchFamily="34" charset="0"/>
+              </a:rPr>
+              <a:t>kept</a:t>
+            </a:r>
+            <a:r>
+              <a:rPr lang="da-DK" dirty="0">
+                <a:latin typeface="Neo Sans Pro" panose="020B0504030504040204" pitchFamily="34" charset="0"/>
+              </a:rPr>
+              <a:t> and 3 is </a:t>
+            </a:r>
+            <a:r>
+              <a:rPr lang="da-DK" dirty="0" err="1">
+                <a:latin typeface="Neo Sans Pro" panose="020B0504030504040204" pitchFamily="34" charset="0"/>
+              </a:rPr>
+              <a:t>added</a:t>
+            </a:r>
+            <a:r>
+              <a:rPr lang="da-DK" dirty="0">
+                <a:latin typeface="Neo Sans Pro" panose="020B0504030504040204" pitchFamily="34" charset="0"/>
+              </a:rPr>
+              <a:t>:</a:t>
+            </a:r>
+            <a:br>
+              <a:rPr lang="da-DK" dirty="0">
+                <a:latin typeface="Neo Sans Pro" panose="020B0504030504040204" pitchFamily="34" charset="0"/>
+              </a:rPr>
+            </a:br>
+            <a:r>
+              <a:rPr lang="da-DK" b="1" dirty="0">
+                <a:latin typeface="Neo Sans Pro" panose="020B0504030504040204" pitchFamily="34" charset="0"/>
+              </a:rPr>
+              <a:t>sex, bmi and </a:t>
+            </a:r>
+            <a:r>
+              <a:rPr lang="da-DK" b="1" dirty="0" err="1">
+                <a:latin typeface="Neo Sans Pro" panose="020B0504030504040204" pitchFamily="34" charset="0"/>
+              </a:rPr>
+              <a:t>ap_mean</a:t>
+            </a:r>
+            <a:endParaRPr lang="da-DK" dirty="0">
+              <a:latin typeface="Neo Sans Pro" panose="020B0504030504040204" pitchFamily="34" charset="0"/>
+            </a:endParaRPr>
+          </a:p>
+          <a:p>
+            <a:pPr marL="0" indent="0">
+              <a:buNone/>
+            </a:pPr>
+            <a:r>
+              <a:rPr lang="da-DK" dirty="0">
+                <a:latin typeface="Neo Sans Pro" panose="020B0504030504040204" pitchFamily="34" charset="0"/>
+              </a:rPr>
+              <a:t>More clean </a:t>
+            </a:r>
+            <a:r>
+              <a:rPr lang="da-DK" dirty="0" err="1">
+                <a:latin typeface="Neo Sans Pro" panose="020B0504030504040204" pitchFamily="34" charset="0"/>
+              </a:rPr>
+              <a:t>than</a:t>
+            </a:r>
+            <a:r>
+              <a:rPr lang="da-DK" dirty="0">
+                <a:latin typeface="Neo Sans Pro" panose="020B0504030504040204" pitchFamily="34" charset="0"/>
+              </a:rPr>
+              <a:t> the </a:t>
+            </a:r>
+            <a:r>
+              <a:rPr lang="da-DK" dirty="0" err="1">
+                <a:latin typeface="Neo Sans Pro" panose="020B0504030504040204" pitchFamily="34" charset="0"/>
+              </a:rPr>
+              <a:t>other</a:t>
+            </a:r>
+            <a:r>
+              <a:rPr lang="da-DK" dirty="0">
+                <a:latin typeface="Neo Sans Pro" panose="020B0504030504040204" pitchFamily="34" charset="0"/>
+              </a:rPr>
+              <a:t> data sets</a:t>
+            </a:r>
+          </a:p>
+          <a:p>
+            <a:pPr marL="0" indent="0">
+              <a:buNone/>
+            </a:pPr>
+            <a:endParaRPr lang="da-DK" dirty="0"/>
+          </a:p>
+        </p:txBody>
+      </p:sp>
+      <p:pic>
+        <p:nvPicPr>
+          <p:cNvPr id="5" name="Billede 4">
+            <a:extLst>
+              <a:ext uri="{FF2B5EF4-FFF2-40B4-BE49-F238E27FC236}">
+                <a16:creationId xmlns:a16="http://schemas.microsoft.com/office/drawing/2014/main" id="{21F1BE2F-AB1F-587E-BFFB-9AD977E3FFB9}"/>
+              </a:ext>
+            </a:extLst>
+          </p:cNvPr>
+          <p:cNvPicPr>
+            <a:picLocks noChangeAspect="1"/>
+          </p:cNvPicPr>
+          <p:nvPr/>
+        </p:nvPicPr>
+        <p:blipFill>
+          <a:blip r:embed="rId3"/>
+          <a:stretch>
+            <a:fillRect/>
+          </a:stretch>
+        </p:blipFill>
+        <p:spPr>
+          <a:xfrm>
+            <a:off x="942415" y="3285945"/>
+            <a:ext cx="8021169" cy="2572109"/>
+          </a:xfrm>
+          <a:prstGeom prst="rect">
+            <a:avLst/>
+          </a:prstGeom>
+        </p:spPr>
+      </p:pic>
+    </p:spTree>
+    <p:extLst>
+      <p:ext uri="{BB962C8B-B14F-4D97-AF65-F5344CB8AC3E}">
+        <p14:creationId xmlns:p14="http://schemas.microsoft.com/office/powerpoint/2010/main" val="3122419311"/>
+      </p:ext>
+    </p:extLst>
+  </p:cSld>
+  <p:clrMapOvr>
+    <a:masterClrMapping/>
+  </p:clrMapOvr>
+</p:sld>
+</file>
+
+<file path=ppt/slides/slide6.xml><?xml version="1.0" encoding="utf-8"?>
+<p:sld xmlns:a="http://schemas.openxmlformats.org/drawingml/2006/main" xmlns:r="http://schemas.openxmlformats.org/officeDocument/2006/relationships" xmlns:p="http://schemas.openxmlformats.org/presentationml/2006/main">
+  <p:cSld>
+    <p:spTree>
+      <p:nvGrpSpPr>
+        <p:cNvPr id="1" name=""/>
+        <p:cNvGrpSpPr/>
+        <p:nvPr/>
+      </p:nvGrpSpPr>
+      <p:grpSpPr>
+        <a:xfrm>
+          <a:off x="0" y="0"/>
+          <a:ext cx="0" cy="0"/>
+          <a:chOff x="0" y="0"/>
+          <a:chExt cx="0" cy="0"/>
+        </a:xfrm>
+      </p:grpSpPr>
+      <p:sp>
+        <p:nvSpPr>
+          <p:cNvPr id="2" name="Titel 1">
+            <a:extLst>
+              <a:ext uri="{FF2B5EF4-FFF2-40B4-BE49-F238E27FC236}">
+                <a16:creationId xmlns:a16="http://schemas.microsoft.com/office/drawing/2014/main" id="{C4E760B4-F063-25F6-96D4-972B577380E0}"/>
+              </a:ext>
+            </a:extLst>
+          </p:cNvPr>
+          <p:cNvSpPr>
+            <a:spLocks noGrp="1"/>
+          </p:cNvSpPr>
+          <p:nvPr>
+            <p:ph type="title"/>
+          </p:nvPr>
+        </p:nvSpPr>
+        <p:spPr>
+          <a:xfrm>
+            <a:off x="838200" y="365125"/>
+            <a:ext cx="5261919" cy="1325563"/>
+          </a:xfrm>
+        </p:spPr>
+        <p:txBody>
+          <a:bodyPr/>
+          <a:lstStyle/>
+          <a:p>
+            <a:r>
+              <a:rPr lang="da-DK" b="1" dirty="0">
+                <a:latin typeface="Neo Sans Pro" panose="020B0504030504040204" pitchFamily="34" charset="0"/>
+              </a:rPr>
+              <a:t>Database data</a:t>
+            </a:r>
+          </a:p>
+        </p:txBody>
+      </p:sp>
+      <p:sp>
+        <p:nvSpPr>
+          <p:cNvPr id="3" name="Pladsholder til indhold 2">
+            <a:extLst>
+              <a:ext uri="{FF2B5EF4-FFF2-40B4-BE49-F238E27FC236}">
+                <a16:creationId xmlns:a16="http://schemas.microsoft.com/office/drawing/2014/main" id="{27374E62-95D7-EFCB-D9AD-16084AAF067E}"/>
+              </a:ext>
+            </a:extLst>
+          </p:cNvPr>
+          <p:cNvSpPr>
+            <a:spLocks noGrp="1"/>
+          </p:cNvSpPr>
+          <p:nvPr>
+            <p:ph idx="1"/>
+          </p:nvPr>
+        </p:nvSpPr>
+        <p:spPr>
+          <a:xfrm>
+            <a:off x="834082" y="1724580"/>
+            <a:ext cx="5257800" cy="4351338"/>
+          </a:xfrm>
+        </p:spPr>
+        <p:txBody>
+          <a:bodyPr anchor="ctr">
+            <a:normAutofit fontScale="92500" lnSpcReduction="20000"/>
+          </a:bodyPr>
+          <a:lstStyle/>
+          <a:p>
+            <a:r>
+              <a:rPr lang="da-DK" dirty="0">
+                <a:latin typeface="Neo Sans Pro" panose="020B0504030504040204" pitchFamily="34" charset="0"/>
+              </a:rPr>
+              <a:t>id</a:t>
+            </a:r>
+          </a:p>
+          <a:p>
+            <a:r>
+              <a:rPr lang="da-DK" dirty="0">
+                <a:latin typeface="Neo Sans Pro" panose="020B0504030504040204" pitchFamily="34" charset="0"/>
+              </a:rPr>
+              <a:t>age</a:t>
+            </a:r>
+          </a:p>
+          <a:p>
+            <a:r>
+              <a:rPr lang="da-DK" dirty="0">
+                <a:latin typeface="Neo Sans Pro" panose="020B0504030504040204" pitchFamily="34" charset="0"/>
+              </a:rPr>
+              <a:t>sex</a:t>
+            </a:r>
+          </a:p>
+          <a:p>
+            <a:r>
+              <a:rPr lang="da-DK" dirty="0" err="1">
+                <a:latin typeface="Neo Sans Pro" panose="020B0504030504040204" pitchFamily="34" charset="0"/>
+              </a:rPr>
+              <a:t>gender</a:t>
+            </a:r>
+            <a:endParaRPr lang="da-DK" dirty="0">
+              <a:latin typeface="Neo Sans Pro" panose="020B0504030504040204" pitchFamily="34" charset="0"/>
+            </a:endParaRPr>
+          </a:p>
+          <a:p>
+            <a:r>
+              <a:rPr lang="da-DK" dirty="0">
+                <a:latin typeface="Neo Sans Pro" panose="020B0504030504040204" pitchFamily="34" charset="0"/>
+              </a:rPr>
+              <a:t>cp</a:t>
+            </a:r>
+          </a:p>
+          <a:p>
+            <a:r>
+              <a:rPr lang="da-DK" dirty="0" err="1">
+                <a:latin typeface="Neo Sans Pro" panose="020B0504030504040204" pitchFamily="34" charset="0"/>
+              </a:rPr>
+              <a:t>trestbps</a:t>
+            </a:r>
+            <a:endParaRPr lang="da-DK" dirty="0">
+              <a:latin typeface="Neo Sans Pro" panose="020B0504030504040204" pitchFamily="34" charset="0"/>
+            </a:endParaRPr>
+          </a:p>
+          <a:p>
+            <a:r>
+              <a:rPr lang="da-DK" dirty="0" err="1">
+                <a:latin typeface="Neo Sans Pro" panose="020B0504030504040204" pitchFamily="34" charset="0"/>
+              </a:rPr>
+              <a:t>chol</a:t>
+            </a:r>
+            <a:endParaRPr lang="da-DK" dirty="0">
+              <a:latin typeface="Neo Sans Pro" panose="020B0504030504040204" pitchFamily="34" charset="0"/>
+            </a:endParaRPr>
+          </a:p>
+          <a:p>
+            <a:r>
+              <a:rPr lang="da-DK" dirty="0" err="1">
+                <a:latin typeface="Neo Sans Pro" panose="020B0504030504040204" pitchFamily="34" charset="0"/>
+              </a:rPr>
+              <a:t>smoke</a:t>
+            </a:r>
+            <a:endParaRPr lang="da-DK" dirty="0">
+              <a:latin typeface="Neo Sans Pro" panose="020B0504030504040204" pitchFamily="34" charset="0"/>
+            </a:endParaRPr>
+          </a:p>
+          <a:p>
+            <a:r>
+              <a:rPr lang="da-DK" dirty="0" err="1">
+                <a:latin typeface="Neo Sans Pro" panose="020B0504030504040204" pitchFamily="34" charset="0"/>
+              </a:rPr>
+              <a:t>fbs</a:t>
+            </a:r>
+            <a:endParaRPr lang="da-DK" dirty="0">
+              <a:latin typeface="Neo Sans Pro" panose="020B0504030504040204" pitchFamily="34" charset="0"/>
+            </a:endParaRPr>
+          </a:p>
+          <a:p>
+            <a:r>
+              <a:rPr lang="da-DK" dirty="0" err="1">
+                <a:latin typeface="Neo Sans Pro" panose="020B0504030504040204" pitchFamily="34" charset="0"/>
+              </a:rPr>
+              <a:t>cvdPresent</a:t>
+            </a:r>
+            <a:endParaRPr lang="da-DK" dirty="0">
+              <a:latin typeface="Neo Sans Pro" panose="020B0504030504040204" pitchFamily="34" charset="0"/>
+            </a:endParaRPr>
+          </a:p>
+        </p:txBody>
+      </p:sp>
+      <p:sp>
+        <p:nvSpPr>
+          <p:cNvPr id="4" name="Pladsholder til indhold 2">
+            <a:extLst>
+              <a:ext uri="{FF2B5EF4-FFF2-40B4-BE49-F238E27FC236}">
+                <a16:creationId xmlns:a16="http://schemas.microsoft.com/office/drawing/2014/main" id="{26D8BCA7-7CC6-696F-B92E-B526E43E2849}"/>
+              </a:ext>
+            </a:extLst>
+          </p:cNvPr>
+          <p:cNvSpPr txBox="1">
+            <a:spLocks/>
+          </p:cNvSpPr>
+          <p:nvPr/>
+        </p:nvSpPr>
+        <p:spPr>
+          <a:xfrm>
+            <a:off x="6343135" y="1825625"/>
+            <a:ext cx="5257800" cy="4351338"/>
+          </a:xfrm>
+          <a:prstGeom prst="rect">
+            <a:avLst/>
+          </a:prstGeom>
+        </p:spPr>
+        <p:txBody>
+          <a:bodyPr vert="horz" lIns="91440" tIns="45720" rIns="91440" bIns="45720" numCol="2" rtlCol="0" anchor="ctr">
+            <a:normAutofit/>
+          </a:bodyPr>
+          <a:lstStyle>
+            <a:lvl1pPr marL="228600" indent="-228600" algn="l" defTabSz="914400" rtl="0" eaLnBrk="1" latinLnBrk="0" hangingPunct="1">
+              <a:lnSpc>
+                <a:spcPct val="90000"/>
+              </a:lnSpc>
+              <a:spcBef>
+                <a:spcPts val="1000"/>
+              </a:spcBef>
+              <a:buFont typeface="Arial" panose="020B0604020202020204" pitchFamily="34" charset="0"/>
+              <a:buChar char="•"/>
+              <a:defRPr sz="2800" kern="1200">
+                <a:solidFill>
+                  <a:schemeClr val="tx1"/>
+                </a:solidFill>
+                <a:latin typeface="+mn-lt"/>
+                <a:ea typeface="+mn-ea"/>
+                <a:cs typeface="+mn-cs"/>
+              </a:defRPr>
+            </a:lvl1pPr>
+            <a:lvl2pPr marL="685800" indent="-228600" algn="l" defTabSz="914400" rtl="0" eaLnBrk="1" latinLnBrk="0" hangingPunct="1">
+              <a:lnSpc>
+                <a:spcPct val="90000"/>
+              </a:lnSpc>
+              <a:spcBef>
+                <a:spcPts val="500"/>
+              </a:spcBef>
+              <a:buFont typeface="Arial" panose="020B0604020202020204" pitchFamily="34" charset="0"/>
+              <a:buChar char="•"/>
+              <a:defRPr sz="2400" kern="1200">
+                <a:solidFill>
+                  <a:schemeClr val="tx1"/>
+                </a:solidFill>
+                <a:latin typeface="+mn-lt"/>
+                <a:ea typeface="+mn-ea"/>
+                <a:cs typeface="+mn-cs"/>
+              </a:defRPr>
+            </a:lvl2pPr>
+            <a:lvl3pPr marL="1143000" indent="-228600" algn="l" defTabSz="914400" rtl="0" eaLnBrk="1" latinLnBrk="0" hangingPunct="1">
+              <a:lnSpc>
+                <a:spcPct val="90000"/>
+              </a:lnSpc>
+              <a:spcBef>
+                <a:spcPts val="500"/>
+              </a:spcBef>
+              <a:buFont typeface="Arial" panose="020B0604020202020204" pitchFamily="34" charset="0"/>
+              <a:buChar char="•"/>
+              <a:defRPr sz="2000" kern="1200">
+                <a:solidFill>
+                  <a:schemeClr val="tx1"/>
+                </a:solidFill>
+                <a:latin typeface="+mn-lt"/>
+                <a:ea typeface="+mn-ea"/>
+                <a:cs typeface="+mn-cs"/>
+              </a:defRPr>
+            </a:lvl3pPr>
+            <a:lvl4pPr marL="1600200" indent="-228600" algn="l" defTabSz="914400" rtl="0" eaLnBrk="1" latinLnBrk="0" hangingPunct="1">
+              <a:lnSpc>
+                <a:spcPct val="90000"/>
+              </a:lnSpc>
+              <a:spcBef>
+                <a:spcPts val="500"/>
+              </a:spcBef>
+              <a:buFont typeface="Arial" panose="020B0604020202020204" pitchFamily="34" charset="0"/>
+              <a:buChar char="•"/>
+              <a:defRPr sz="1800" kern="1200">
+                <a:solidFill>
+                  <a:schemeClr val="tx1"/>
+                </a:solidFill>
+                <a:latin typeface="+mn-lt"/>
+                <a:ea typeface="+mn-ea"/>
+                <a:cs typeface="+mn-cs"/>
+              </a:defRPr>
+            </a:lvl4pPr>
+            <a:lvl5pPr marL="2057400" indent="-228600" algn="l" defTabSz="914400" rtl="0" eaLnBrk="1" latinLnBrk="0" hangingPunct="1">
+              <a:lnSpc>
+                <a:spcPct val="90000"/>
+              </a:lnSpc>
+              <a:spcBef>
+                <a:spcPts val="500"/>
+              </a:spcBef>
+              <a:buFont typeface="Arial" panose="020B0604020202020204" pitchFamily="34" charset="0"/>
+              <a:buChar char="•"/>
+              <a:defRPr sz="1800" kern="1200">
+                <a:solidFill>
+                  <a:schemeClr val="tx1"/>
+                </a:solidFill>
+                <a:latin typeface="+mn-lt"/>
+                <a:ea typeface="+mn-ea"/>
+                <a:cs typeface="+mn-cs"/>
+              </a:defRPr>
+            </a:lvl5pPr>
+            <a:lvl6pPr marL="2514600" indent="-228600" algn="l" defTabSz="914400" rtl="0" eaLnBrk="1" latinLnBrk="0" hangingPunct="1">
+              <a:lnSpc>
+                <a:spcPct val="90000"/>
+              </a:lnSpc>
+              <a:spcBef>
+                <a:spcPts val="500"/>
+              </a:spcBef>
+              <a:buFont typeface="Arial" panose="020B0604020202020204" pitchFamily="34" charset="0"/>
+              <a:buChar char="•"/>
+              <a:defRPr sz="1800" kern="1200">
+                <a:solidFill>
+                  <a:schemeClr val="tx1"/>
+                </a:solidFill>
+                <a:latin typeface="+mn-lt"/>
+                <a:ea typeface="+mn-ea"/>
+                <a:cs typeface="+mn-cs"/>
+              </a:defRPr>
+            </a:lvl6pPr>
+            <a:lvl7pPr marL="2971800" indent="-228600" algn="l" defTabSz="914400" rtl="0" eaLnBrk="1" latinLnBrk="0" hangingPunct="1">
+              <a:lnSpc>
+                <a:spcPct val="90000"/>
+              </a:lnSpc>
+              <a:spcBef>
+                <a:spcPts val="500"/>
+              </a:spcBef>
+              <a:buFont typeface="Arial" panose="020B0604020202020204" pitchFamily="34" charset="0"/>
+              <a:buChar char="•"/>
+              <a:defRPr sz="1800" kern="1200">
+                <a:solidFill>
+                  <a:schemeClr val="tx1"/>
+                </a:solidFill>
+                <a:latin typeface="+mn-lt"/>
+                <a:ea typeface="+mn-ea"/>
+                <a:cs typeface="+mn-cs"/>
+              </a:defRPr>
+            </a:lvl7pPr>
+            <a:lvl8pPr marL="3429000" indent="-228600" algn="l" defTabSz="914400" rtl="0" eaLnBrk="1" latinLnBrk="0" hangingPunct="1">
+              <a:lnSpc>
+                <a:spcPct val="90000"/>
+              </a:lnSpc>
+              <a:spcBef>
+                <a:spcPts val="500"/>
+              </a:spcBef>
+              <a:buFont typeface="Arial" panose="020B0604020202020204" pitchFamily="34" charset="0"/>
+              <a:buChar char="•"/>
+              <a:defRPr sz="1800" kern="1200">
+                <a:solidFill>
+                  <a:schemeClr val="tx1"/>
+                </a:solidFill>
+                <a:latin typeface="+mn-lt"/>
+                <a:ea typeface="+mn-ea"/>
+                <a:cs typeface="+mn-cs"/>
+              </a:defRPr>
+            </a:lvl8pPr>
+            <a:lvl9pPr marL="3886200" indent="-228600" algn="l" defTabSz="914400" rtl="0" eaLnBrk="1" latinLnBrk="0" hangingPunct="1">
+              <a:lnSpc>
+                <a:spcPct val="90000"/>
+              </a:lnSpc>
+              <a:spcBef>
+                <a:spcPts val="500"/>
+              </a:spcBef>
+              <a:buFont typeface="Arial" panose="020B0604020202020204" pitchFamily="34" charset="0"/>
+              <a:buChar char="•"/>
+              <a:defRPr sz="1800" kern="1200">
+                <a:solidFill>
+                  <a:schemeClr val="tx1"/>
+                </a:solidFill>
+                <a:latin typeface="+mn-lt"/>
+                <a:ea typeface="+mn-ea"/>
+                <a:cs typeface="+mn-cs"/>
+              </a:defRPr>
+            </a:lvl9pPr>
+          </a:lstStyle>
+          <a:p>
+            <a:r>
+              <a:rPr lang="da-DK" dirty="0">
+                <a:latin typeface="Neo Sans Pro" panose="020B0504030504040204" pitchFamily="34" charset="0"/>
+              </a:rPr>
+              <a:t>id</a:t>
+            </a:r>
+          </a:p>
+          <a:p>
+            <a:r>
+              <a:rPr lang="da-DK" dirty="0">
+                <a:latin typeface="Neo Sans Pro" panose="020B0504030504040204" pitchFamily="34" charset="0"/>
+              </a:rPr>
+              <a:t>age</a:t>
+            </a:r>
+          </a:p>
+          <a:p>
+            <a:r>
+              <a:rPr lang="da-DK" dirty="0">
+                <a:latin typeface="Neo Sans Pro" panose="020B0504030504040204" pitchFamily="34" charset="0"/>
+              </a:rPr>
+              <a:t>sex</a:t>
+            </a:r>
+          </a:p>
+          <a:p>
+            <a:r>
+              <a:rPr lang="da-DK" dirty="0" err="1">
+                <a:latin typeface="Neo Sans Pro" panose="020B0504030504040204" pitchFamily="34" charset="0"/>
+              </a:rPr>
+              <a:t>gender</a:t>
+            </a:r>
+            <a:endParaRPr lang="da-DK" dirty="0">
+              <a:latin typeface="Neo Sans Pro" panose="020B0504030504040204" pitchFamily="34" charset="0"/>
+            </a:endParaRPr>
+          </a:p>
+          <a:p>
+            <a:r>
+              <a:rPr lang="da-DK" dirty="0" err="1">
+                <a:latin typeface="Neo Sans Pro" panose="020B0504030504040204" pitchFamily="34" charset="0"/>
+              </a:rPr>
+              <a:t>height</a:t>
+            </a:r>
+            <a:endParaRPr lang="da-DK" dirty="0">
+              <a:latin typeface="Neo Sans Pro" panose="020B0504030504040204" pitchFamily="34" charset="0"/>
+            </a:endParaRPr>
+          </a:p>
+          <a:p>
+            <a:r>
+              <a:rPr lang="da-DK" dirty="0" err="1">
+                <a:latin typeface="Neo Sans Pro" panose="020B0504030504040204" pitchFamily="34" charset="0"/>
+              </a:rPr>
+              <a:t>weight</a:t>
+            </a:r>
+            <a:endParaRPr lang="da-DK" dirty="0">
+              <a:latin typeface="Neo Sans Pro" panose="020B0504030504040204" pitchFamily="34" charset="0"/>
+            </a:endParaRPr>
+          </a:p>
+          <a:p>
+            <a:r>
+              <a:rPr lang="da-DK" dirty="0" err="1">
+                <a:latin typeface="Neo Sans Pro" panose="020B0504030504040204" pitchFamily="34" charset="0"/>
+              </a:rPr>
+              <a:t>ap_hi</a:t>
+            </a:r>
+            <a:endParaRPr lang="da-DK" dirty="0">
+              <a:latin typeface="Neo Sans Pro" panose="020B0504030504040204" pitchFamily="34" charset="0"/>
+            </a:endParaRPr>
+          </a:p>
+          <a:p>
+            <a:r>
+              <a:rPr lang="da-DK" dirty="0" err="1">
+                <a:latin typeface="Neo Sans Pro" panose="020B0504030504040204" pitchFamily="34" charset="0"/>
+              </a:rPr>
+              <a:t>ap_lo</a:t>
+            </a:r>
+            <a:endParaRPr lang="da-DK" dirty="0">
+              <a:latin typeface="Neo Sans Pro" panose="020B0504030504040204" pitchFamily="34" charset="0"/>
+            </a:endParaRPr>
+          </a:p>
+          <a:p>
+            <a:r>
+              <a:rPr lang="da-DK" dirty="0" err="1">
+                <a:latin typeface="Neo Sans Pro" panose="020B0504030504040204" pitchFamily="34" charset="0"/>
+              </a:rPr>
+              <a:t>ap_mean</a:t>
+            </a:r>
+            <a:endParaRPr lang="da-DK" dirty="0">
+              <a:latin typeface="Neo Sans Pro" panose="020B0504030504040204" pitchFamily="34" charset="0"/>
+            </a:endParaRPr>
+          </a:p>
+          <a:p>
+            <a:r>
+              <a:rPr lang="da-DK" dirty="0" err="1">
+                <a:latin typeface="Neo Sans Pro" panose="020B0504030504040204" pitchFamily="34" charset="0"/>
+              </a:rPr>
+              <a:t>chol</a:t>
+            </a:r>
+            <a:endParaRPr lang="da-DK" dirty="0">
+              <a:latin typeface="Neo Sans Pro" panose="020B0504030504040204" pitchFamily="34" charset="0"/>
+            </a:endParaRPr>
+          </a:p>
+          <a:p>
+            <a:r>
+              <a:rPr lang="da-DK" dirty="0" err="1">
+                <a:latin typeface="Neo Sans Pro" panose="020B0504030504040204" pitchFamily="34" charset="0"/>
+              </a:rPr>
+              <a:t>alco</a:t>
+            </a:r>
+            <a:endParaRPr lang="da-DK" dirty="0">
+              <a:latin typeface="Neo Sans Pro" panose="020B0504030504040204" pitchFamily="34" charset="0"/>
+            </a:endParaRPr>
+          </a:p>
+          <a:p>
+            <a:r>
+              <a:rPr lang="da-DK" dirty="0">
+                <a:latin typeface="Neo Sans Pro" panose="020B0504030504040204" pitchFamily="34" charset="0"/>
+              </a:rPr>
+              <a:t>bmi</a:t>
+            </a:r>
+          </a:p>
+          <a:p>
+            <a:r>
+              <a:rPr lang="da-DK" dirty="0" err="1">
+                <a:latin typeface="Neo Sans Pro" panose="020B0504030504040204" pitchFamily="34" charset="0"/>
+              </a:rPr>
+              <a:t>cvdPresent</a:t>
+            </a:r>
+            <a:endParaRPr lang="da-DK" dirty="0">
+              <a:latin typeface="Neo Sans Pro" panose="020B0504030504040204" pitchFamily="34" charset="0"/>
+            </a:endParaRPr>
+          </a:p>
+        </p:txBody>
+      </p:sp>
+      <p:cxnSp>
+        <p:nvCxnSpPr>
+          <p:cNvPr id="6" name="Lige forbindelse 5">
+            <a:extLst>
+              <a:ext uri="{FF2B5EF4-FFF2-40B4-BE49-F238E27FC236}">
+                <a16:creationId xmlns:a16="http://schemas.microsoft.com/office/drawing/2014/main" id="{0AEE840A-34BF-AFCA-4ECA-61A0D7B0AE03}"/>
+              </a:ext>
+            </a:extLst>
+          </p:cNvPr>
+          <p:cNvCxnSpPr/>
+          <p:nvPr/>
+        </p:nvCxnSpPr>
+        <p:spPr>
+          <a:xfrm>
+            <a:off x="6100119" y="1578062"/>
+            <a:ext cx="0" cy="4598901"/>
+          </a:xfrm>
+          <a:prstGeom prst="line">
+            <a:avLst/>
+          </a:prstGeom>
+          <a:ln w="28575"/>
+        </p:spPr>
+        <p:style>
+          <a:lnRef idx="1">
+            <a:schemeClr val="dk1"/>
+          </a:lnRef>
+          <a:fillRef idx="0">
+            <a:schemeClr val="dk1"/>
+          </a:fillRef>
+          <a:effectRef idx="0">
+            <a:schemeClr val="dk1"/>
+          </a:effectRef>
+          <a:fontRef idx="minor">
+            <a:schemeClr val="tx1"/>
+          </a:fontRef>
+        </p:style>
+      </p:cxnSp>
+      <p:sp>
+        <p:nvSpPr>
+          <p:cNvPr id="7" name="Titel 1">
+            <a:extLst>
+              <a:ext uri="{FF2B5EF4-FFF2-40B4-BE49-F238E27FC236}">
+                <a16:creationId xmlns:a16="http://schemas.microsoft.com/office/drawing/2014/main" id="{1EA2CB98-B5C2-4A32-103F-3AFE4ECC8836}"/>
+              </a:ext>
+            </a:extLst>
+          </p:cNvPr>
+          <p:cNvSpPr txBox="1">
+            <a:spLocks/>
+          </p:cNvSpPr>
+          <p:nvPr/>
+        </p:nvSpPr>
+        <p:spPr>
+          <a:xfrm>
+            <a:off x="6093940" y="365124"/>
+            <a:ext cx="5261919" cy="1325563"/>
+          </a:xfrm>
+          <a:prstGeom prst="rect">
+            <a:avLst/>
+          </a:prstGeom>
+        </p:spPr>
+        <p:txBody>
+          <a:bodyPr vert="horz" lIns="91440" tIns="45720" rIns="91440" bIns="45720" rtlCol="0" anchor="ctr">
+            <a:normAutofit/>
+          </a:bodyPr>
+          <a:lstStyle>
+            <a:lvl1pPr algn="l" defTabSz="914400" rtl="0" eaLnBrk="1" latinLnBrk="0" hangingPunct="1">
+              <a:lnSpc>
+                <a:spcPct val="90000"/>
+              </a:lnSpc>
+              <a:spcBef>
+                <a:spcPct val="0"/>
+              </a:spcBef>
+              <a:buNone/>
+              <a:defRPr sz="4400" kern="1200">
+                <a:solidFill>
+                  <a:schemeClr val="tx1"/>
+                </a:solidFill>
+                <a:latin typeface="+mj-lt"/>
+                <a:ea typeface="+mj-ea"/>
+                <a:cs typeface="+mj-cs"/>
+              </a:defRPr>
+            </a:lvl1pPr>
+          </a:lstStyle>
+          <a:p>
+            <a:r>
+              <a:rPr lang="da-DK" b="1" dirty="0" err="1">
+                <a:latin typeface="Neo Sans Pro" panose="020B0504030504040204" pitchFamily="34" charset="0"/>
+              </a:rPr>
+              <a:t>Combined</a:t>
+            </a:r>
+            <a:r>
+              <a:rPr lang="da-DK" b="1" dirty="0">
+                <a:latin typeface="Neo Sans Pro" panose="020B0504030504040204" pitchFamily="34" charset="0"/>
+              </a:rPr>
+              <a:t> data</a:t>
+            </a:r>
+          </a:p>
+        </p:txBody>
+      </p:sp>
+    </p:spTree>
+    <p:extLst>
+      <p:ext uri="{BB962C8B-B14F-4D97-AF65-F5344CB8AC3E}">
+        <p14:creationId xmlns:p14="http://schemas.microsoft.com/office/powerpoint/2010/main" val="3956515456"/>
+      </p:ext>
+    </p:extLst>
+  </p:cSld>
+  <p:clrMapOvr>
+    <a:masterClrMapping/>
+  </p:clrMapOvr>
+</p:sld>
+</file>
+
+<file path=ppt/slides/slide7.xml><?xml version="1.0" encoding="utf-8"?>
+<p:sld xmlns:a="http://schemas.openxmlformats.org/drawingml/2006/main" xmlns:r="http://schemas.openxmlformats.org/officeDocument/2006/relationships" xmlns:p="http://schemas.openxmlformats.org/presentationml/2006/main" show="0">
+  <p:cSld>
+    <p:spTree>
+      <p:nvGrpSpPr>
+        <p:cNvPr id="1" name=""/>
+        <p:cNvGrpSpPr/>
+        <p:nvPr/>
+      </p:nvGrpSpPr>
+      <p:grpSpPr>
+        <a:xfrm>
+          <a:off x="0" y="0"/>
+          <a:ext cx="0" cy="0"/>
+          <a:chOff x="0" y="0"/>
+          <a:chExt cx="0" cy="0"/>
+        </a:xfrm>
+      </p:grpSpPr>
+      <p:sp>
+        <p:nvSpPr>
+          <p:cNvPr id="2" name="Titel 1">
+            <a:extLst>
+              <a:ext uri="{FF2B5EF4-FFF2-40B4-BE49-F238E27FC236}">
+                <a16:creationId xmlns:a16="http://schemas.microsoft.com/office/drawing/2014/main" id="{FCA0F344-C894-2A2D-C1DD-E03E52F9E32D}"/>
+              </a:ext>
+            </a:extLst>
+          </p:cNvPr>
+          <p:cNvSpPr>
+            <a:spLocks noGrp="1"/>
+          </p:cNvSpPr>
+          <p:nvPr>
+            <p:ph type="title"/>
+          </p:nvPr>
+        </p:nvSpPr>
+        <p:spPr>
+          <a:xfrm>
+            <a:off x="838200" y="2766218"/>
+            <a:ext cx="10515600" cy="1325563"/>
+          </a:xfrm>
+        </p:spPr>
+        <p:txBody>
+          <a:bodyPr>
+            <a:normAutofit/>
+          </a:bodyPr>
+          <a:lstStyle/>
+          <a:p>
+            <a:r>
+              <a:rPr lang="da-DK" sz="4800" dirty="0">
+                <a:latin typeface="Neo Sans Pro" panose="020B0504030504040204" pitchFamily="34" charset="0"/>
+              </a:rPr>
+              <a:t>The </a:t>
+            </a:r>
+            <a:r>
+              <a:rPr lang="da-DK" sz="4800" dirty="0" err="1">
+                <a:latin typeface="Neo Sans Pro" panose="020B0504030504040204" pitchFamily="34" charset="0"/>
+              </a:rPr>
+              <a:t>Shiny</a:t>
+            </a:r>
+            <a:r>
+              <a:rPr lang="da-DK" sz="4800" dirty="0">
+                <a:latin typeface="Neo Sans Pro" panose="020B0504030504040204" pitchFamily="34" charset="0"/>
+              </a:rPr>
+              <a:t> </a:t>
+            </a:r>
+            <a:r>
+              <a:rPr lang="da-DK" sz="4800" dirty="0" err="1">
+                <a:latin typeface="Neo Sans Pro" panose="020B0504030504040204" pitchFamily="34" charset="0"/>
+              </a:rPr>
+              <a:t>application</a:t>
+            </a:r>
+            <a:endParaRPr lang="da-DK" sz="4800" dirty="0"/>
+          </a:p>
+        </p:txBody>
+      </p:sp>
+      <p:cxnSp>
+        <p:nvCxnSpPr>
+          <p:cNvPr id="4" name="Lige forbindelse 3">
+            <a:extLst>
+              <a:ext uri="{FF2B5EF4-FFF2-40B4-BE49-F238E27FC236}">
+                <a16:creationId xmlns:a16="http://schemas.microsoft.com/office/drawing/2014/main" id="{58B6E535-57D9-E75E-A8BB-234B509839BB}"/>
+              </a:ext>
+            </a:extLst>
+          </p:cNvPr>
+          <p:cNvCxnSpPr>
+            <a:cxnSpLocks/>
+          </p:cNvCxnSpPr>
+          <p:nvPr/>
+        </p:nvCxnSpPr>
+        <p:spPr>
+          <a:xfrm>
+            <a:off x="912259" y="3763071"/>
+            <a:ext cx="10367481" cy="0"/>
+          </a:xfrm>
+          <a:prstGeom prst="line">
+            <a:avLst/>
+          </a:prstGeom>
+          <a:ln w="28575">
+            <a:solidFill>
+              <a:schemeClr val="tx1"/>
+            </a:solidFill>
+          </a:ln>
+        </p:spPr>
+        <p:style>
+          <a:lnRef idx="1">
+            <a:schemeClr val="accent1"/>
+          </a:lnRef>
+          <a:fillRef idx="0">
+            <a:schemeClr val="accent1"/>
+          </a:fillRef>
+          <a:effectRef idx="0">
+            <a:schemeClr val="accent1"/>
+          </a:effectRef>
+          <a:fontRef idx="minor">
+            <a:schemeClr val="tx1"/>
+          </a:fontRef>
+        </p:style>
+      </p:cxnSp>
+    </p:spTree>
+    <p:extLst>
+      <p:ext uri="{BB962C8B-B14F-4D97-AF65-F5344CB8AC3E}">
+        <p14:creationId xmlns:p14="http://schemas.microsoft.com/office/powerpoint/2010/main" val="4224110121"/>
+      </p:ext>
+    </p:extLst>
+  </p:cSld>
+  <p:clrMapOvr>
+    <a:masterClrMapping/>
+  </p:clrMapOvr>
+</p:sld>
+</file>
+
+<file path=ppt/slides/slide8.xml><?xml version="1.0" encoding="utf-8"?>
+<p:sld xmlns:a="http://schemas.openxmlformats.org/drawingml/2006/main" xmlns:r="http://schemas.openxmlformats.org/officeDocument/2006/relationships" xmlns:p="http://schemas.openxmlformats.org/presentationml/2006/main">
+  <p:cSld>
+    <p:spTree>
+      <p:nvGrpSpPr>
+        <p:cNvPr id="1" name=""/>
+        <p:cNvGrpSpPr/>
+        <p:nvPr/>
+      </p:nvGrpSpPr>
+      <p:grpSpPr>
+        <a:xfrm>
+          <a:off x="0" y="0"/>
+          <a:ext cx="0" cy="0"/>
+          <a:chOff x="0" y="0"/>
+          <a:chExt cx="0" cy="0"/>
+        </a:xfrm>
+      </p:grpSpPr>
+      <p:sp>
+        <p:nvSpPr>
+          <p:cNvPr id="2" name="Titel 1">
+            <a:extLst>
+              <a:ext uri="{FF2B5EF4-FFF2-40B4-BE49-F238E27FC236}">
+                <a16:creationId xmlns:a16="http://schemas.microsoft.com/office/drawing/2014/main" id="{17470797-AB5C-E773-4BB2-A7D2F9D068C3}"/>
+              </a:ext>
+            </a:extLst>
+          </p:cNvPr>
+          <p:cNvSpPr>
+            <a:spLocks noGrp="1"/>
+          </p:cNvSpPr>
+          <p:nvPr>
+            <p:ph type="title"/>
+          </p:nvPr>
+        </p:nvSpPr>
+        <p:spPr/>
+        <p:txBody>
+          <a:bodyPr/>
+          <a:lstStyle/>
+          <a:p>
+            <a:r>
+              <a:rPr lang="da-DK" b="1" dirty="0">
+                <a:latin typeface="Neo Sans Pro" panose="020B0504030504040204" pitchFamily="34" charset="0"/>
+              </a:rPr>
+              <a:t>The </a:t>
+            </a:r>
+            <a:r>
+              <a:rPr lang="da-DK" b="1" dirty="0" err="1">
+                <a:latin typeface="Neo Sans Pro" panose="020B0504030504040204" pitchFamily="34" charset="0"/>
+              </a:rPr>
+              <a:t>Shiny</a:t>
+            </a:r>
+            <a:r>
+              <a:rPr lang="da-DK" b="1" dirty="0">
+                <a:latin typeface="Neo Sans Pro" panose="020B0504030504040204" pitchFamily="34" charset="0"/>
+              </a:rPr>
+              <a:t> </a:t>
+            </a:r>
+            <a:r>
+              <a:rPr lang="da-DK" b="1" dirty="0" err="1">
+                <a:latin typeface="Neo Sans Pro" panose="020B0504030504040204" pitchFamily="34" charset="0"/>
+              </a:rPr>
+              <a:t>application</a:t>
+            </a:r>
+            <a:endParaRPr lang="da-DK" b="1" dirty="0">
+              <a:latin typeface="Neo Sans Pro" panose="020B0504030504040204" pitchFamily="34" charset="0"/>
+            </a:endParaRPr>
+          </a:p>
+        </p:txBody>
+      </p:sp>
+      <p:sp>
+        <p:nvSpPr>
+          <p:cNvPr id="3" name="Pladsholder til indhold 2">
+            <a:extLst>
+              <a:ext uri="{FF2B5EF4-FFF2-40B4-BE49-F238E27FC236}">
+                <a16:creationId xmlns:a16="http://schemas.microsoft.com/office/drawing/2014/main" id="{C3AD7377-00CA-4727-84FA-32FA832DD2AC}"/>
+              </a:ext>
+            </a:extLst>
+          </p:cNvPr>
+          <p:cNvSpPr>
+            <a:spLocks noGrp="1"/>
+          </p:cNvSpPr>
+          <p:nvPr>
+            <p:ph idx="1"/>
+          </p:nvPr>
+        </p:nvSpPr>
+        <p:spPr/>
+        <p:txBody>
+          <a:bodyPr>
+            <a:normAutofit lnSpcReduction="10000"/>
+          </a:bodyPr>
+          <a:lstStyle/>
+          <a:p>
+            <a:pPr marL="0" indent="0">
+              <a:buNone/>
+            </a:pPr>
+            <a:r>
+              <a:rPr lang="da-DK" dirty="0" err="1">
+                <a:latin typeface="Neo Sans Pro" panose="020B0504030504040204" pitchFamily="34" charset="0"/>
+              </a:rPr>
+              <a:t>Followed</a:t>
+            </a:r>
+            <a:r>
+              <a:rPr lang="da-DK" dirty="0">
+                <a:latin typeface="Neo Sans Pro" panose="020B0504030504040204" pitchFamily="34" charset="0"/>
+              </a:rPr>
+              <a:t> </a:t>
+            </a:r>
+            <a:r>
+              <a:rPr lang="da-DK" b="1" dirty="0">
+                <a:latin typeface="Neo Sans Pro" panose="020B0504030504040204" pitchFamily="34" charset="0"/>
+                <a:hlinkClick r:id="rId2">
+                  <a:extLst>
+                    <a:ext uri="{A12FA001-AC4F-418D-AE19-62706E023703}">
+                      <ahyp:hlinkClr xmlns:ahyp="http://schemas.microsoft.com/office/drawing/2018/hyperlinkcolor" val="tx"/>
+                    </a:ext>
+                  </a:extLst>
+                </a:hlinkClick>
+              </a:rPr>
+              <a:t>Mastering</a:t>
+            </a:r>
+            <a:r>
+              <a:rPr lang="da-DK" b="1" dirty="0">
+                <a:solidFill>
+                  <a:srgbClr val="0563C1"/>
+                </a:solidFill>
+                <a:latin typeface="Neo Sans Pro" panose="020B0504030504040204" pitchFamily="34" charset="0"/>
+                <a:hlinkClick r:id="rId2">
+                  <a:extLst>
+                    <a:ext uri="{A12FA001-AC4F-418D-AE19-62706E023703}">
+                      <ahyp:hlinkClr xmlns:ahyp="http://schemas.microsoft.com/office/drawing/2018/hyperlinkcolor" val="tx"/>
+                    </a:ext>
+                  </a:extLst>
+                </a:hlinkClick>
+              </a:rPr>
+              <a:t> </a:t>
+            </a:r>
+            <a:r>
+              <a:rPr lang="da-DK" b="1" dirty="0" err="1">
+                <a:latin typeface="Neo Sans Pro" panose="020B0504030504040204" pitchFamily="34" charset="0"/>
+                <a:hlinkClick r:id="rId2">
+                  <a:extLst>
+                    <a:ext uri="{A12FA001-AC4F-418D-AE19-62706E023703}">
+                      <ahyp:hlinkClr xmlns:ahyp="http://schemas.microsoft.com/office/drawing/2018/hyperlinkcolor" val="tx"/>
+                    </a:ext>
+                  </a:extLst>
+                </a:hlinkClick>
+              </a:rPr>
+              <a:t>Shiny</a:t>
+            </a:r>
+            <a:r>
+              <a:rPr lang="da-DK" b="1" dirty="0">
+                <a:latin typeface="Neo Sans Pro" panose="020B0504030504040204" pitchFamily="34" charset="0"/>
+              </a:rPr>
+              <a:t> </a:t>
+            </a:r>
+            <a:r>
+              <a:rPr lang="da-DK" dirty="0">
+                <a:latin typeface="Neo Sans Pro" panose="020B0504030504040204" pitchFamily="34" charset="0"/>
+              </a:rPr>
+              <a:t>book</a:t>
+            </a:r>
+            <a:endParaRPr lang="da-DK" b="1" dirty="0">
+              <a:latin typeface="Neo Sans Pro" panose="020B0504030504040204" pitchFamily="34" charset="0"/>
+            </a:endParaRPr>
+          </a:p>
+          <a:p>
+            <a:pPr marL="0" indent="0">
+              <a:buNone/>
+            </a:pPr>
+            <a:r>
+              <a:rPr lang="da-DK" dirty="0" err="1">
+                <a:latin typeface="Neo Sans Pro" panose="020B0504030504040204" pitchFamily="34" charset="0"/>
+              </a:rPr>
+              <a:t>Created</a:t>
+            </a:r>
+            <a:r>
+              <a:rPr lang="da-DK" dirty="0">
+                <a:latin typeface="Neo Sans Pro" panose="020B0504030504040204" pitchFamily="34" charset="0"/>
+              </a:rPr>
+              <a:t> a </a:t>
+            </a:r>
+            <a:r>
+              <a:rPr lang="da-DK" dirty="0" err="1">
+                <a:latin typeface="Neo Sans Pro" panose="020B0504030504040204" pitchFamily="34" charset="0"/>
+              </a:rPr>
+              <a:t>shiny</a:t>
+            </a:r>
+            <a:r>
+              <a:rPr lang="da-DK" dirty="0">
+                <a:latin typeface="Neo Sans Pro" panose="020B0504030504040204" pitchFamily="34" charset="0"/>
+              </a:rPr>
+              <a:t> with top </a:t>
+            </a:r>
+            <a:r>
+              <a:rPr lang="da-DK" dirty="0" err="1">
+                <a:latin typeface="Neo Sans Pro" panose="020B0504030504040204" pitchFamily="34" charset="0"/>
+              </a:rPr>
+              <a:t>level</a:t>
+            </a:r>
+            <a:r>
+              <a:rPr lang="da-DK" dirty="0">
+                <a:latin typeface="Neo Sans Pro" panose="020B0504030504040204" pitchFamily="34" charset="0"/>
+              </a:rPr>
+              <a:t> navigation bar to </a:t>
+            </a:r>
+            <a:r>
+              <a:rPr lang="da-DK" dirty="0" err="1">
+                <a:latin typeface="Neo Sans Pro" panose="020B0504030504040204" pitchFamily="34" charset="0"/>
+              </a:rPr>
+              <a:t>toggle</a:t>
+            </a:r>
+            <a:r>
+              <a:rPr lang="da-DK" dirty="0">
+                <a:latin typeface="Neo Sans Pro" panose="020B0504030504040204" pitchFamily="34" charset="0"/>
+              </a:rPr>
+              <a:t> 4 </a:t>
+            </a:r>
+            <a:r>
+              <a:rPr lang="da-DK" dirty="0" err="1">
+                <a:latin typeface="Neo Sans Pro" panose="020B0504030504040204" pitchFamily="34" charset="0"/>
+              </a:rPr>
+              <a:t>different</a:t>
+            </a:r>
+            <a:r>
+              <a:rPr lang="da-DK" dirty="0">
+                <a:latin typeface="Neo Sans Pro" panose="020B0504030504040204" pitchFamily="34" charset="0"/>
+              </a:rPr>
+              <a:t> taps:</a:t>
+            </a:r>
+          </a:p>
+          <a:p>
+            <a:r>
+              <a:rPr lang="da-DK" dirty="0">
+                <a:latin typeface="Neo Sans Pro" panose="020B0504030504040204" pitchFamily="34" charset="0"/>
+              </a:rPr>
+              <a:t>Data information</a:t>
+            </a:r>
+          </a:p>
+          <a:p>
+            <a:pPr lvl="1"/>
+            <a:r>
+              <a:rPr lang="da-DK" dirty="0" err="1">
+                <a:latin typeface="Neo Sans Pro" panose="020B0504030504040204" pitchFamily="34" charset="0"/>
+              </a:rPr>
+              <a:t>About</a:t>
+            </a:r>
+            <a:r>
+              <a:rPr lang="da-DK" dirty="0">
+                <a:latin typeface="Neo Sans Pro" panose="020B0504030504040204" pitchFamily="34" charset="0"/>
+              </a:rPr>
+              <a:t> </a:t>
+            </a:r>
+            <a:r>
+              <a:rPr lang="da-DK" dirty="0" err="1">
+                <a:latin typeface="Neo Sans Pro" panose="020B0504030504040204" pitchFamily="34" charset="0"/>
+              </a:rPr>
+              <a:t>cardiovascular</a:t>
+            </a:r>
+            <a:r>
+              <a:rPr lang="da-DK" dirty="0">
+                <a:latin typeface="Neo Sans Pro" panose="020B0504030504040204" pitchFamily="34" charset="0"/>
+              </a:rPr>
+              <a:t> </a:t>
+            </a:r>
+            <a:r>
+              <a:rPr lang="da-DK" dirty="0" err="1">
+                <a:latin typeface="Neo Sans Pro" panose="020B0504030504040204" pitchFamily="34" charset="0"/>
+              </a:rPr>
+              <a:t>disease</a:t>
+            </a:r>
+            <a:r>
+              <a:rPr lang="da-DK" dirty="0">
+                <a:latin typeface="Neo Sans Pro" panose="020B0504030504040204" pitchFamily="34" charset="0"/>
+              </a:rPr>
+              <a:t> (CVD)</a:t>
+            </a:r>
+          </a:p>
+          <a:p>
+            <a:pPr lvl="1"/>
+            <a:r>
+              <a:rPr lang="da-DK" dirty="0">
+                <a:latin typeface="Neo Sans Pro" panose="020B0504030504040204" pitchFamily="34" charset="0"/>
+              </a:rPr>
+              <a:t>The data</a:t>
+            </a:r>
+          </a:p>
+          <a:p>
+            <a:pPr lvl="1"/>
+            <a:r>
+              <a:rPr lang="da-DK" dirty="0" err="1">
+                <a:latin typeface="Neo Sans Pro" panose="020B0504030504040204" pitchFamily="34" charset="0"/>
+              </a:rPr>
+              <a:t>Pre-processing</a:t>
+            </a:r>
+            <a:endParaRPr lang="da-DK" dirty="0">
+              <a:latin typeface="Neo Sans Pro" panose="020B0504030504040204" pitchFamily="34" charset="0"/>
+            </a:endParaRPr>
+          </a:p>
+          <a:p>
+            <a:r>
+              <a:rPr lang="da-DK" dirty="0">
+                <a:latin typeface="Neo Sans Pro" panose="020B0504030504040204" pitchFamily="34" charset="0"/>
+              </a:rPr>
+              <a:t>Data</a:t>
+            </a:r>
+          </a:p>
+          <a:p>
+            <a:r>
+              <a:rPr lang="da-DK" dirty="0" err="1">
+                <a:latin typeface="Neo Sans Pro" panose="020B0504030504040204" pitchFamily="34" charset="0"/>
+              </a:rPr>
+              <a:t>Visualization</a:t>
+            </a:r>
+            <a:endParaRPr lang="da-DK" dirty="0">
+              <a:latin typeface="Neo Sans Pro" panose="020B0504030504040204" pitchFamily="34" charset="0"/>
+            </a:endParaRPr>
+          </a:p>
+          <a:p>
+            <a:r>
+              <a:rPr lang="da-DK" dirty="0">
+                <a:latin typeface="Neo Sans Pro" panose="020B0504030504040204" pitchFamily="34" charset="0"/>
+              </a:rPr>
+              <a:t>Models</a:t>
+            </a:r>
+          </a:p>
+        </p:txBody>
+      </p:sp>
+    </p:spTree>
+    <p:extLst>
+      <p:ext uri="{BB962C8B-B14F-4D97-AF65-F5344CB8AC3E}">
+        <p14:creationId xmlns:p14="http://schemas.microsoft.com/office/powerpoint/2010/main" val="3260655191"/>
       </p:ext>
     </p:extLst>
   </p:cSld>
@@ -7654,10 +9703,69 @@
       </p:grpSpPr>
       <p:sp>
         <p:nvSpPr>
+          <p:cNvPr id="14" name="Rektangel: afrundede hjørner 13">
+            <a:extLst>
+              <a:ext uri="{FF2B5EF4-FFF2-40B4-BE49-F238E27FC236}">
+                <a16:creationId xmlns:a16="http://schemas.microsoft.com/office/drawing/2014/main" id="{E946254C-69E8-2DFD-3F72-C92A81266B45}"/>
+              </a:ext>
+            </a:extLst>
+          </p:cNvPr>
+          <p:cNvSpPr/>
+          <p:nvPr/>
+        </p:nvSpPr>
+        <p:spPr>
+          <a:xfrm>
+            <a:off x="965770" y="3020603"/>
+            <a:ext cx="10233060" cy="3441841"/>
+          </a:xfrm>
+          <a:prstGeom prst="roundRect">
+            <a:avLst>
+              <a:gd name="adj" fmla="val 5955"/>
+            </a:avLst>
+          </a:prstGeom>
+          <a:solidFill>
+            <a:schemeClr val="tx2">
+              <a:lumMod val="40000"/>
+              <a:lumOff val="60000"/>
+            </a:schemeClr>
+          </a:solidFill>
+          <a:ln w="28575">
+            <a:solidFill>
+              <a:srgbClr val="5B779A"/>
+            </a:solidFill>
+          </a:ln>
+        </p:spPr>
+        <p:style>
+          <a:lnRef idx="2">
+            <a:schemeClr val="accent1">
+              <a:shade val="15000"/>
+            </a:schemeClr>
+          </a:lnRef>
+          <a:fillRef idx="1">
+            <a:schemeClr val="accent1"/>
+          </a:fillRef>
+          <a:effectRef idx="0">
+            <a:schemeClr val="accent1"/>
+          </a:effectRef>
+          <a:fontRef idx="minor">
+            <a:schemeClr val="lt1"/>
+          </a:fontRef>
+        </p:style>
+        <p:txBody>
+          <a:bodyPr rtlCol="0" anchor="ctr"/>
+          <a:lstStyle/>
+          <a:p>
+            <a:pPr algn="ctr"/>
+            <a:endParaRPr lang="da-DK"/>
+          </a:p>
+        </p:txBody>
+      </p:sp>
+      <p:sp>
+        <p:nvSpPr>
           <p:cNvPr id="2" name="Titel 1">
             <a:extLst>
               <a:ext uri="{FF2B5EF4-FFF2-40B4-BE49-F238E27FC236}">
-                <a16:creationId xmlns:a16="http://schemas.microsoft.com/office/drawing/2014/main" id="{EFCC5CB8-BD1D-8126-2CC1-8EC13753BCA3}"/>
+                <a16:creationId xmlns:a16="http://schemas.microsoft.com/office/drawing/2014/main" id="{17470797-AB5C-E773-4BB2-A7D2F9D068C3}"/>
               </a:ext>
             </a:extLst>
           </p:cNvPr>
@@ -7674,95 +9782,593 @@
           <a:lstStyle/>
           <a:p>
             <a:r>
-              <a:rPr lang="da-DK" dirty="0">
-                <a:latin typeface="Neo Sans Pro" panose="020B0504030504040204" pitchFamily="34" charset="0"/>
-              </a:rPr>
-              <a:t>Data information</a:t>
-            </a:r>
-          </a:p>
-        </p:txBody>
-      </p:sp>
-      <p:sp>
-        <p:nvSpPr>
-          <p:cNvPr id="3" name="Pladsholder til indhold 2">
-            <a:extLst>
-              <a:ext uri="{FF2B5EF4-FFF2-40B4-BE49-F238E27FC236}">
-                <a16:creationId xmlns:a16="http://schemas.microsoft.com/office/drawing/2014/main" id="{BC879E3A-7448-ABD0-24E5-7359BC803FE8}"/>
-              </a:ext>
-            </a:extLst>
-          </p:cNvPr>
-          <p:cNvSpPr>
-            <a:spLocks noGrp="1"/>
-          </p:cNvSpPr>
-          <p:nvPr>
-            <p:ph idx="1"/>
-          </p:nvPr>
-        </p:nvSpPr>
-        <p:spPr/>
-        <p:txBody>
-          <a:bodyPr/>
-          <a:lstStyle/>
-          <a:p>
-            <a:pPr marL="0" indent="0">
-              <a:buNone/>
-            </a:pPr>
+              <a:rPr lang="da-DK" b="1" dirty="0">
+                <a:latin typeface="Neo Sans Pro" panose="020B0504030504040204" pitchFamily="34" charset="0"/>
+              </a:rPr>
+              <a:t>The </a:t>
+            </a:r>
             <a:r>
               <a:rPr lang="da-DK" b="1" dirty="0" err="1">
                 <a:latin typeface="Neo Sans Pro" panose="020B0504030504040204" pitchFamily="34" charset="0"/>
               </a:rPr>
-              <a:t>About</a:t>
+              <a:t>Shiny</a:t>
             </a:r>
             <a:r>
               <a:rPr lang="da-DK" b="1" dirty="0">
                 <a:latin typeface="Neo Sans Pro" panose="020B0504030504040204" pitchFamily="34" charset="0"/>
               </a:rPr>
-              <a:t> CVD</a:t>
-            </a:r>
-          </a:p>
-          <a:p>
-            <a:pPr marL="0" indent="0">
-              <a:buNone/>
-            </a:pPr>
-            <a:endParaRPr lang="da-DK" dirty="0">
+              <a:t> </a:t>
+            </a:r>
+            <a:r>
+              <a:rPr lang="da-DK" b="1" dirty="0" err="1">
+                <a:latin typeface="Neo Sans Pro" panose="020B0504030504040204" pitchFamily="34" charset="0"/>
+              </a:rPr>
+              <a:t>application</a:t>
+            </a:r>
+            <a:endParaRPr lang="da-DK" b="1" dirty="0">
               <a:latin typeface="Neo Sans Pro" panose="020B0504030504040204" pitchFamily="34" charset="0"/>
             </a:endParaRPr>
           </a:p>
         </p:txBody>
       </p:sp>
-      <p:pic>
-        <p:nvPicPr>
-          <p:cNvPr id="5" name="Billede 4">
-            <a:extLst>
-              <a:ext uri="{FF2B5EF4-FFF2-40B4-BE49-F238E27FC236}">
-                <a16:creationId xmlns:a16="http://schemas.microsoft.com/office/drawing/2014/main" id="{403E3BFF-E12E-6156-2862-3F06B5ECAB66}"/>
-              </a:ext>
-            </a:extLst>
-          </p:cNvPr>
-          <p:cNvPicPr>
-            <a:picLocks noChangeAspect="1"/>
-          </p:cNvPicPr>
+      <p:sp>
+        <p:nvSpPr>
+          <p:cNvPr id="4" name="Rektangel: afrundede hjørner 3">
+            <a:extLst>
+              <a:ext uri="{FF2B5EF4-FFF2-40B4-BE49-F238E27FC236}">
+                <a16:creationId xmlns:a16="http://schemas.microsoft.com/office/drawing/2014/main" id="{D3AE7259-0F4D-F39F-E569-2148CE8DD4FE}"/>
+              </a:ext>
+            </a:extLst>
+          </p:cNvPr>
+          <p:cNvSpPr/>
           <p:nvPr/>
-        </p:nvPicPr>
-        <p:blipFill>
-          <a:blip r:embed="rId2"/>
-          <a:stretch>
-            <a:fillRect/>
-          </a:stretch>
-        </p:blipFill>
+        </p:nvSpPr>
         <p:spPr>
           <a:xfrm>
-            <a:off x="838200" y="2336704"/>
-            <a:ext cx="9720000" cy="4125349"/>
+            <a:off x="838200" y="1582221"/>
+            <a:ext cx="10515600" cy="5003514"/>
+          </a:xfrm>
+          <a:prstGeom prst="roundRect">
+            <a:avLst>
+              <a:gd name="adj" fmla="val 5818"/>
+            </a:avLst>
+          </a:prstGeom>
+          <a:noFill/>
+          <a:ln w="28575">
+            <a:solidFill>
+              <a:srgbClr val="5B779A"/>
+            </a:solidFill>
+          </a:ln>
+        </p:spPr>
+        <p:style>
+          <a:lnRef idx="2">
+            <a:schemeClr val="accent1">
+              <a:shade val="15000"/>
+            </a:schemeClr>
+          </a:lnRef>
+          <a:fillRef idx="1">
+            <a:schemeClr val="accent1"/>
+          </a:fillRef>
+          <a:effectRef idx="0">
+            <a:schemeClr val="accent1"/>
+          </a:effectRef>
+          <a:fontRef idx="minor">
+            <a:schemeClr val="lt1"/>
+          </a:fontRef>
+        </p:style>
+        <p:txBody>
+          <a:bodyPr rtlCol="0" anchor="ctr"/>
+          <a:lstStyle/>
+          <a:p>
+            <a:pPr algn="ctr"/>
+            <a:endParaRPr lang="da-DK"/>
+          </a:p>
+        </p:txBody>
+      </p:sp>
+      <p:sp>
+        <p:nvSpPr>
+          <p:cNvPr id="5" name="Rektangel: afrundede hjørner 4">
+            <a:extLst>
+              <a:ext uri="{FF2B5EF4-FFF2-40B4-BE49-F238E27FC236}">
+                <a16:creationId xmlns:a16="http://schemas.microsoft.com/office/drawing/2014/main" id="{DC2BD53E-99F0-2907-2575-58B7337F2600}"/>
+              </a:ext>
+            </a:extLst>
+          </p:cNvPr>
+          <p:cNvSpPr/>
+          <p:nvPr/>
+        </p:nvSpPr>
+        <p:spPr>
+          <a:xfrm>
+            <a:off x="965771" y="2147299"/>
+            <a:ext cx="10233060" cy="708917"/>
+          </a:xfrm>
+          <a:prstGeom prst="roundRect">
+            <a:avLst>
+              <a:gd name="adj" fmla="val 21760"/>
+            </a:avLst>
+          </a:prstGeom>
+          <a:solidFill>
+            <a:schemeClr val="tx2">
+              <a:lumMod val="60000"/>
+              <a:lumOff val="40000"/>
+            </a:schemeClr>
+          </a:solidFill>
+          <a:ln w="28575">
+            <a:solidFill>
+              <a:srgbClr val="5B779A"/>
+            </a:solidFill>
+          </a:ln>
+        </p:spPr>
+        <p:style>
+          <a:lnRef idx="2">
+            <a:schemeClr val="accent1">
+              <a:shade val="15000"/>
+            </a:schemeClr>
+          </a:lnRef>
+          <a:fillRef idx="1">
+            <a:schemeClr val="accent1"/>
+          </a:fillRef>
+          <a:effectRef idx="0">
+            <a:schemeClr val="accent1"/>
+          </a:effectRef>
+          <a:fontRef idx="minor">
+            <a:schemeClr val="lt1"/>
+          </a:fontRef>
+        </p:style>
+        <p:txBody>
+          <a:bodyPr rtlCol="0" anchor="ctr"/>
+          <a:lstStyle/>
+          <a:p>
+            <a:pPr algn="ctr"/>
+            <a:endParaRPr lang="da-DK"/>
+          </a:p>
+        </p:txBody>
+      </p:sp>
+      <p:sp>
+        <p:nvSpPr>
+          <p:cNvPr id="8" name="Rektangel: afrundede hjørner 7">
+            <a:extLst>
+              <a:ext uri="{FF2B5EF4-FFF2-40B4-BE49-F238E27FC236}">
+                <a16:creationId xmlns:a16="http://schemas.microsoft.com/office/drawing/2014/main" id="{76D86268-199D-3148-97F5-AC04AEC8C60E}"/>
+              </a:ext>
+            </a:extLst>
+          </p:cNvPr>
+          <p:cNvSpPr/>
+          <p:nvPr/>
+        </p:nvSpPr>
+        <p:spPr>
+          <a:xfrm>
+            <a:off x="1078788" y="3626778"/>
+            <a:ext cx="9965930" cy="2722651"/>
+          </a:xfrm>
+          <a:prstGeom prst="roundRect">
+            <a:avLst>
+              <a:gd name="adj" fmla="val 5955"/>
+            </a:avLst>
+          </a:prstGeom>
+          <a:solidFill>
+            <a:schemeClr val="tx2">
+              <a:lumMod val="20000"/>
+              <a:lumOff val="80000"/>
+            </a:schemeClr>
+          </a:solidFill>
+          <a:ln w="28575">
+            <a:solidFill>
+              <a:srgbClr val="5B779A"/>
+            </a:solidFill>
+          </a:ln>
+        </p:spPr>
+        <p:style>
+          <a:lnRef idx="2">
+            <a:schemeClr val="accent1">
+              <a:shade val="15000"/>
+            </a:schemeClr>
+          </a:lnRef>
+          <a:fillRef idx="1">
+            <a:schemeClr val="accent1"/>
+          </a:fillRef>
+          <a:effectRef idx="0">
+            <a:schemeClr val="accent1"/>
+          </a:effectRef>
+          <a:fontRef idx="minor">
+            <a:schemeClr val="lt1"/>
+          </a:fontRef>
+        </p:style>
+        <p:txBody>
+          <a:bodyPr rtlCol="0" anchor="ctr"/>
+          <a:lstStyle/>
+          <a:p>
+            <a:pPr algn="ctr"/>
+            <a:endParaRPr lang="da-DK"/>
+          </a:p>
+        </p:txBody>
+      </p:sp>
+      <p:sp>
+        <p:nvSpPr>
+          <p:cNvPr id="6" name="Rektangel: afrundede hjørner 5">
+            <a:extLst>
+              <a:ext uri="{FF2B5EF4-FFF2-40B4-BE49-F238E27FC236}">
+                <a16:creationId xmlns:a16="http://schemas.microsoft.com/office/drawing/2014/main" id="{5BA3637A-2F6A-97DB-1AE3-9B6EBCE13BB5}"/>
+              </a:ext>
+            </a:extLst>
+          </p:cNvPr>
+          <p:cNvSpPr/>
+          <p:nvPr/>
+        </p:nvSpPr>
+        <p:spPr>
+          <a:xfrm>
+            <a:off x="1228616" y="4182764"/>
+            <a:ext cx="2452956" cy="2012554"/>
+          </a:xfrm>
+          <a:prstGeom prst="roundRect">
+            <a:avLst>
+              <a:gd name="adj" fmla="val 5955"/>
+            </a:avLst>
+          </a:prstGeom>
+          <a:solidFill>
+            <a:schemeClr val="bg1"/>
+          </a:solidFill>
+          <a:ln w="28575">
+            <a:solidFill>
+              <a:srgbClr val="5B779A"/>
+            </a:solidFill>
+          </a:ln>
+        </p:spPr>
+        <p:style>
+          <a:lnRef idx="2">
+            <a:schemeClr val="accent1">
+              <a:shade val="15000"/>
+            </a:schemeClr>
+          </a:lnRef>
+          <a:fillRef idx="1">
+            <a:schemeClr val="accent1"/>
+          </a:fillRef>
+          <a:effectRef idx="0">
+            <a:schemeClr val="accent1"/>
+          </a:effectRef>
+          <a:fontRef idx="minor">
+            <a:schemeClr val="lt1"/>
+          </a:fontRef>
+        </p:style>
+        <p:txBody>
+          <a:bodyPr rtlCol="0" anchor="ctr"/>
+          <a:lstStyle/>
+          <a:p>
+            <a:pPr algn="ctr"/>
+            <a:endParaRPr lang="da-DK"/>
+          </a:p>
+        </p:txBody>
+      </p:sp>
+      <p:sp>
+        <p:nvSpPr>
+          <p:cNvPr id="7" name="Rektangel: afrundede hjørner 6">
+            <a:extLst>
+              <a:ext uri="{FF2B5EF4-FFF2-40B4-BE49-F238E27FC236}">
+                <a16:creationId xmlns:a16="http://schemas.microsoft.com/office/drawing/2014/main" id="{0FAB058D-72C9-CF41-99B2-9415883AD4D9}"/>
+              </a:ext>
+            </a:extLst>
+          </p:cNvPr>
+          <p:cNvSpPr/>
+          <p:nvPr/>
+        </p:nvSpPr>
+        <p:spPr>
+          <a:xfrm>
+            <a:off x="3836541" y="4162216"/>
+            <a:ext cx="7054065" cy="2012554"/>
+          </a:xfrm>
+          <a:prstGeom prst="roundRect">
+            <a:avLst>
+              <a:gd name="adj" fmla="val 5955"/>
+            </a:avLst>
+          </a:prstGeom>
+          <a:solidFill>
+            <a:schemeClr val="bg1"/>
+          </a:solidFill>
+          <a:ln w="28575">
+            <a:solidFill>
+              <a:srgbClr val="5B779A"/>
+            </a:solidFill>
+          </a:ln>
+        </p:spPr>
+        <p:style>
+          <a:lnRef idx="2">
+            <a:schemeClr val="accent1">
+              <a:shade val="15000"/>
+            </a:schemeClr>
+          </a:lnRef>
+          <a:fillRef idx="1">
+            <a:schemeClr val="accent1"/>
+          </a:fillRef>
+          <a:effectRef idx="0">
+            <a:schemeClr val="accent1"/>
+          </a:effectRef>
+          <a:fontRef idx="minor">
+            <a:schemeClr val="lt1"/>
+          </a:fontRef>
+        </p:style>
+        <p:txBody>
+          <a:bodyPr rtlCol="0" anchor="ctr"/>
+          <a:lstStyle/>
+          <a:p>
+            <a:pPr algn="ctr"/>
+            <a:endParaRPr lang="da-DK"/>
+          </a:p>
+        </p:txBody>
+      </p:sp>
+      <p:sp>
+        <p:nvSpPr>
+          <p:cNvPr id="9" name="Tekstfelt 8">
+            <a:extLst>
+              <a:ext uri="{FF2B5EF4-FFF2-40B4-BE49-F238E27FC236}">
+                <a16:creationId xmlns:a16="http://schemas.microsoft.com/office/drawing/2014/main" id="{DC033869-151A-DFAA-6DFB-4D213FC66BD4}"/>
+              </a:ext>
+            </a:extLst>
+          </p:cNvPr>
+          <p:cNvSpPr txBox="1"/>
+          <p:nvPr/>
+        </p:nvSpPr>
+        <p:spPr>
+          <a:xfrm>
+            <a:off x="1078788" y="2311686"/>
+            <a:ext cx="3770614" cy="369332"/>
           </a:xfrm>
           <a:prstGeom prst="rect">
             <a:avLst/>
           </a:prstGeom>
+          <a:noFill/>
         </p:spPr>
-      </p:pic>
+        <p:txBody>
+          <a:bodyPr wrap="square" rtlCol="0">
+            <a:spAutoFit/>
+          </a:bodyPr>
+          <a:lstStyle/>
+          <a:p>
+            <a:r>
+              <a:rPr lang="da-DK" dirty="0" err="1">
+                <a:latin typeface="Neo Sans Pro" panose="020B0504030504040204" pitchFamily="34" charset="0"/>
+              </a:rPr>
+              <a:t>navbarMenu</a:t>
+            </a:r>
+            <a:r>
+              <a:rPr lang="da-DK" dirty="0">
+                <a:latin typeface="Neo Sans Pro" panose="020B0504030504040204" pitchFamily="34" charset="0"/>
+              </a:rPr>
+              <a:t>()</a:t>
+            </a:r>
+          </a:p>
+        </p:txBody>
+      </p:sp>
+      <p:sp>
+        <p:nvSpPr>
+          <p:cNvPr id="10" name="Tekstfelt 9">
+            <a:extLst>
+              <a:ext uri="{FF2B5EF4-FFF2-40B4-BE49-F238E27FC236}">
+                <a16:creationId xmlns:a16="http://schemas.microsoft.com/office/drawing/2014/main" id="{A276EABE-BF25-8549-1EC9-B8EFEADE3475}"/>
+              </a:ext>
+            </a:extLst>
+          </p:cNvPr>
+          <p:cNvSpPr txBox="1"/>
+          <p:nvPr/>
+        </p:nvSpPr>
+        <p:spPr>
+          <a:xfrm>
+            <a:off x="1284270" y="3714646"/>
+            <a:ext cx="3770614" cy="369332"/>
+          </a:xfrm>
+          <a:prstGeom prst="rect">
+            <a:avLst/>
+          </a:prstGeom>
+          <a:noFill/>
+        </p:spPr>
+        <p:txBody>
+          <a:bodyPr wrap="square" rtlCol="0">
+            <a:spAutoFit/>
+          </a:bodyPr>
+          <a:lstStyle/>
+          <a:p>
+            <a:r>
+              <a:rPr lang="da-DK" dirty="0" err="1">
+                <a:latin typeface="Neo Sans Pro" panose="020B0504030504040204" pitchFamily="34" charset="0"/>
+              </a:rPr>
+              <a:t>sidebarLayout</a:t>
+            </a:r>
+            <a:r>
+              <a:rPr lang="da-DK" dirty="0">
+                <a:latin typeface="Neo Sans Pro" panose="020B0504030504040204" pitchFamily="34" charset="0"/>
+              </a:rPr>
+              <a:t>()</a:t>
+            </a:r>
+          </a:p>
+        </p:txBody>
+      </p:sp>
+      <p:sp>
+        <p:nvSpPr>
+          <p:cNvPr id="11" name="Tekstfelt 10">
+            <a:extLst>
+              <a:ext uri="{FF2B5EF4-FFF2-40B4-BE49-F238E27FC236}">
+                <a16:creationId xmlns:a16="http://schemas.microsoft.com/office/drawing/2014/main" id="{E3F34452-9B5E-1E43-1FE1-89D2BACD67F5}"/>
+              </a:ext>
+            </a:extLst>
+          </p:cNvPr>
+          <p:cNvSpPr txBox="1"/>
+          <p:nvPr/>
+        </p:nvSpPr>
+        <p:spPr>
+          <a:xfrm>
+            <a:off x="1301394" y="4277634"/>
+            <a:ext cx="3770614" cy="369332"/>
+          </a:xfrm>
+          <a:prstGeom prst="rect">
+            <a:avLst/>
+          </a:prstGeom>
+          <a:noFill/>
+        </p:spPr>
+        <p:txBody>
+          <a:bodyPr wrap="square" rtlCol="0">
+            <a:spAutoFit/>
+          </a:bodyPr>
+          <a:lstStyle/>
+          <a:p>
+            <a:r>
+              <a:rPr lang="da-DK" dirty="0" err="1">
+                <a:latin typeface="Neo Sans Pro" panose="020B0504030504040204" pitchFamily="34" charset="0"/>
+              </a:rPr>
+              <a:t>sidebarPanel</a:t>
+            </a:r>
+            <a:r>
+              <a:rPr lang="da-DK" dirty="0">
+                <a:latin typeface="Neo Sans Pro" panose="020B0504030504040204" pitchFamily="34" charset="0"/>
+              </a:rPr>
+              <a:t>()</a:t>
+            </a:r>
+          </a:p>
+        </p:txBody>
+      </p:sp>
+      <p:sp>
+        <p:nvSpPr>
+          <p:cNvPr id="12" name="Tekstfelt 11">
+            <a:extLst>
+              <a:ext uri="{FF2B5EF4-FFF2-40B4-BE49-F238E27FC236}">
+                <a16:creationId xmlns:a16="http://schemas.microsoft.com/office/drawing/2014/main" id="{3052D094-08FB-9DE0-8162-4BB838C5617E}"/>
+              </a:ext>
+            </a:extLst>
+          </p:cNvPr>
+          <p:cNvSpPr txBox="1"/>
+          <p:nvPr/>
+        </p:nvSpPr>
+        <p:spPr>
+          <a:xfrm>
+            <a:off x="3949559" y="4277634"/>
+            <a:ext cx="3770614" cy="369332"/>
+          </a:xfrm>
+          <a:prstGeom prst="rect">
+            <a:avLst/>
+          </a:prstGeom>
+          <a:noFill/>
+        </p:spPr>
+        <p:txBody>
+          <a:bodyPr wrap="square" rtlCol="0">
+            <a:spAutoFit/>
+          </a:bodyPr>
+          <a:lstStyle/>
+          <a:p>
+            <a:r>
+              <a:rPr lang="da-DK" dirty="0" err="1">
+                <a:latin typeface="Neo Sans Pro" panose="020B0504030504040204" pitchFamily="34" charset="0"/>
+              </a:rPr>
+              <a:t>mainPanel</a:t>
+            </a:r>
+            <a:r>
+              <a:rPr lang="da-DK" dirty="0">
+                <a:latin typeface="Neo Sans Pro" panose="020B0504030504040204" pitchFamily="34" charset="0"/>
+              </a:rPr>
+              <a:t>()</a:t>
+            </a:r>
+          </a:p>
+        </p:txBody>
+      </p:sp>
+      <p:sp>
+        <p:nvSpPr>
+          <p:cNvPr id="13" name="Tekstfelt 12">
+            <a:extLst>
+              <a:ext uri="{FF2B5EF4-FFF2-40B4-BE49-F238E27FC236}">
+                <a16:creationId xmlns:a16="http://schemas.microsoft.com/office/drawing/2014/main" id="{70795F15-913B-CA9C-8855-B8ECE0D8EAF5}"/>
+              </a:ext>
+            </a:extLst>
+          </p:cNvPr>
+          <p:cNvSpPr txBox="1"/>
+          <p:nvPr/>
+        </p:nvSpPr>
+        <p:spPr>
+          <a:xfrm>
+            <a:off x="1078788" y="1684057"/>
+            <a:ext cx="3770614" cy="369332"/>
+          </a:xfrm>
+          <a:prstGeom prst="rect">
+            <a:avLst/>
+          </a:prstGeom>
+          <a:noFill/>
+        </p:spPr>
+        <p:txBody>
+          <a:bodyPr wrap="square" rtlCol="0">
+            <a:spAutoFit/>
+          </a:bodyPr>
+          <a:lstStyle/>
+          <a:p>
+            <a:r>
+              <a:rPr lang="da-DK" dirty="0" err="1">
+                <a:latin typeface="Neo Sans Pro" panose="020B0504030504040204" pitchFamily="34" charset="0"/>
+              </a:rPr>
+              <a:t>fluidPage</a:t>
+            </a:r>
+            <a:r>
+              <a:rPr lang="da-DK" dirty="0">
+                <a:latin typeface="Neo Sans Pro" panose="020B0504030504040204" pitchFamily="34" charset="0"/>
+              </a:rPr>
+              <a:t>() + </a:t>
+            </a:r>
+            <a:r>
+              <a:rPr lang="da-DK" dirty="0" err="1">
+                <a:latin typeface="Neo Sans Pro" panose="020B0504030504040204" pitchFamily="34" charset="0"/>
+              </a:rPr>
+              <a:t>navbarPage</a:t>
+            </a:r>
+            <a:r>
+              <a:rPr lang="da-DK" dirty="0">
+                <a:latin typeface="Neo Sans Pro" panose="020B0504030504040204" pitchFamily="34" charset="0"/>
+              </a:rPr>
+              <a:t>()</a:t>
+            </a:r>
+          </a:p>
+        </p:txBody>
+      </p:sp>
+      <p:sp>
+        <p:nvSpPr>
+          <p:cNvPr id="15" name="Tekstfelt 14">
+            <a:extLst>
+              <a:ext uri="{FF2B5EF4-FFF2-40B4-BE49-F238E27FC236}">
+                <a16:creationId xmlns:a16="http://schemas.microsoft.com/office/drawing/2014/main" id="{3995992F-0591-F92C-22D7-F95A565437A7}"/>
+              </a:ext>
+            </a:extLst>
+          </p:cNvPr>
+          <p:cNvSpPr txBox="1"/>
+          <p:nvPr/>
+        </p:nvSpPr>
+        <p:spPr>
+          <a:xfrm>
+            <a:off x="1078788" y="3127927"/>
+            <a:ext cx="3770614" cy="369332"/>
+          </a:xfrm>
+          <a:prstGeom prst="rect">
+            <a:avLst/>
+          </a:prstGeom>
+          <a:noFill/>
+        </p:spPr>
+        <p:txBody>
+          <a:bodyPr wrap="square" rtlCol="0">
+            <a:spAutoFit/>
+          </a:bodyPr>
+          <a:lstStyle/>
+          <a:p>
+            <a:r>
+              <a:rPr lang="da-DK" dirty="0" err="1">
+                <a:latin typeface="Neo Sans Pro" panose="020B0504030504040204" pitchFamily="34" charset="0"/>
+              </a:rPr>
+              <a:t>tabPanel</a:t>
+            </a:r>
+            <a:r>
+              <a:rPr lang="da-DK" dirty="0">
+                <a:latin typeface="Neo Sans Pro" panose="020B0504030504040204" pitchFamily="34" charset="0"/>
+              </a:rPr>
+              <a:t>()</a:t>
+            </a:r>
+          </a:p>
+        </p:txBody>
+      </p:sp>
     </p:spTree>
     <p:extLst>
       <p:ext uri="{BB962C8B-B14F-4D97-AF65-F5344CB8AC3E}">
-        <p14:creationId xmlns:p14="http://schemas.microsoft.com/office/powerpoint/2010/main" val="3726256060"/>
+        <p14:creationId xmlns:p14="http://schemas.microsoft.com/office/powerpoint/2010/main" val="3727406675"/>
       </p:ext>
     </p:extLst>
   </p:cSld>
